--- a/PR2022-23_vmesna_13.pptx
+++ b/PR2022-23_vmesna_13.pptx
@@ -1,23 +1,118 @@
 
 <file path=ppt/presentation.xml><?xml version="1.0" encoding="utf-8"?>
-<p:presentation xmlns:a="http://schemas.openxmlformats.org/drawingml/2006/main" xmlns:p="http://schemas.openxmlformats.org/presentationml/2006/main" xmlns:r="http://schemas.openxmlformats.org/officeDocument/2006/relationships" xmlns:p14="http://schemas.microsoft.com/office/powerpoint/2010/main" xmlns:p15="http://schemas.microsoft.com/office/powerpoint/2012/main" xmlns:mc="http://schemas.openxmlformats.org/markup-compatibility/2006">
+<p:presentation xmlns:a="http://schemas.openxmlformats.org/drawingml/2006/main" xmlns:r="http://schemas.openxmlformats.org/officeDocument/2006/relationships" xmlns:p="http://schemas.openxmlformats.org/presentationml/2006/main">
   <p:sldMasterIdLst>
-    <p:sldMasterId id="2147483648" r:id="rId2"/>
-    <p:sldMasterId id="2147483661" r:id="rId3"/>
-    <p:sldMasterId id="2147483674" r:id="rId4"/>
+    <p:sldMasterId id="2147483648" r:id="rId1"/>
+    <p:sldMasterId id="2147483661" r:id="rId2"/>
+    <p:sldMasterId id="2147483674" r:id="rId3"/>
   </p:sldMasterIdLst>
   <p:sldIdLst>
-    <p:sldId id="256" r:id="rId5"/>
-    <p:sldId id="257" r:id="rId6"/>
-    <p:sldId id="258" r:id="rId7"/>
+    <p:sldId id="256" r:id="rId4"/>
+    <p:sldId id="257" r:id="rId5"/>
+    <p:sldId id="258" r:id="rId6"/>
   </p:sldIdLst>
-  <p:sldSz cx="9144000" cy="5143500"/>
+  <p:sldSz cx="9144000" cy="5143500" type="screen16x9"/>
   <p:notesSz cx="7559675" cy="10691813"/>
+  <p:defaultTextStyle>
+    <a:defPPr>
+      <a:defRPr lang="sl-SI"/>
+    </a:defPPr>
+    <a:lvl1pPr marL="0" algn="l" defTabSz="914400" rtl="0" eaLnBrk="1" latinLnBrk="0" hangingPunct="1">
+      <a:defRPr sz="1800" kern="1200">
+        <a:solidFill>
+          <a:schemeClr val="tx1"/>
+        </a:solidFill>
+        <a:latin typeface="+mn-lt"/>
+        <a:ea typeface="+mn-ea"/>
+        <a:cs typeface="+mn-cs"/>
+      </a:defRPr>
+    </a:lvl1pPr>
+    <a:lvl2pPr marL="457200" algn="l" defTabSz="914400" rtl="0" eaLnBrk="1" latinLnBrk="0" hangingPunct="1">
+      <a:defRPr sz="1800" kern="1200">
+        <a:solidFill>
+          <a:schemeClr val="tx1"/>
+        </a:solidFill>
+        <a:latin typeface="+mn-lt"/>
+        <a:ea typeface="+mn-ea"/>
+        <a:cs typeface="+mn-cs"/>
+      </a:defRPr>
+    </a:lvl2pPr>
+    <a:lvl3pPr marL="914400" algn="l" defTabSz="914400" rtl="0" eaLnBrk="1" latinLnBrk="0" hangingPunct="1">
+      <a:defRPr sz="1800" kern="1200">
+        <a:solidFill>
+          <a:schemeClr val="tx1"/>
+        </a:solidFill>
+        <a:latin typeface="+mn-lt"/>
+        <a:ea typeface="+mn-ea"/>
+        <a:cs typeface="+mn-cs"/>
+      </a:defRPr>
+    </a:lvl3pPr>
+    <a:lvl4pPr marL="1371600" algn="l" defTabSz="914400" rtl="0" eaLnBrk="1" latinLnBrk="0" hangingPunct="1">
+      <a:defRPr sz="1800" kern="1200">
+        <a:solidFill>
+          <a:schemeClr val="tx1"/>
+        </a:solidFill>
+        <a:latin typeface="+mn-lt"/>
+        <a:ea typeface="+mn-ea"/>
+        <a:cs typeface="+mn-cs"/>
+      </a:defRPr>
+    </a:lvl4pPr>
+    <a:lvl5pPr marL="1828800" algn="l" defTabSz="914400" rtl="0" eaLnBrk="1" latinLnBrk="0" hangingPunct="1">
+      <a:defRPr sz="1800" kern="1200">
+        <a:solidFill>
+          <a:schemeClr val="tx1"/>
+        </a:solidFill>
+        <a:latin typeface="+mn-lt"/>
+        <a:ea typeface="+mn-ea"/>
+        <a:cs typeface="+mn-cs"/>
+      </a:defRPr>
+    </a:lvl5pPr>
+    <a:lvl6pPr marL="2286000" algn="l" defTabSz="914400" rtl="0" eaLnBrk="1" latinLnBrk="0" hangingPunct="1">
+      <a:defRPr sz="1800" kern="1200">
+        <a:solidFill>
+          <a:schemeClr val="tx1"/>
+        </a:solidFill>
+        <a:latin typeface="+mn-lt"/>
+        <a:ea typeface="+mn-ea"/>
+        <a:cs typeface="+mn-cs"/>
+      </a:defRPr>
+    </a:lvl6pPr>
+    <a:lvl7pPr marL="2743200" algn="l" defTabSz="914400" rtl="0" eaLnBrk="1" latinLnBrk="0" hangingPunct="1">
+      <a:defRPr sz="1800" kern="1200">
+        <a:solidFill>
+          <a:schemeClr val="tx1"/>
+        </a:solidFill>
+        <a:latin typeface="+mn-lt"/>
+        <a:ea typeface="+mn-ea"/>
+        <a:cs typeface="+mn-cs"/>
+      </a:defRPr>
+    </a:lvl7pPr>
+    <a:lvl8pPr marL="3200400" algn="l" defTabSz="914400" rtl="0" eaLnBrk="1" latinLnBrk="0" hangingPunct="1">
+      <a:defRPr sz="1800" kern="1200">
+        <a:solidFill>
+          <a:schemeClr val="tx1"/>
+        </a:solidFill>
+        <a:latin typeface="+mn-lt"/>
+        <a:ea typeface="+mn-ea"/>
+        <a:cs typeface="+mn-cs"/>
+      </a:defRPr>
+    </a:lvl8pPr>
+    <a:lvl9pPr marL="3657600" algn="l" defTabSz="914400" rtl="0" eaLnBrk="1" latinLnBrk="0" hangingPunct="1">
+      <a:defRPr sz="1800" kern="1200">
+        <a:solidFill>
+          <a:schemeClr val="tx1"/>
+        </a:solidFill>
+        <a:latin typeface="+mn-lt"/>
+        <a:ea typeface="+mn-ea"/>
+        <a:cs typeface="+mn-cs"/>
+      </a:defRPr>
+    </a:lvl9pPr>
+  </p:defaultTextStyle>
 </p:presentation>
 </file>
 
 <file path=ppt/slideLayouts/slideLayout1.xml><?xml version="1.0" encoding="utf-8"?>
-<p:sldLayout xmlns:a="http://schemas.openxmlformats.org/drawingml/2006/main" xmlns:p="http://schemas.openxmlformats.org/presentationml/2006/main" xmlns:r="http://schemas.openxmlformats.org/officeDocument/2006/relationships" xmlns:p14="http://schemas.microsoft.com/office/powerpoint/2010/main" xmlns:p15="http://schemas.microsoft.com/office/powerpoint/2012/main" xmlns:mc="http://schemas.openxmlformats.org/markup-compatibility/2006" type="blank" preserve="1">
+<p:sldLayout xmlns:a="http://schemas.openxmlformats.org/drawingml/2006/main" xmlns:r="http://schemas.openxmlformats.org/officeDocument/2006/relationships" xmlns:p="http://schemas.openxmlformats.org/presentationml/2006/main" type="blank" preserve="1">
   <p:cSld name="Blank Slide">
     <p:spTree>
       <p:nvGrpSpPr>
@@ -46,6 +141,7 @@
         <p:spPr/>
         <p:txBody>
           <a:bodyPr/>
+          <a:lstStyle/>
           <a:p>
             <a:r>
               <a:t>Footer</a:t>
@@ -66,10 +162,12 @@
         <p:spPr/>
         <p:txBody>
           <a:bodyPr/>
+          <a:lstStyle/>
           <a:p>
             <a:fld id="{41641B13-930D-4C96-8CBE-9B6605331A5C}" type="slidenum">
-              <a:t>&lt;#&gt;</a:t>
+              <a:t>‹#›</a:t>
             </a:fld>
+            <a:endParaRPr/>
           </a:p>
         </p:txBody>
       </p:sp>
@@ -86,21 +184,22 @@
         <p:spPr/>
         <p:txBody>
           <a:bodyPr/>
-          <a:p>
-            <a:r>
-              <a:rPr lang="en-US"/>
-              <a:t/>
-            </a:r>
+          <a:lstStyle/>
+          <a:p>
+            <a:endParaRPr/>
           </a:p>
         </p:txBody>
       </p:sp>
     </p:spTree>
   </p:cSld>
+  <p:clrMapOvr>
+    <a:masterClrMapping/>
+  </p:clrMapOvr>
 </p:sldLayout>
 </file>
 
 <file path=ppt/slideLayouts/slideLayout10.xml><?xml version="1.0" encoding="utf-8"?>
-<p:sldLayout xmlns:a="http://schemas.openxmlformats.org/drawingml/2006/main" xmlns:p="http://schemas.openxmlformats.org/presentationml/2006/main" xmlns:r="http://schemas.openxmlformats.org/officeDocument/2006/relationships" xmlns:p14="http://schemas.microsoft.com/office/powerpoint/2010/main" xmlns:p15="http://schemas.microsoft.com/office/powerpoint/2012/main" xmlns:mc="http://schemas.openxmlformats.org/markup-compatibility/2006" type="objOverTx" preserve="1">
+<p:sldLayout xmlns:a="http://schemas.openxmlformats.org/drawingml/2006/main" xmlns:r="http://schemas.openxmlformats.org/officeDocument/2006/relationships" xmlns:p="http://schemas.openxmlformats.org/presentationml/2006/main" type="objOverTx" preserve="1">
   <p:cSld name="Title, Content over Content">
     <p:spTree>
       <p:nvGrpSpPr>
@@ -140,11 +239,12 @@
           </a:ln>
         </p:spPr>
         <p:txBody>
-          <a:bodyPr lIns="0" rIns="0" tIns="0" bIns="0" anchor="ctr">
+          <a:bodyPr lIns="0" tIns="0" rIns="0" bIns="0" anchor="ctr">
             <a:noAutofit/>
           </a:bodyPr>
-          <a:p>
-            <a:endParaRPr b="0" lang="en-US" sz="1800" spc="-1" strike="noStrike">
+          <a:lstStyle/>
+          <a:p>
+            <a:endParaRPr lang="en-US" sz="1800" b="0" strike="noStrike" spc="-1">
               <a:solidFill>
                 <a:srgbClr val="000000"/>
               </a:solidFill>
@@ -177,9 +277,10 @@
           </a:ln>
         </p:spPr>
         <p:txBody>
-          <a:bodyPr lIns="0" rIns="0" tIns="0" bIns="0" anchor="t">
+          <a:bodyPr lIns="0" tIns="0" rIns="0" bIns="0" anchor="t">
             <a:normAutofit/>
           </a:bodyPr>
+          <a:lstStyle/>
           <a:p>
             <a:pPr>
               <a:lnSpc>
@@ -190,7 +291,7 @@
               </a:spcBef>
               <a:buNone/>
             </a:pPr>
-            <a:endParaRPr b="0" lang="en-US" sz="2100" spc="-1" strike="noStrike">
+            <a:endParaRPr lang="en-US" sz="2100" b="0" strike="noStrike" spc="-1">
               <a:solidFill>
                 <a:srgbClr val="000000"/>
               </a:solidFill>
@@ -223,9 +324,10 @@
           </a:ln>
         </p:spPr>
         <p:txBody>
-          <a:bodyPr lIns="0" rIns="0" tIns="0" bIns="0" anchor="t">
+          <a:bodyPr lIns="0" tIns="0" rIns="0" bIns="0" anchor="t">
             <a:normAutofit/>
           </a:bodyPr>
+          <a:lstStyle/>
           <a:p>
             <a:pPr>
               <a:lnSpc>
@@ -236,7 +338,7 @@
               </a:spcBef>
               <a:buNone/>
             </a:pPr>
-            <a:endParaRPr b="0" lang="en-US" sz="2100" spc="-1" strike="noStrike">
+            <a:endParaRPr lang="en-US" sz="2100" b="0" strike="noStrike" spc="-1">
               <a:solidFill>
                 <a:srgbClr val="000000"/>
               </a:solidFill>
@@ -258,6 +360,7 @@
         <p:spPr/>
         <p:txBody>
           <a:bodyPr/>
+          <a:lstStyle/>
           <a:p>
             <a:r>
               <a:t>Footer</a:t>
@@ -278,10 +381,12 @@
         <p:spPr/>
         <p:txBody>
           <a:bodyPr/>
+          <a:lstStyle/>
           <a:p>
             <a:fld id="{0D500BFD-AF44-46E6-94CD-5791EFE144B4}" type="slidenum">
-              <a:t>&lt;#&gt;</a:t>
+              <a:t>‹#›</a:t>
             </a:fld>
+            <a:endParaRPr/>
           </a:p>
         </p:txBody>
       </p:sp>
@@ -298,21 +403,22 @@
         <p:spPr/>
         <p:txBody>
           <a:bodyPr/>
-          <a:p>
-            <a:r>
-              <a:rPr lang="en-US"/>
-              <a:t/>
-            </a:r>
+          <a:lstStyle/>
+          <a:p>
+            <a:endParaRPr/>
           </a:p>
         </p:txBody>
       </p:sp>
     </p:spTree>
   </p:cSld>
+  <p:clrMapOvr>
+    <a:masterClrMapping/>
+  </p:clrMapOvr>
 </p:sldLayout>
 </file>
 
 <file path=ppt/slideLayouts/slideLayout11.xml><?xml version="1.0" encoding="utf-8"?>
-<p:sldLayout xmlns:a="http://schemas.openxmlformats.org/drawingml/2006/main" xmlns:p="http://schemas.openxmlformats.org/presentationml/2006/main" xmlns:r="http://schemas.openxmlformats.org/officeDocument/2006/relationships" xmlns:p14="http://schemas.microsoft.com/office/powerpoint/2010/main" xmlns:p15="http://schemas.microsoft.com/office/powerpoint/2012/main" xmlns:mc="http://schemas.openxmlformats.org/markup-compatibility/2006" type="fourObj" preserve="1">
+<p:sldLayout xmlns:a="http://schemas.openxmlformats.org/drawingml/2006/main" xmlns:r="http://schemas.openxmlformats.org/officeDocument/2006/relationships" xmlns:p="http://schemas.openxmlformats.org/presentationml/2006/main" type="fourObj" preserve="1">
   <p:cSld name="Title, 4 Content">
     <p:spTree>
       <p:nvGrpSpPr>
@@ -352,11 +458,12 @@
           </a:ln>
         </p:spPr>
         <p:txBody>
-          <a:bodyPr lIns="0" rIns="0" tIns="0" bIns="0" anchor="ctr">
+          <a:bodyPr lIns="0" tIns="0" rIns="0" bIns="0" anchor="ctr">
             <a:noAutofit/>
           </a:bodyPr>
-          <a:p>
-            <a:endParaRPr b="0" lang="en-US" sz="1800" spc="-1" strike="noStrike">
+          <a:lstStyle/>
+          <a:p>
+            <a:endParaRPr lang="en-US" sz="1800" b="0" strike="noStrike" spc="-1">
               <a:solidFill>
                 <a:srgbClr val="000000"/>
               </a:solidFill>
@@ -389,9 +496,10 @@
           </a:ln>
         </p:spPr>
         <p:txBody>
-          <a:bodyPr lIns="0" rIns="0" tIns="0" bIns="0" anchor="t">
+          <a:bodyPr lIns="0" tIns="0" rIns="0" bIns="0" anchor="t">
             <a:normAutofit/>
           </a:bodyPr>
+          <a:lstStyle/>
           <a:p>
             <a:pPr>
               <a:lnSpc>
@@ -402,7 +510,7 @@
               </a:spcBef>
               <a:buNone/>
             </a:pPr>
-            <a:endParaRPr b="0" lang="en-US" sz="2100" spc="-1" strike="noStrike">
+            <a:endParaRPr lang="en-US" sz="2100" b="0" strike="noStrike" spc="-1">
               <a:solidFill>
                 <a:srgbClr val="000000"/>
               </a:solidFill>
@@ -435,9 +543,10 @@
           </a:ln>
         </p:spPr>
         <p:txBody>
-          <a:bodyPr lIns="0" rIns="0" tIns="0" bIns="0" anchor="t">
+          <a:bodyPr lIns="0" tIns="0" rIns="0" bIns="0" anchor="t">
             <a:normAutofit/>
           </a:bodyPr>
+          <a:lstStyle/>
           <a:p>
             <a:pPr>
               <a:lnSpc>
@@ -448,7 +557,7 @@
               </a:spcBef>
               <a:buNone/>
             </a:pPr>
-            <a:endParaRPr b="0" lang="en-US" sz="2100" spc="-1" strike="noStrike">
+            <a:endParaRPr lang="en-US" sz="2100" b="0" strike="noStrike" spc="-1">
               <a:solidFill>
                 <a:srgbClr val="000000"/>
               </a:solidFill>
@@ -481,9 +590,10 @@
           </a:ln>
         </p:spPr>
         <p:txBody>
-          <a:bodyPr lIns="0" rIns="0" tIns="0" bIns="0" anchor="t">
+          <a:bodyPr lIns="0" tIns="0" rIns="0" bIns="0" anchor="t">
             <a:normAutofit/>
           </a:bodyPr>
+          <a:lstStyle/>
           <a:p>
             <a:pPr>
               <a:lnSpc>
@@ -494,7 +604,7 @@
               </a:spcBef>
               <a:buNone/>
             </a:pPr>
-            <a:endParaRPr b="0" lang="en-US" sz="2100" spc="-1" strike="noStrike">
+            <a:endParaRPr lang="en-US" sz="2100" b="0" strike="noStrike" spc="-1">
               <a:solidFill>
                 <a:srgbClr val="000000"/>
               </a:solidFill>
@@ -527,9 +637,10 @@
           </a:ln>
         </p:spPr>
         <p:txBody>
-          <a:bodyPr lIns="0" rIns="0" tIns="0" bIns="0" anchor="t">
+          <a:bodyPr lIns="0" tIns="0" rIns="0" bIns="0" anchor="t">
             <a:normAutofit/>
           </a:bodyPr>
+          <a:lstStyle/>
           <a:p>
             <a:pPr>
               <a:lnSpc>
@@ -540,7 +651,7 @@
               </a:spcBef>
               <a:buNone/>
             </a:pPr>
-            <a:endParaRPr b="0" lang="en-US" sz="2100" spc="-1" strike="noStrike">
+            <a:endParaRPr lang="en-US" sz="2100" b="0" strike="noStrike" spc="-1">
               <a:solidFill>
                 <a:srgbClr val="000000"/>
               </a:solidFill>
@@ -562,6 +673,7 @@
         <p:spPr/>
         <p:txBody>
           <a:bodyPr/>
+          <a:lstStyle/>
           <a:p>
             <a:r>
               <a:t>Footer</a:t>
@@ -582,10 +694,12 @@
         <p:spPr/>
         <p:txBody>
           <a:bodyPr/>
+          <a:lstStyle/>
           <a:p>
             <a:fld id="{927FD4F1-566F-4D63-B20D-F757639DE15E}" type="slidenum">
-              <a:t>&lt;#&gt;</a:t>
+              <a:t>‹#›</a:t>
             </a:fld>
+            <a:endParaRPr/>
           </a:p>
         </p:txBody>
       </p:sp>
@@ -602,21 +716,22 @@
         <p:spPr/>
         <p:txBody>
           <a:bodyPr/>
-          <a:p>
-            <a:r>
-              <a:rPr lang="en-US"/>
-              <a:t/>
-            </a:r>
+          <a:lstStyle/>
+          <a:p>
+            <a:endParaRPr/>
           </a:p>
         </p:txBody>
       </p:sp>
     </p:spTree>
   </p:cSld>
+  <p:clrMapOvr>
+    <a:masterClrMapping/>
+  </p:clrMapOvr>
 </p:sldLayout>
 </file>
 
 <file path=ppt/slideLayouts/slideLayout12.xml><?xml version="1.0" encoding="utf-8"?>
-<p:sldLayout xmlns:a="http://schemas.openxmlformats.org/drawingml/2006/main" xmlns:p="http://schemas.openxmlformats.org/presentationml/2006/main" xmlns:r="http://schemas.openxmlformats.org/officeDocument/2006/relationships" xmlns:p14="http://schemas.microsoft.com/office/powerpoint/2010/main" xmlns:p15="http://schemas.microsoft.com/office/powerpoint/2012/main" xmlns:mc="http://schemas.openxmlformats.org/markup-compatibility/2006" type="blank" preserve="1">
+<p:sldLayout xmlns:a="http://schemas.openxmlformats.org/drawingml/2006/main" xmlns:r="http://schemas.openxmlformats.org/officeDocument/2006/relationships" xmlns:p="http://schemas.openxmlformats.org/presentationml/2006/main" type="blank" preserve="1">
   <p:cSld name="Title, 6 Content">
     <p:spTree>
       <p:nvGrpSpPr>
@@ -656,11 +771,12 @@
           </a:ln>
         </p:spPr>
         <p:txBody>
-          <a:bodyPr lIns="0" rIns="0" tIns="0" bIns="0" anchor="ctr">
+          <a:bodyPr lIns="0" tIns="0" rIns="0" bIns="0" anchor="ctr">
             <a:noAutofit/>
           </a:bodyPr>
-          <a:p>
-            <a:endParaRPr b="0" lang="en-US" sz="1800" spc="-1" strike="noStrike">
+          <a:lstStyle/>
+          <a:p>
+            <a:endParaRPr lang="en-US" sz="1800" b="0" strike="noStrike" spc="-1">
               <a:solidFill>
                 <a:srgbClr val="000000"/>
               </a:solidFill>
@@ -693,9 +809,10 @@
           </a:ln>
         </p:spPr>
         <p:txBody>
-          <a:bodyPr lIns="0" rIns="0" tIns="0" bIns="0" anchor="t">
+          <a:bodyPr lIns="0" tIns="0" rIns="0" bIns="0" anchor="t">
             <a:normAutofit/>
           </a:bodyPr>
+          <a:lstStyle/>
           <a:p>
             <a:pPr>
               <a:lnSpc>
@@ -706,7 +823,7 @@
               </a:spcBef>
               <a:buNone/>
             </a:pPr>
-            <a:endParaRPr b="0" lang="en-US" sz="2100" spc="-1" strike="noStrike">
+            <a:endParaRPr lang="en-US" sz="2100" b="0" strike="noStrike" spc="-1">
               <a:solidFill>
                 <a:srgbClr val="000000"/>
               </a:solidFill>
@@ -739,9 +856,10 @@
           </a:ln>
         </p:spPr>
         <p:txBody>
-          <a:bodyPr lIns="0" rIns="0" tIns="0" bIns="0" anchor="t">
+          <a:bodyPr lIns="0" tIns="0" rIns="0" bIns="0" anchor="t">
             <a:normAutofit/>
           </a:bodyPr>
+          <a:lstStyle/>
           <a:p>
             <a:pPr>
               <a:lnSpc>
@@ -752,7 +870,7 @@
               </a:spcBef>
               <a:buNone/>
             </a:pPr>
-            <a:endParaRPr b="0" lang="en-US" sz="2100" spc="-1" strike="noStrike">
+            <a:endParaRPr lang="en-US" sz="2100" b="0" strike="noStrike" spc="-1">
               <a:solidFill>
                 <a:srgbClr val="000000"/>
               </a:solidFill>
@@ -785,9 +903,10 @@
           </a:ln>
         </p:spPr>
         <p:txBody>
-          <a:bodyPr lIns="0" rIns="0" tIns="0" bIns="0" anchor="t">
+          <a:bodyPr lIns="0" tIns="0" rIns="0" bIns="0" anchor="t">
             <a:normAutofit/>
           </a:bodyPr>
+          <a:lstStyle/>
           <a:p>
             <a:pPr>
               <a:lnSpc>
@@ -798,7 +917,7 @@
               </a:spcBef>
               <a:buNone/>
             </a:pPr>
-            <a:endParaRPr b="0" lang="en-US" sz="2100" spc="-1" strike="noStrike">
+            <a:endParaRPr lang="en-US" sz="2100" b="0" strike="noStrike" spc="-1">
               <a:solidFill>
                 <a:srgbClr val="000000"/>
               </a:solidFill>
@@ -831,9 +950,10 @@
           </a:ln>
         </p:spPr>
         <p:txBody>
-          <a:bodyPr lIns="0" rIns="0" tIns="0" bIns="0" anchor="t">
+          <a:bodyPr lIns="0" tIns="0" rIns="0" bIns="0" anchor="t">
             <a:normAutofit/>
           </a:bodyPr>
+          <a:lstStyle/>
           <a:p>
             <a:pPr>
               <a:lnSpc>
@@ -844,7 +964,7 @@
               </a:spcBef>
               <a:buNone/>
             </a:pPr>
-            <a:endParaRPr b="0" lang="en-US" sz="2100" spc="-1" strike="noStrike">
+            <a:endParaRPr lang="en-US" sz="2100" b="0" strike="noStrike" spc="-1">
               <a:solidFill>
                 <a:srgbClr val="000000"/>
               </a:solidFill>
@@ -877,9 +997,10 @@
           </a:ln>
         </p:spPr>
         <p:txBody>
-          <a:bodyPr lIns="0" rIns="0" tIns="0" bIns="0" anchor="t">
+          <a:bodyPr lIns="0" tIns="0" rIns="0" bIns="0" anchor="t">
             <a:normAutofit/>
           </a:bodyPr>
+          <a:lstStyle/>
           <a:p>
             <a:pPr>
               <a:lnSpc>
@@ -890,7 +1011,7 @@
               </a:spcBef>
               <a:buNone/>
             </a:pPr>
-            <a:endParaRPr b="0" lang="en-US" sz="2100" spc="-1" strike="noStrike">
+            <a:endParaRPr lang="en-US" sz="2100" b="0" strike="noStrike" spc="-1">
               <a:solidFill>
                 <a:srgbClr val="000000"/>
               </a:solidFill>
@@ -923,9 +1044,10 @@
           </a:ln>
         </p:spPr>
         <p:txBody>
-          <a:bodyPr lIns="0" rIns="0" tIns="0" bIns="0" anchor="t">
+          <a:bodyPr lIns="0" tIns="0" rIns="0" bIns="0" anchor="t">
             <a:normAutofit/>
           </a:bodyPr>
+          <a:lstStyle/>
           <a:p>
             <a:pPr>
               <a:lnSpc>
@@ -936,7 +1058,7 @@
               </a:spcBef>
               <a:buNone/>
             </a:pPr>
-            <a:endParaRPr b="0" lang="en-US" sz="2100" spc="-1" strike="noStrike">
+            <a:endParaRPr lang="en-US" sz="2100" b="0" strike="noStrike" spc="-1">
               <a:solidFill>
                 <a:srgbClr val="000000"/>
               </a:solidFill>
@@ -958,6 +1080,7 @@
         <p:spPr/>
         <p:txBody>
           <a:bodyPr/>
+          <a:lstStyle/>
           <a:p>
             <a:r>
               <a:t>Footer</a:t>
@@ -978,10 +1101,12 @@
         <p:spPr/>
         <p:txBody>
           <a:bodyPr/>
+          <a:lstStyle/>
           <a:p>
             <a:fld id="{1B34D2E3-9786-4BA6-9EEB-C6F0739D9063}" type="slidenum">
-              <a:t>&lt;#&gt;</a:t>
+              <a:t>‹#›</a:t>
             </a:fld>
+            <a:endParaRPr/>
           </a:p>
         </p:txBody>
       </p:sp>
@@ -998,21 +1123,22 @@
         <p:spPr/>
         <p:txBody>
           <a:bodyPr/>
-          <a:p>
-            <a:r>
-              <a:rPr lang="en-US"/>
-              <a:t/>
-            </a:r>
+          <a:lstStyle/>
+          <a:p>
+            <a:endParaRPr/>
           </a:p>
         </p:txBody>
       </p:sp>
     </p:spTree>
   </p:cSld>
+  <p:clrMapOvr>
+    <a:masterClrMapping/>
+  </p:clrMapOvr>
 </p:sldLayout>
 </file>
 
 <file path=ppt/slideLayouts/slideLayout13.xml><?xml version="1.0" encoding="utf-8"?>
-<p:sldLayout xmlns:a="http://schemas.openxmlformats.org/drawingml/2006/main" xmlns:p="http://schemas.openxmlformats.org/presentationml/2006/main" xmlns:r="http://schemas.openxmlformats.org/officeDocument/2006/relationships" xmlns:p14="http://schemas.microsoft.com/office/powerpoint/2010/main" xmlns:p15="http://schemas.microsoft.com/office/powerpoint/2012/main" xmlns:mc="http://schemas.openxmlformats.org/markup-compatibility/2006" type="blank" preserve="1">
+<p:sldLayout xmlns:a="http://schemas.openxmlformats.org/drawingml/2006/main" xmlns:r="http://schemas.openxmlformats.org/officeDocument/2006/relationships" xmlns:p="http://schemas.openxmlformats.org/presentationml/2006/main" type="blank" preserve="1">
   <p:cSld name="Blank Slide">
     <p:spTree>
       <p:nvGrpSpPr>
@@ -1041,6 +1167,7 @@
         <p:spPr/>
         <p:txBody>
           <a:bodyPr/>
+          <a:lstStyle/>
           <a:p>
             <a:r>
               <a:t>Footer</a:t>
@@ -1061,10 +1188,12 @@
         <p:spPr/>
         <p:txBody>
           <a:bodyPr/>
+          <a:lstStyle/>
           <a:p>
             <a:fld id="{7704AEFF-6441-4ECB-944B-CDAC7BC6604B}" type="slidenum">
-              <a:t>&lt;#&gt;</a:t>
+              <a:t>‹#›</a:t>
             </a:fld>
+            <a:endParaRPr/>
           </a:p>
         </p:txBody>
       </p:sp>
@@ -1081,21 +1210,22 @@
         <p:spPr/>
         <p:txBody>
           <a:bodyPr/>
-          <a:p>
-            <a:r>
-              <a:rPr lang="en-US"/>
-              <a:t/>
-            </a:r>
+          <a:lstStyle/>
+          <a:p>
+            <a:endParaRPr/>
           </a:p>
         </p:txBody>
       </p:sp>
     </p:spTree>
   </p:cSld>
+  <p:clrMapOvr>
+    <a:masterClrMapping/>
+  </p:clrMapOvr>
 </p:sldLayout>
 </file>
 
 <file path=ppt/slideLayouts/slideLayout14.xml><?xml version="1.0" encoding="utf-8"?>
-<p:sldLayout xmlns:a="http://schemas.openxmlformats.org/drawingml/2006/main" xmlns:p="http://schemas.openxmlformats.org/presentationml/2006/main" xmlns:r="http://schemas.openxmlformats.org/officeDocument/2006/relationships" xmlns:p14="http://schemas.microsoft.com/office/powerpoint/2010/main" xmlns:p15="http://schemas.microsoft.com/office/powerpoint/2012/main" xmlns:mc="http://schemas.openxmlformats.org/markup-compatibility/2006" type="tx" preserve="1">
+<p:sldLayout xmlns:a="http://schemas.openxmlformats.org/drawingml/2006/main" xmlns:r="http://schemas.openxmlformats.org/officeDocument/2006/relationships" xmlns:p="http://schemas.openxmlformats.org/presentationml/2006/main" type="tx" preserve="1">
   <p:cSld name="Title Slide">
     <p:spTree>
       <p:nvGrpSpPr>
@@ -1135,11 +1265,12 @@
           </a:ln>
         </p:spPr>
         <p:txBody>
-          <a:bodyPr lIns="0" rIns="0" tIns="0" bIns="0" anchor="ctr">
+          <a:bodyPr lIns="0" tIns="0" rIns="0" bIns="0" anchor="ctr">
             <a:noAutofit/>
           </a:bodyPr>
-          <a:p>
-            <a:endParaRPr b="0" lang="en-US" sz="1800" spc="-1" strike="noStrike">
+          <a:lstStyle/>
+          <a:p>
+            <a:endParaRPr lang="en-US" sz="1800" b="0" strike="noStrike" spc="-1">
               <a:solidFill>
                 <a:srgbClr val="000000"/>
               </a:solidFill>
@@ -1172,14 +1303,15 @@
           </a:ln>
         </p:spPr>
         <p:txBody>
-          <a:bodyPr lIns="0" rIns="0" tIns="0" bIns="0" anchor="ctr">
+          <a:bodyPr lIns="0" tIns="0" rIns="0" bIns="0" anchor="ctr">
             <a:noAutofit/>
           </a:bodyPr>
+          <a:lstStyle/>
           <a:p>
             <a:pPr algn="ctr">
               <a:buNone/>
             </a:pPr>
-            <a:endParaRPr b="0" lang="en-US" sz="3200" spc="-1" strike="noStrike">
+            <a:endParaRPr lang="en-US" sz="3200" b="0" strike="noStrike" spc="-1">
               <a:latin typeface="Arial"/>
             </a:endParaRPr>
           </a:p>
@@ -1198,6 +1330,7 @@
         <p:spPr/>
         <p:txBody>
           <a:bodyPr/>
+          <a:lstStyle/>
           <a:p>
             <a:r>
               <a:t>Footer</a:t>
@@ -1218,10 +1351,12 @@
         <p:spPr/>
         <p:txBody>
           <a:bodyPr/>
+          <a:lstStyle/>
           <a:p>
             <a:fld id="{5AD4D870-CAEC-43D1-83C1-A5A32AD61DAC}" type="slidenum">
-              <a:t>&lt;#&gt;</a:t>
+              <a:t>‹#›</a:t>
             </a:fld>
+            <a:endParaRPr/>
           </a:p>
         </p:txBody>
       </p:sp>
@@ -1238,21 +1373,22 @@
         <p:spPr/>
         <p:txBody>
           <a:bodyPr/>
-          <a:p>
-            <a:r>
-              <a:rPr lang="en-US"/>
-              <a:t/>
-            </a:r>
+          <a:lstStyle/>
+          <a:p>
+            <a:endParaRPr/>
           </a:p>
         </p:txBody>
       </p:sp>
     </p:spTree>
   </p:cSld>
+  <p:clrMapOvr>
+    <a:masterClrMapping/>
+  </p:clrMapOvr>
 </p:sldLayout>
 </file>
 
 <file path=ppt/slideLayouts/slideLayout15.xml><?xml version="1.0" encoding="utf-8"?>
-<p:sldLayout xmlns:a="http://schemas.openxmlformats.org/drawingml/2006/main" xmlns:p="http://schemas.openxmlformats.org/presentationml/2006/main" xmlns:r="http://schemas.openxmlformats.org/officeDocument/2006/relationships" xmlns:p14="http://schemas.microsoft.com/office/powerpoint/2010/main" xmlns:p15="http://schemas.microsoft.com/office/powerpoint/2012/main" xmlns:mc="http://schemas.openxmlformats.org/markup-compatibility/2006" type="obj" preserve="1">
+<p:sldLayout xmlns:a="http://schemas.openxmlformats.org/drawingml/2006/main" xmlns:r="http://schemas.openxmlformats.org/officeDocument/2006/relationships" xmlns:p="http://schemas.openxmlformats.org/presentationml/2006/main" type="obj" preserve="1">
   <p:cSld name="Title, Content">
     <p:spTree>
       <p:nvGrpSpPr>
@@ -1292,11 +1428,12 @@
           </a:ln>
         </p:spPr>
         <p:txBody>
-          <a:bodyPr lIns="0" rIns="0" tIns="0" bIns="0" anchor="ctr">
+          <a:bodyPr lIns="0" tIns="0" rIns="0" bIns="0" anchor="ctr">
             <a:noAutofit/>
           </a:bodyPr>
-          <a:p>
-            <a:endParaRPr b="0" lang="en-US" sz="1800" spc="-1" strike="noStrike">
+          <a:lstStyle/>
+          <a:p>
+            <a:endParaRPr lang="en-US" sz="1800" b="0" strike="noStrike" spc="-1">
               <a:solidFill>
                 <a:srgbClr val="000000"/>
               </a:solidFill>
@@ -1329,9 +1466,10 @@
           </a:ln>
         </p:spPr>
         <p:txBody>
-          <a:bodyPr lIns="0" rIns="0" tIns="0" bIns="0" anchor="t">
+          <a:bodyPr lIns="0" tIns="0" rIns="0" bIns="0" anchor="t">
             <a:normAutofit/>
           </a:bodyPr>
+          <a:lstStyle/>
           <a:p>
             <a:pPr>
               <a:lnSpc>
@@ -1342,7 +1480,7 @@
               </a:spcBef>
               <a:buNone/>
             </a:pPr>
-            <a:endParaRPr b="0" lang="en-US" sz="2100" spc="-1" strike="noStrike">
+            <a:endParaRPr lang="en-US" sz="2100" b="0" strike="noStrike" spc="-1">
               <a:solidFill>
                 <a:srgbClr val="000000"/>
               </a:solidFill>
@@ -1364,6 +1502,7 @@
         <p:spPr/>
         <p:txBody>
           <a:bodyPr/>
+          <a:lstStyle/>
           <a:p>
             <a:r>
               <a:t>Footer</a:t>
@@ -1384,10 +1523,12 @@
         <p:spPr/>
         <p:txBody>
           <a:bodyPr/>
+          <a:lstStyle/>
           <a:p>
             <a:fld id="{85678C23-35E6-4FF7-8A35-7381614785D6}" type="slidenum">
-              <a:t>&lt;#&gt;</a:t>
+              <a:t>‹#›</a:t>
             </a:fld>
+            <a:endParaRPr/>
           </a:p>
         </p:txBody>
       </p:sp>
@@ -1404,21 +1545,22 @@
         <p:spPr/>
         <p:txBody>
           <a:bodyPr/>
-          <a:p>
-            <a:r>
-              <a:rPr lang="en-US"/>
-              <a:t/>
-            </a:r>
+          <a:lstStyle/>
+          <a:p>
+            <a:endParaRPr/>
           </a:p>
         </p:txBody>
       </p:sp>
     </p:spTree>
   </p:cSld>
+  <p:clrMapOvr>
+    <a:masterClrMapping/>
+  </p:clrMapOvr>
 </p:sldLayout>
 </file>
 
 <file path=ppt/slideLayouts/slideLayout16.xml><?xml version="1.0" encoding="utf-8"?>
-<p:sldLayout xmlns:a="http://schemas.openxmlformats.org/drawingml/2006/main" xmlns:p="http://schemas.openxmlformats.org/presentationml/2006/main" xmlns:r="http://schemas.openxmlformats.org/officeDocument/2006/relationships" xmlns:p14="http://schemas.microsoft.com/office/powerpoint/2010/main" xmlns:p15="http://schemas.microsoft.com/office/powerpoint/2012/main" xmlns:mc="http://schemas.openxmlformats.org/markup-compatibility/2006" type="twoObj" preserve="1">
+<p:sldLayout xmlns:a="http://schemas.openxmlformats.org/drawingml/2006/main" xmlns:r="http://schemas.openxmlformats.org/officeDocument/2006/relationships" xmlns:p="http://schemas.openxmlformats.org/presentationml/2006/main" type="twoObj" preserve="1">
   <p:cSld name="Title, 2 Content">
     <p:spTree>
       <p:nvGrpSpPr>
@@ -1458,11 +1600,12 @@
           </a:ln>
         </p:spPr>
         <p:txBody>
-          <a:bodyPr lIns="0" rIns="0" tIns="0" bIns="0" anchor="ctr">
+          <a:bodyPr lIns="0" tIns="0" rIns="0" bIns="0" anchor="ctr">
             <a:noAutofit/>
           </a:bodyPr>
-          <a:p>
-            <a:endParaRPr b="0" lang="en-US" sz="1800" spc="-1" strike="noStrike">
+          <a:lstStyle/>
+          <a:p>
+            <a:endParaRPr lang="en-US" sz="1800" b="0" strike="noStrike" spc="-1">
               <a:solidFill>
                 <a:srgbClr val="000000"/>
               </a:solidFill>
@@ -1495,9 +1638,10 @@
           </a:ln>
         </p:spPr>
         <p:txBody>
-          <a:bodyPr lIns="0" rIns="0" tIns="0" bIns="0" anchor="t">
+          <a:bodyPr lIns="0" tIns="0" rIns="0" bIns="0" anchor="t">
             <a:normAutofit/>
           </a:bodyPr>
+          <a:lstStyle/>
           <a:p>
             <a:pPr>
               <a:lnSpc>
@@ -1508,7 +1652,7 @@
               </a:spcBef>
               <a:buNone/>
             </a:pPr>
-            <a:endParaRPr b="0" lang="en-US" sz="2100" spc="-1" strike="noStrike">
+            <a:endParaRPr lang="en-US" sz="2100" b="0" strike="noStrike" spc="-1">
               <a:solidFill>
                 <a:srgbClr val="000000"/>
               </a:solidFill>
@@ -1541,9 +1685,10 @@
           </a:ln>
         </p:spPr>
         <p:txBody>
-          <a:bodyPr lIns="0" rIns="0" tIns="0" bIns="0" anchor="t">
+          <a:bodyPr lIns="0" tIns="0" rIns="0" bIns="0" anchor="t">
             <a:normAutofit/>
           </a:bodyPr>
+          <a:lstStyle/>
           <a:p>
             <a:pPr>
               <a:lnSpc>
@@ -1554,7 +1699,7 @@
               </a:spcBef>
               <a:buNone/>
             </a:pPr>
-            <a:endParaRPr b="0" lang="en-US" sz="2100" spc="-1" strike="noStrike">
+            <a:endParaRPr lang="en-US" sz="2100" b="0" strike="noStrike" spc="-1">
               <a:solidFill>
                 <a:srgbClr val="000000"/>
               </a:solidFill>
@@ -1576,6 +1721,7 @@
         <p:spPr/>
         <p:txBody>
           <a:bodyPr/>
+          <a:lstStyle/>
           <a:p>
             <a:r>
               <a:t>Footer</a:t>
@@ -1596,10 +1742,12 @@
         <p:spPr/>
         <p:txBody>
           <a:bodyPr/>
+          <a:lstStyle/>
           <a:p>
             <a:fld id="{497D68A3-1C9D-4584-B566-2B86F45AF121}" type="slidenum">
-              <a:t>&lt;#&gt;</a:t>
+              <a:t>‹#›</a:t>
             </a:fld>
+            <a:endParaRPr/>
           </a:p>
         </p:txBody>
       </p:sp>
@@ -1616,21 +1764,22 @@
         <p:spPr/>
         <p:txBody>
           <a:bodyPr/>
-          <a:p>
-            <a:r>
-              <a:rPr lang="en-US"/>
-              <a:t/>
-            </a:r>
+          <a:lstStyle/>
+          <a:p>
+            <a:endParaRPr/>
           </a:p>
         </p:txBody>
       </p:sp>
     </p:spTree>
   </p:cSld>
+  <p:clrMapOvr>
+    <a:masterClrMapping/>
+  </p:clrMapOvr>
 </p:sldLayout>
 </file>
 
 <file path=ppt/slideLayouts/slideLayout17.xml><?xml version="1.0" encoding="utf-8"?>
-<p:sldLayout xmlns:a="http://schemas.openxmlformats.org/drawingml/2006/main" xmlns:p="http://schemas.openxmlformats.org/presentationml/2006/main" xmlns:r="http://schemas.openxmlformats.org/officeDocument/2006/relationships" xmlns:p14="http://schemas.microsoft.com/office/powerpoint/2010/main" xmlns:p15="http://schemas.microsoft.com/office/powerpoint/2012/main" xmlns:mc="http://schemas.openxmlformats.org/markup-compatibility/2006" type="titleOnly" preserve="1">
+<p:sldLayout xmlns:a="http://schemas.openxmlformats.org/drawingml/2006/main" xmlns:r="http://schemas.openxmlformats.org/officeDocument/2006/relationships" xmlns:p="http://schemas.openxmlformats.org/presentationml/2006/main" type="titleOnly" preserve="1">
   <p:cSld name="Title Only">
     <p:spTree>
       <p:nvGrpSpPr>
@@ -1670,11 +1819,12 @@
           </a:ln>
         </p:spPr>
         <p:txBody>
-          <a:bodyPr lIns="0" rIns="0" tIns="0" bIns="0" anchor="ctr">
+          <a:bodyPr lIns="0" tIns="0" rIns="0" bIns="0" anchor="ctr">
             <a:noAutofit/>
           </a:bodyPr>
-          <a:p>
-            <a:endParaRPr b="0" lang="en-US" sz="1800" spc="-1" strike="noStrike">
+          <a:lstStyle/>
+          <a:p>
+            <a:endParaRPr lang="en-US" sz="1800" b="0" strike="noStrike" spc="-1">
               <a:solidFill>
                 <a:srgbClr val="000000"/>
               </a:solidFill>
@@ -1696,6 +1846,7 @@
         <p:spPr/>
         <p:txBody>
           <a:bodyPr/>
+          <a:lstStyle/>
           <a:p>
             <a:r>
               <a:t>Footer</a:t>
@@ -1716,10 +1867,12 @@
         <p:spPr/>
         <p:txBody>
           <a:bodyPr/>
+          <a:lstStyle/>
           <a:p>
             <a:fld id="{10306E9B-1C4C-4338-96F9-A0B45EDE5B14}" type="slidenum">
-              <a:t>&lt;#&gt;</a:t>
+              <a:t>‹#›</a:t>
             </a:fld>
+            <a:endParaRPr/>
           </a:p>
         </p:txBody>
       </p:sp>
@@ -1736,21 +1889,22 @@
         <p:spPr/>
         <p:txBody>
           <a:bodyPr/>
-          <a:p>
-            <a:r>
-              <a:rPr lang="en-US"/>
-              <a:t/>
-            </a:r>
+          <a:lstStyle/>
+          <a:p>
+            <a:endParaRPr/>
           </a:p>
         </p:txBody>
       </p:sp>
     </p:spTree>
   </p:cSld>
+  <p:clrMapOvr>
+    <a:masterClrMapping/>
+  </p:clrMapOvr>
 </p:sldLayout>
 </file>
 
 <file path=ppt/slideLayouts/slideLayout18.xml><?xml version="1.0" encoding="utf-8"?>
-<p:sldLayout xmlns:a="http://schemas.openxmlformats.org/drawingml/2006/main" xmlns:p="http://schemas.openxmlformats.org/presentationml/2006/main" xmlns:r="http://schemas.openxmlformats.org/officeDocument/2006/relationships" xmlns:p14="http://schemas.microsoft.com/office/powerpoint/2010/main" xmlns:p15="http://schemas.microsoft.com/office/powerpoint/2012/main" xmlns:mc="http://schemas.openxmlformats.org/markup-compatibility/2006" type="objOnly" preserve="1">
+<p:sldLayout xmlns:a="http://schemas.openxmlformats.org/drawingml/2006/main" xmlns:r="http://schemas.openxmlformats.org/officeDocument/2006/relationships" xmlns:p="http://schemas.openxmlformats.org/presentationml/2006/main" type="objOnly" preserve="1">
   <p:cSld name="Centered Text">
     <p:spTree>
       <p:nvGrpSpPr>
@@ -1790,14 +1944,15 @@
           </a:ln>
         </p:spPr>
         <p:txBody>
-          <a:bodyPr lIns="0" rIns="0" tIns="0" bIns="0" anchor="ctr">
+          <a:bodyPr lIns="0" tIns="0" rIns="0" bIns="0" anchor="ctr">
             <a:noAutofit/>
           </a:bodyPr>
+          <a:lstStyle/>
           <a:p>
             <a:pPr algn="ctr">
               <a:buNone/>
             </a:pPr>
-            <a:endParaRPr b="0" lang="en-US" sz="3200" spc="-1" strike="noStrike">
+            <a:endParaRPr lang="en-US" sz="3200" b="0" strike="noStrike" spc="-1">
               <a:latin typeface="Arial"/>
             </a:endParaRPr>
           </a:p>
@@ -1816,6 +1971,7 @@
         <p:spPr/>
         <p:txBody>
           <a:bodyPr/>
+          <a:lstStyle/>
           <a:p>
             <a:r>
               <a:t>Footer</a:t>
@@ -1836,10 +1992,12 @@
         <p:spPr/>
         <p:txBody>
           <a:bodyPr/>
+          <a:lstStyle/>
           <a:p>
             <a:fld id="{0064328A-E84E-49FA-87CF-DFE85BC943ED}" type="slidenum">
-              <a:t>&lt;#&gt;</a:t>
+              <a:t>‹#›</a:t>
             </a:fld>
+            <a:endParaRPr/>
           </a:p>
         </p:txBody>
       </p:sp>
@@ -1856,21 +2014,22 @@
         <p:spPr/>
         <p:txBody>
           <a:bodyPr/>
-          <a:p>
-            <a:r>
-              <a:rPr lang="en-US"/>
-              <a:t/>
-            </a:r>
+          <a:lstStyle/>
+          <a:p>
+            <a:endParaRPr/>
           </a:p>
         </p:txBody>
       </p:sp>
     </p:spTree>
   </p:cSld>
+  <p:clrMapOvr>
+    <a:masterClrMapping/>
+  </p:clrMapOvr>
 </p:sldLayout>
 </file>
 
 <file path=ppt/slideLayouts/slideLayout19.xml><?xml version="1.0" encoding="utf-8"?>
-<p:sldLayout xmlns:a="http://schemas.openxmlformats.org/drawingml/2006/main" xmlns:p="http://schemas.openxmlformats.org/presentationml/2006/main" xmlns:r="http://schemas.openxmlformats.org/officeDocument/2006/relationships" xmlns:p14="http://schemas.microsoft.com/office/powerpoint/2010/main" xmlns:p15="http://schemas.microsoft.com/office/powerpoint/2012/main" xmlns:mc="http://schemas.openxmlformats.org/markup-compatibility/2006" type="twoObjAndObj" preserve="1">
+<p:sldLayout xmlns:a="http://schemas.openxmlformats.org/drawingml/2006/main" xmlns:r="http://schemas.openxmlformats.org/officeDocument/2006/relationships" xmlns:p="http://schemas.openxmlformats.org/presentationml/2006/main" type="twoObjAndObj" preserve="1">
   <p:cSld name="Title, 2 Content and Content">
     <p:spTree>
       <p:nvGrpSpPr>
@@ -1910,11 +2069,12 @@
           </a:ln>
         </p:spPr>
         <p:txBody>
-          <a:bodyPr lIns="0" rIns="0" tIns="0" bIns="0" anchor="ctr">
+          <a:bodyPr lIns="0" tIns="0" rIns="0" bIns="0" anchor="ctr">
             <a:noAutofit/>
           </a:bodyPr>
-          <a:p>
-            <a:endParaRPr b="0" lang="en-US" sz="1800" spc="-1" strike="noStrike">
+          <a:lstStyle/>
+          <a:p>
+            <a:endParaRPr lang="en-US" sz="1800" b="0" strike="noStrike" spc="-1">
               <a:solidFill>
                 <a:srgbClr val="000000"/>
               </a:solidFill>
@@ -1947,9 +2107,10 @@
           </a:ln>
         </p:spPr>
         <p:txBody>
-          <a:bodyPr lIns="0" rIns="0" tIns="0" bIns="0" anchor="t">
+          <a:bodyPr lIns="0" tIns="0" rIns="0" bIns="0" anchor="t">
             <a:normAutofit/>
           </a:bodyPr>
+          <a:lstStyle/>
           <a:p>
             <a:pPr>
               <a:lnSpc>
@@ -1960,7 +2121,7 @@
               </a:spcBef>
               <a:buNone/>
             </a:pPr>
-            <a:endParaRPr b="0" lang="en-US" sz="2100" spc="-1" strike="noStrike">
+            <a:endParaRPr lang="en-US" sz="2100" b="0" strike="noStrike" spc="-1">
               <a:solidFill>
                 <a:srgbClr val="000000"/>
               </a:solidFill>
@@ -1993,9 +2154,10 @@
           </a:ln>
         </p:spPr>
         <p:txBody>
-          <a:bodyPr lIns="0" rIns="0" tIns="0" bIns="0" anchor="t">
+          <a:bodyPr lIns="0" tIns="0" rIns="0" bIns="0" anchor="t">
             <a:normAutofit/>
           </a:bodyPr>
+          <a:lstStyle/>
           <a:p>
             <a:pPr>
               <a:lnSpc>
@@ -2006,7 +2168,7 @@
               </a:spcBef>
               <a:buNone/>
             </a:pPr>
-            <a:endParaRPr b="0" lang="en-US" sz="2100" spc="-1" strike="noStrike">
+            <a:endParaRPr lang="en-US" sz="2100" b="0" strike="noStrike" spc="-1">
               <a:solidFill>
                 <a:srgbClr val="000000"/>
               </a:solidFill>
@@ -2039,9 +2201,10 @@
           </a:ln>
         </p:spPr>
         <p:txBody>
-          <a:bodyPr lIns="0" rIns="0" tIns="0" bIns="0" anchor="t">
+          <a:bodyPr lIns="0" tIns="0" rIns="0" bIns="0" anchor="t">
             <a:normAutofit/>
           </a:bodyPr>
+          <a:lstStyle/>
           <a:p>
             <a:pPr>
               <a:lnSpc>
@@ -2052,7 +2215,7 @@
               </a:spcBef>
               <a:buNone/>
             </a:pPr>
-            <a:endParaRPr b="0" lang="en-US" sz="2100" spc="-1" strike="noStrike">
+            <a:endParaRPr lang="en-US" sz="2100" b="0" strike="noStrike" spc="-1">
               <a:solidFill>
                 <a:srgbClr val="000000"/>
               </a:solidFill>
@@ -2074,6 +2237,7 @@
         <p:spPr/>
         <p:txBody>
           <a:bodyPr/>
+          <a:lstStyle/>
           <a:p>
             <a:r>
               <a:t>Footer</a:t>
@@ -2094,10 +2258,12 @@
         <p:spPr/>
         <p:txBody>
           <a:bodyPr/>
+          <a:lstStyle/>
           <a:p>
             <a:fld id="{D1EE8167-CD61-4025-BF7E-BBAA6AAE3AF2}" type="slidenum">
-              <a:t>&lt;#&gt;</a:t>
+              <a:t>‹#›</a:t>
             </a:fld>
+            <a:endParaRPr/>
           </a:p>
         </p:txBody>
       </p:sp>
@@ -2114,21 +2280,22 @@
         <p:spPr/>
         <p:txBody>
           <a:bodyPr/>
-          <a:p>
-            <a:r>
-              <a:rPr lang="en-US"/>
-              <a:t/>
-            </a:r>
+          <a:lstStyle/>
+          <a:p>
+            <a:endParaRPr/>
           </a:p>
         </p:txBody>
       </p:sp>
     </p:spTree>
   </p:cSld>
+  <p:clrMapOvr>
+    <a:masterClrMapping/>
+  </p:clrMapOvr>
 </p:sldLayout>
 </file>
 
 <file path=ppt/slideLayouts/slideLayout2.xml><?xml version="1.0" encoding="utf-8"?>
-<p:sldLayout xmlns:a="http://schemas.openxmlformats.org/drawingml/2006/main" xmlns:p="http://schemas.openxmlformats.org/presentationml/2006/main" xmlns:r="http://schemas.openxmlformats.org/officeDocument/2006/relationships" xmlns:p14="http://schemas.microsoft.com/office/powerpoint/2010/main" xmlns:p15="http://schemas.microsoft.com/office/powerpoint/2012/main" xmlns:mc="http://schemas.openxmlformats.org/markup-compatibility/2006" type="tx" preserve="1">
+<p:sldLayout xmlns:a="http://schemas.openxmlformats.org/drawingml/2006/main" xmlns:r="http://schemas.openxmlformats.org/officeDocument/2006/relationships" xmlns:p="http://schemas.openxmlformats.org/presentationml/2006/main" type="tx" preserve="1">
   <p:cSld name="Title Slide">
     <p:spTree>
       <p:nvGrpSpPr>
@@ -2168,11 +2335,12 @@
           </a:ln>
         </p:spPr>
         <p:txBody>
-          <a:bodyPr lIns="0" rIns="0" tIns="0" bIns="0" anchor="ctr">
+          <a:bodyPr lIns="0" tIns="0" rIns="0" bIns="0" anchor="ctr">
             <a:noAutofit/>
           </a:bodyPr>
-          <a:p>
-            <a:endParaRPr b="0" lang="en-US" sz="1800" spc="-1" strike="noStrike">
+          <a:lstStyle/>
+          <a:p>
+            <a:endParaRPr lang="en-US" sz="1800" b="0" strike="noStrike" spc="-1">
               <a:solidFill>
                 <a:srgbClr val="000000"/>
               </a:solidFill>
@@ -2205,14 +2373,15 @@
           </a:ln>
         </p:spPr>
         <p:txBody>
-          <a:bodyPr lIns="0" rIns="0" tIns="0" bIns="0" anchor="ctr">
+          <a:bodyPr lIns="0" tIns="0" rIns="0" bIns="0" anchor="ctr">
             <a:noAutofit/>
           </a:bodyPr>
+          <a:lstStyle/>
           <a:p>
             <a:pPr algn="ctr">
               <a:buNone/>
             </a:pPr>
-            <a:endParaRPr b="0" lang="en-US" sz="3200" spc="-1" strike="noStrike">
+            <a:endParaRPr lang="en-US" sz="3200" b="0" strike="noStrike" spc="-1">
               <a:latin typeface="Arial"/>
             </a:endParaRPr>
           </a:p>
@@ -2231,6 +2400,7 @@
         <p:spPr/>
         <p:txBody>
           <a:bodyPr/>
+          <a:lstStyle/>
           <a:p>
             <a:r>
               <a:t>Footer</a:t>
@@ -2251,16 +2421,18 @@
         <p:spPr/>
         <p:txBody>
           <a:bodyPr/>
+          <a:lstStyle/>
           <a:p>
             <a:fld id="{15FE5CDE-76FC-4E79-B356-452FD2A9BD3F}" type="slidenum">
-              <a:t>&lt;#&gt;</a:t>
+              <a:t>‹#›</a:t>
             </a:fld>
-          </a:p>
-        </p:txBody>
-      </p:sp>
-      <p:sp>
-        <p:nvSpPr>
-          <p:cNvPr id="6" name="PlaceHolder 5"/>
+            <a:endParaRPr/>
+          </a:p>
+        </p:txBody>
+      </p:sp>
+      <p:sp>
+        <p:nvSpPr>
+          <p:cNvPr id="2" name="PlaceHolder 5"/>
           <p:cNvSpPr>
             <a:spLocks noGrp="1"/>
           </p:cNvSpPr>
@@ -2271,21 +2443,22 @@
         <p:spPr/>
         <p:txBody>
           <a:bodyPr/>
-          <a:p>
-            <a:r>
-              <a:rPr lang="en-US"/>
-              <a:t/>
-            </a:r>
+          <a:lstStyle/>
+          <a:p>
+            <a:endParaRPr/>
           </a:p>
         </p:txBody>
       </p:sp>
     </p:spTree>
   </p:cSld>
+  <p:clrMapOvr>
+    <a:masterClrMapping/>
+  </p:clrMapOvr>
 </p:sldLayout>
 </file>
 
 <file path=ppt/slideLayouts/slideLayout20.xml><?xml version="1.0" encoding="utf-8"?>
-<p:sldLayout xmlns:a="http://schemas.openxmlformats.org/drawingml/2006/main" xmlns:p="http://schemas.openxmlformats.org/presentationml/2006/main" xmlns:r="http://schemas.openxmlformats.org/officeDocument/2006/relationships" xmlns:p14="http://schemas.microsoft.com/office/powerpoint/2010/main" xmlns:p15="http://schemas.microsoft.com/office/powerpoint/2012/main" xmlns:mc="http://schemas.openxmlformats.org/markup-compatibility/2006" type="objAndTwoObj" preserve="1">
+<p:sldLayout xmlns:a="http://schemas.openxmlformats.org/drawingml/2006/main" xmlns:r="http://schemas.openxmlformats.org/officeDocument/2006/relationships" xmlns:p="http://schemas.openxmlformats.org/presentationml/2006/main" type="objAndTwoObj" preserve="1">
   <p:cSld name="Title Content and 2 Content">
     <p:spTree>
       <p:nvGrpSpPr>
@@ -2325,11 +2498,12 @@
           </a:ln>
         </p:spPr>
         <p:txBody>
-          <a:bodyPr lIns="0" rIns="0" tIns="0" bIns="0" anchor="ctr">
+          <a:bodyPr lIns="0" tIns="0" rIns="0" bIns="0" anchor="ctr">
             <a:noAutofit/>
           </a:bodyPr>
-          <a:p>
-            <a:endParaRPr b="0" lang="en-US" sz="1800" spc="-1" strike="noStrike">
+          <a:lstStyle/>
+          <a:p>
+            <a:endParaRPr lang="en-US" sz="1800" b="0" strike="noStrike" spc="-1">
               <a:solidFill>
                 <a:srgbClr val="000000"/>
               </a:solidFill>
@@ -2362,9 +2536,10 @@
           </a:ln>
         </p:spPr>
         <p:txBody>
-          <a:bodyPr lIns="0" rIns="0" tIns="0" bIns="0" anchor="t">
+          <a:bodyPr lIns="0" tIns="0" rIns="0" bIns="0" anchor="t">
             <a:normAutofit/>
           </a:bodyPr>
+          <a:lstStyle/>
           <a:p>
             <a:pPr>
               <a:lnSpc>
@@ -2375,7 +2550,7 @@
               </a:spcBef>
               <a:buNone/>
             </a:pPr>
-            <a:endParaRPr b="0" lang="en-US" sz="2100" spc="-1" strike="noStrike">
+            <a:endParaRPr lang="en-US" sz="2100" b="0" strike="noStrike" spc="-1">
               <a:solidFill>
                 <a:srgbClr val="000000"/>
               </a:solidFill>
@@ -2408,9 +2583,10 @@
           </a:ln>
         </p:spPr>
         <p:txBody>
-          <a:bodyPr lIns="0" rIns="0" tIns="0" bIns="0" anchor="t">
+          <a:bodyPr lIns="0" tIns="0" rIns="0" bIns="0" anchor="t">
             <a:normAutofit/>
           </a:bodyPr>
+          <a:lstStyle/>
           <a:p>
             <a:pPr>
               <a:lnSpc>
@@ -2421,7 +2597,7 @@
               </a:spcBef>
               <a:buNone/>
             </a:pPr>
-            <a:endParaRPr b="0" lang="en-US" sz="2100" spc="-1" strike="noStrike">
+            <a:endParaRPr lang="en-US" sz="2100" b="0" strike="noStrike" spc="-1">
               <a:solidFill>
                 <a:srgbClr val="000000"/>
               </a:solidFill>
@@ -2454,9 +2630,10 @@
           </a:ln>
         </p:spPr>
         <p:txBody>
-          <a:bodyPr lIns="0" rIns="0" tIns="0" bIns="0" anchor="t">
+          <a:bodyPr lIns="0" tIns="0" rIns="0" bIns="0" anchor="t">
             <a:normAutofit/>
           </a:bodyPr>
+          <a:lstStyle/>
           <a:p>
             <a:pPr>
               <a:lnSpc>
@@ -2467,7 +2644,7 @@
               </a:spcBef>
               <a:buNone/>
             </a:pPr>
-            <a:endParaRPr b="0" lang="en-US" sz="2100" spc="-1" strike="noStrike">
+            <a:endParaRPr lang="en-US" sz="2100" b="0" strike="noStrike" spc="-1">
               <a:solidFill>
                 <a:srgbClr val="000000"/>
               </a:solidFill>
@@ -2489,6 +2666,7 @@
         <p:spPr/>
         <p:txBody>
           <a:bodyPr/>
+          <a:lstStyle/>
           <a:p>
             <a:r>
               <a:t>Footer</a:t>
@@ -2509,10 +2687,12 @@
         <p:spPr/>
         <p:txBody>
           <a:bodyPr/>
+          <a:lstStyle/>
           <a:p>
             <a:fld id="{301B8675-DA62-41AF-BDB0-7DA355575412}" type="slidenum">
-              <a:t>&lt;#&gt;</a:t>
+              <a:t>‹#›</a:t>
             </a:fld>
+            <a:endParaRPr/>
           </a:p>
         </p:txBody>
       </p:sp>
@@ -2529,21 +2709,22 @@
         <p:spPr/>
         <p:txBody>
           <a:bodyPr/>
-          <a:p>
-            <a:r>
-              <a:rPr lang="en-US"/>
-              <a:t/>
-            </a:r>
+          <a:lstStyle/>
+          <a:p>
+            <a:endParaRPr/>
           </a:p>
         </p:txBody>
       </p:sp>
     </p:spTree>
   </p:cSld>
+  <p:clrMapOvr>
+    <a:masterClrMapping/>
+  </p:clrMapOvr>
 </p:sldLayout>
 </file>
 
 <file path=ppt/slideLayouts/slideLayout21.xml><?xml version="1.0" encoding="utf-8"?>
-<p:sldLayout xmlns:a="http://schemas.openxmlformats.org/drawingml/2006/main" xmlns:p="http://schemas.openxmlformats.org/presentationml/2006/main" xmlns:r="http://schemas.openxmlformats.org/officeDocument/2006/relationships" xmlns:p14="http://schemas.microsoft.com/office/powerpoint/2010/main" xmlns:p15="http://schemas.microsoft.com/office/powerpoint/2012/main" xmlns:mc="http://schemas.openxmlformats.org/markup-compatibility/2006" type="twoObjOverTx" preserve="1">
+<p:sldLayout xmlns:a="http://schemas.openxmlformats.org/drawingml/2006/main" xmlns:r="http://schemas.openxmlformats.org/officeDocument/2006/relationships" xmlns:p="http://schemas.openxmlformats.org/presentationml/2006/main" type="twoObjOverTx" preserve="1">
   <p:cSld name="Title, 2 Content over Content">
     <p:spTree>
       <p:nvGrpSpPr>
@@ -2583,11 +2764,12 @@
           </a:ln>
         </p:spPr>
         <p:txBody>
-          <a:bodyPr lIns="0" rIns="0" tIns="0" bIns="0" anchor="ctr">
+          <a:bodyPr lIns="0" tIns="0" rIns="0" bIns="0" anchor="ctr">
             <a:noAutofit/>
           </a:bodyPr>
-          <a:p>
-            <a:endParaRPr b="0" lang="en-US" sz="1800" spc="-1" strike="noStrike">
+          <a:lstStyle/>
+          <a:p>
+            <a:endParaRPr lang="en-US" sz="1800" b="0" strike="noStrike" spc="-1">
               <a:solidFill>
                 <a:srgbClr val="000000"/>
               </a:solidFill>
@@ -2620,9 +2802,10 @@
           </a:ln>
         </p:spPr>
         <p:txBody>
-          <a:bodyPr lIns="0" rIns="0" tIns="0" bIns="0" anchor="t">
+          <a:bodyPr lIns="0" tIns="0" rIns="0" bIns="0" anchor="t">
             <a:normAutofit/>
           </a:bodyPr>
+          <a:lstStyle/>
           <a:p>
             <a:pPr>
               <a:lnSpc>
@@ -2633,7 +2816,7 @@
               </a:spcBef>
               <a:buNone/>
             </a:pPr>
-            <a:endParaRPr b="0" lang="en-US" sz="2100" spc="-1" strike="noStrike">
+            <a:endParaRPr lang="en-US" sz="2100" b="0" strike="noStrike" spc="-1">
               <a:solidFill>
                 <a:srgbClr val="000000"/>
               </a:solidFill>
@@ -2666,9 +2849,10 @@
           </a:ln>
         </p:spPr>
         <p:txBody>
-          <a:bodyPr lIns="0" rIns="0" tIns="0" bIns="0" anchor="t">
+          <a:bodyPr lIns="0" tIns="0" rIns="0" bIns="0" anchor="t">
             <a:normAutofit/>
           </a:bodyPr>
+          <a:lstStyle/>
           <a:p>
             <a:pPr>
               <a:lnSpc>
@@ -2679,7 +2863,7 @@
               </a:spcBef>
               <a:buNone/>
             </a:pPr>
-            <a:endParaRPr b="0" lang="en-US" sz="2100" spc="-1" strike="noStrike">
+            <a:endParaRPr lang="en-US" sz="2100" b="0" strike="noStrike" spc="-1">
               <a:solidFill>
                 <a:srgbClr val="000000"/>
               </a:solidFill>
@@ -2712,9 +2896,10 @@
           </a:ln>
         </p:spPr>
         <p:txBody>
-          <a:bodyPr lIns="0" rIns="0" tIns="0" bIns="0" anchor="t">
+          <a:bodyPr lIns="0" tIns="0" rIns="0" bIns="0" anchor="t">
             <a:normAutofit/>
           </a:bodyPr>
+          <a:lstStyle/>
           <a:p>
             <a:pPr>
               <a:lnSpc>
@@ -2725,7 +2910,7 @@
               </a:spcBef>
               <a:buNone/>
             </a:pPr>
-            <a:endParaRPr b="0" lang="en-US" sz="2100" spc="-1" strike="noStrike">
+            <a:endParaRPr lang="en-US" sz="2100" b="0" strike="noStrike" spc="-1">
               <a:solidFill>
                 <a:srgbClr val="000000"/>
               </a:solidFill>
@@ -2747,6 +2932,7 @@
         <p:spPr/>
         <p:txBody>
           <a:bodyPr/>
+          <a:lstStyle/>
           <a:p>
             <a:r>
               <a:t>Footer</a:t>
@@ -2767,10 +2953,12 @@
         <p:spPr/>
         <p:txBody>
           <a:bodyPr/>
+          <a:lstStyle/>
           <a:p>
             <a:fld id="{1F0A97A0-CF76-45F7-BFCB-91AAF04B35DA}" type="slidenum">
-              <a:t>&lt;#&gt;</a:t>
+              <a:t>‹#›</a:t>
             </a:fld>
+            <a:endParaRPr/>
           </a:p>
         </p:txBody>
       </p:sp>
@@ -2787,21 +2975,22 @@
         <p:spPr/>
         <p:txBody>
           <a:bodyPr/>
-          <a:p>
-            <a:r>
-              <a:rPr lang="en-US"/>
-              <a:t/>
-            </a:r>
+          <a:lstStyle/>
+          <a:p>
+            <a:endParaRPr/>
           </a:p>
         </p:txBody>
       </p:sp>
     </p:spTree>
   </p:cSld>
+  <p:clrMapOvr>
+    <a:masterClrMapping/>
+  </p:clrMapOvr>
 </p:sldLayout>
 </file>
 
 <file path=ppt/slideLayouts/slideLayout22.xml><?xml version="1.0" encoding="utf-8"?>
-<p:sldLayout xmlns:a="http://schemas.openxmlformats.org/drawingml/2006/main" xmlns:p="http://schemas.openxmlformats.org/presentationml/2006/main" xmlns:r="http://schemas.openxmlformats.org/officeDocument/2006/relationships" xmlns:p14="http://schemas.microsoft.com/office/powerpoint/2010/main" xmlns:p15="http://schemas.microsoft.com/office/powerpoint/2012/main" xmlns:mc="http://schemas.openxmlformats.org/markup-compatibility/2006" type="objOverTx" preserve="1">
+<p:sldLayout xmlns:a="http://schemas.openxmlformats.org/drawingml/2006/main" xmlns:r="http://schemas.openxmlformats.org/officeDocument/2006/relationships" xmlns:p="http://schemas.openxmlformats.org/presentationml/2006/main" type="objOverTx" preserve="1">
   <p:cSld name="Title, Content over Content">
     <p:spTree>
       <p:nvGrpSpPr>
@@ -2841,11 +3030,12 @@
           </a:ln>
         </p:spPr>
         <p:txBody>
-          <a:bodyPr lIns="0" rIns="0" tIns="0" bIns="0" anchor="ctr">
+          <a:bodyPr lIns="0" tIns="0" rIns="0" bIns="0" anchor="ctr">
             <a:noAutofit/>
           </a:bodyPr>
-          <a:p>
-            <a:endParaRPr b="0" lang="en-US" sz="1800" spc="-1" strike="noStrike">
+          <a:lstStyle/>
+          <a:p>
+            <a:endParaRPr lang="en-US" sz="1800" b="0" strike="noStrike" spc="-1">
               <a:solidFill>
                 <a:srgbClr val="000000"/>
               </a:solidFill>
@@ -2878,9 +3068,10 @@
           </a:ln>
         </p:spPr>
         <p:txBody>
-          <a:bodyPr lIns="0" rIns="0" tIns="0" bIns="0" anchor="t">
+          <a:bodyPr lIns="0" tIns="0" rIns="0" bIns="0" anchor="t">
             <a:normAutofit/>
           </a:bodyPr>
+          <a:lstStyle/>
           <a:p>
             <a:pPr>
               <a:lnSpc>
@@ -2891,7 +3082,7 @@
               </a:spcBef>
               <a:buNone/>
             </a:pPr>
-            <a:endParaRPr b="0" lang="en-US" sz="2100" spc="-1" strike="noStrike">
+            <a:endParaRPr lang="en-US" sz="2100" b="0" strike="noStrike" spc="-1">
               <a:solidFill>
                 <a:srgbClr val="000000"/>
               </a:solidFill>
@@ -2924,9 +3115,10 @@
           </a:ln>
         </p:spPr>
         <p:txBody>
-          <a:bodyPr lIns="0" rIns="0" tIns="0" bIns="0" anchor="t">
+          <a:bodyPr lIns="0" tIns="0" rIns="0" bIns="0" anchor="t">
             <a:normAutofit/>
           </a:bodyPr>
+          <a:lstStyle/>
           <a:p>
             <a:pPr>
               <a:lnSpc>
@@ -2937,7 +3129,7 @@
               </a:spcBef>
               <a:buNone/>
             </a:pPr>
-            <a:endParaRPr b="0" lang="en-US" sz="2100" spc="-1" strike="noStrike">
+            <a:endParaRPr lang="en-US" sz="2100" b="0" strike="noStrike" spc="-1">
               <a:solidFill>
                 <a:srgbClr val="000000"/>
               </a:solidFill>
@@ -2959,6 +3151,7 @@
         <p:spPr/>
         <p:txBody>
           <a:bodyPr/>
+          <a:lstStyle/>
           <a:p>
             <a:r>
               <a:t>Footer</a:t>
@@ -2979,10 +3172,12 @@
         <p:spPr/>
         <p:txBody>
           <a:bodyPr/>
+          <a:lstStyle/>
           <a:p>
             <a:fld id="{4D62021A-AF18-4B49-A3DE-2F4D9A1CA78F}" type="slidenum">
-              <a:t>&lt;#&gt;</a:t>
+              <a:t>‹#›</a:t>
             </a:fld>
+            <a:endParaRPr/>
           </a:p>
         </p:txBody>
       </p:sp>
@@ -2999,21 +3194,22 @@
         <p:spPr/>
         <p:txBody>
           <a:bodyPr/>
-          <a:p>
-            <a:r>
-              <a:rPr lang="en-US"/>
-              <a:t/>
-            </a:r>
+          <a:lstStyle/>
+          <a:p>
+            <a:endParaRPr/>
           </a:p>
         </p:txBody>
       </p:sp>
     </p:spTree>
   </p:cSld>
+  <p:clrMapOvr>
+    <a:masterClrMapping/>
+  </p:clrMapOvr>
 </p:sldLayout>
 </file>
 
 <file path=ppt/slideLayouts/slideLayout23.xml><?xml version="1.0" encoding="utf-8"?>
-<p:sldLayout xmlns:a="http://schemas.openxmlformats.org/drawingml/2006/main" xmlns:p="http://schemas.openxmlformats.org/presentationml/2006/main" xmlns:r="http://schemas.openxmlformats.org/officeDocument/2006/relationships" xmlns:p14="http://schemas.microsoft.com/office/powerpoint/2010/main" xmlns:p15="http://schemas.microsoft.com/office/powerpoint/2012/main" xmlns:mc="http://schemas.openxmlformats.org/markup-compatibility/2006" type="fourObj" preserve="1">
+<p:sldLayout xmlns:a="http://schemas.openxmlformats.org/drawingml/2006/main" xmlns:r="http://schemas.openxmlformats.org/officeDocument/2006/relationships" xmlns:p="http://schemas.openxmlformats.org/presentationml/2006/main" type="fourObj" preserve="1">
   <p:cSld name="Title, 4 Content">
     <p:spTree>
       <p:nvGrpSpPr>
@@ -3053,11 +3249,12 @@
           </a:ln>
         </p:spPr>
         <p:txBody>
-          <a:bodyPr lIns="0" rIns="0" tIns="0" bIns="0" anchor="ctr">
+          <a:bodyPr lIns="0" tIns="0" rIns="0" bIns="0" anchor="ctr">
             <a:noAutofit/>
           </a:bodyPr>
-          <a:p>
-            <a:endParaRPr b="0" lang="en-US" sz="1800" spc="-1" strike="noStrike">
+          <a:lstStyle/>
+          <a:p>
+            <a:endParaRPr lang="en-US" sz="1800" b="0" strike="noStrike" spc="-1">
               <a:solidFill>
                 <a:srgbClr val="000000"/>
               </a:solidFill>
@@ -3090,9 +3287,10 @@
           </a:ln>
         </p:spPr>
         <p:txBody>
-          <a:bodyPr lIns="0" rIns="0" tIns="0" bIns="0" anchor="t">
+          <a:bodyPr lIns="0" tIns="0" rIns="0" bIns="0" anchor="t">
             <a:normAutofit/>
           </a:bodyPr>
+          <a:lstStyle/>
           <a:p>
             <a:pPr>
               <a:lnSpc>
@@ -3103,7 +3301,7 @@
               </a:spcBef>
               <a:buNone/>
             </a:pPr>
-            <a:endParaRPr b="0" lang="en-US" sz="2100" spc="-1" strike="noStrike">
+            <a:endParaRPr lang="en-US" sz="2100" b="0" strike="noStrike" spc="-1">
               <a:solidFill>
                 <a:srgbClr val="000000"/>
               </a:solidFill>
@@ -3136,9 +3334,10 @@
           </a:ln>
         </p:spPr>
         <p:txBody>
-          <a:bodyPr lIns="0" rIns="0" tIns="0" bIns="0" anchor="t">
+          <a:bodyPr lIns="0" tIns="0" rIns="0" bIns="0" anchor="t">
             <a:normAutofit/>
           </a:bodyPr>
+          <a:lstStyle/>
           <a:p>
             <a:pPr>
               <a:lnSpc>
@@ -3149,7 +3348,7 @@
               </a:spcBef>
               <a:buNone/>
             </a:pPr>
-            <a:endParaRPr b="0" lang="en-US" sz="2100" spc="-1" strike="noStrike">
+            <a:endParaRPr lang="en-US" sz="2100" b="0" strike="noStrike" spc="-1">
               <a:solidFill>
                 <a:srgbClr val="000000"/>
               </a:solidFill>
@@ -3182,9 +3381,10 @@
           </a:ln>
         </p:spPr>
         <p:txBody>
-          <a:bodyPr lIns="0" rIns="0" tIns="0" bIns="0" anchor="t">
+          <a:bodyPr lIns="0" tIns="0" rIns="0" bIns="0" anchor="t">
             <a:normAutofit/>
           </a:bodyPr>
+          <a:lstStyle/>
           <a:p>
             <a:pPr>
               <a:lnSpc>
@@ -3195,7 +3395,7 @@
               </a:spcBef>
               <a:buNone/>
             </a:pPr>
-            <a:endParaRPr b="0" lang="en-US" sz="2100" spc="-1" strike="noStrike">
+            <a:endParaRPr lang="en-US" sz="2100" b="0" strike="noStrike" spc="-1">
               <a:solidFill>
                 <a:srgbClr val="000000"/>
               </a:solidFill>
@@ -3228,9 +3428,10 @@
           </a:ln>
         </p:spPr>
         <p:txBody>
-          <a:bodyPr lIns="0" rIns="0" tIns="0" bIns="0" anchor="t">
+          <a:bodyPr lIns="0" tIns="0" rIns="0" bIns="0" anchor="t">
             <a:normAutofit/>
           </a:bodyPr>
+          <a:lstStyle/>
           <a:p>
             <a:pPr>
               <a:lnSpc>
@@ -3241,7 +3442,7 @@
               </a:spcBef>
               <a:buNone/>
             </a:pPr>
-            <a:endParaRPr b="0" lang="en-US" sz="2100" spc="-1" strike="noStrike">
+            <a:endParaRPr lang="en-US" sz="2100" b="0" strike="noStrike" spc="-1">
               <a:solidFill>
                 <a:srgbClr val="000000"/>
               </a:solidFill>
@@ -3263,6 +3464,7 @@
         <p:spPr/>
         <p:txBody>
           <a:bodyPr/>
+          <a:lstStyle/>
           <a:p>
             <a:r>
               <a:t>Footer</a:t>
@@ -3283,10 +3485,12 @@
         <p:spPr/>
         <p:txBody>
           <a:bodyPr/>
+          <a:lstStyle/>
           <a:p>
             <a:fld id="{29416432-1C27-4EB2-B2D3-7EC9B6FCDAE0}" type="slidenum">
-              <a:t>&lt;#&gt;</a:t>
+              <a:t>‹#›</a:t>
             </a:fld>
+            <a:endParaRPr/>
           </a:p>
         </p:txBody>
       </p:sp>
@@ -3303,21 +3507,22 @@
         <p:spPr/>
         <p:txBody>
           <a:bodyPr/>
-          <a:p>
-            <a:r>
-              <a:rPr lang="en-US"/>
-              <a:t/>
-            </a:r>
+          <a:lstStyle/>
+          <a:p>
+            <a:endParaRPr/>
           </a:p>
         </p:txBody>
       </p:sp>
     </p:spTree>
   </p:cSld>
+  <p:clrMapOvr>
+    <a:masterClrMapping/>
+  </p:clrMapOvr>
 </p:sldLayout>
 </file>
 
 <file path=ppt/slideLayouts/slideLayout24.xml><?xml version="1.0" encoding="utf-8"?>
-<p:sldLayout xmlns:a="http://schemas.openxmlformats.org/drawingml/2006/main" xmlns:p="http://schemas.openxmlformats.org/presentationml/2006/main" xmlns:r="http://schemas.openxmlformats.org/officeDocument/2006/relationships" xmlns:p14="http://schemas.microsoft.com/office/powerpoint/2010/main" xmlns:p15="http://schemas.microsoft.com/office/powerpoint/2012/main" xmlns:mc="http://schemas.openxmlformats.org/markup-compatibility/2006" type="blank" preserve="1">
+<p:sldLayout xmlns:a="http://schemas.openxmlformats.org/drawingml/2006/main" xmlns:r="http://schemas.openxmlformats.org/officeDocument/2006/relationships" xmlns:p="http://schemas.openxmlformats.org/presentationml/2006/main" type="blank" preserve="1">
   <p:cSld name="Title, 6 Content">
     <p:spTree>
       <p:nvGrpSpPr>
@@ -3357,11 +3562,12 @@
           </a:ln>
         </p:spPr>
         <p:txBody>
-          <a:bodyPr lIns="0" rIns="0" tIns="0" bIns="0" anchor="ctr">
+          <a:bodyPr lIns="0" tIns="0" rIns="0" bIns="0" anchor="ctr">
             <a:noAutofit/>
           </a:bodyPr>
-          <a:p>
-            <a:endParaRPr b="0" lang="en-US" sz="1800" spc="-1" strike="noStrike">
+          <a:lstStyle/>
+          <a:p>
+            <a:endParaRPr lang="en-US" sz="1800" b="0" strike="noStrike" spc="-1">
               <a:solidFill>
                 <a:srgbClr val="000000"/>
               </a:solidFill>
@@ -3394,9 +3600,10 @@
           </a:ln>
         </p:spPr>
         <p:txBody>
-          <a:bodyPr lIns="0" rIns="0" tIns="0" bIns="0" anchor="t">
+          <a:bodyPr lIns="0" tIns="0" rIns="0" bIns="0" anchor="t">
             <a:normAutofit/>
           </a:bodyPr>
+          <a:lstStyle/>
           <a:p>
             <a:pPr>
               <a:lnSpc>
@@ -3407,7 +3614,7 @@
               </a:spcBef>
               <a:buNone/>
             </a:pPr>
-            <a:endParaRPr b="0" lang="en-US" sz="2100" spc="-1" strike="noStrike">
+            <a:endParaRPr lang="en-US" sz="2100" b="0" strike="noStrike" spc="-1">
               <a:solidFill>
                 <a:srgbClr val="000000"/>
               </a:solidFill>
@@ -3440,9 +3647,10 @@
           </a:ln>
         </p:spPr>
         <p:txBody>
-          <a:bodyPr lIns="0" rIns="0" tIns="0" bIns="0" anchor="t">
+          <a:bodyPr lIns="0" tIns="0" rIns="0" bIns="0" anchor="t">
             <a:normAutofit/>
           </a:bodyPr>
+          <a:lstStyle/>
           <a:p>
             <a:pPr>
               <a:lnSpc>
@@ -3453,7 +3661,7 @@
               </a:spcBef>
               <a:buNone/>
             </a:pPr>
-            <a:endParaRPr b="0" lang="en-US" sz="2100" spc="-1" strike="noStrike">
+            <a:endParaRPr lang="en-US" sz="2100" b="0" strike="noStrike" spc="-1">
               <a:solidFill>
                 <a:srgbClr val="000000"/>
               </a:solidFill>
@@ -3486,9 +3694,10 @@
           </a:ln>
         </p:spPr>
         <p:txBody>
-          <a:bodyPr lIns="0" rIns="0" tIns="0" bIns="0" anchor="t">
+          <a:bodyPr lIns="0" tIns="0" rIns="0" bIns="0" anchor="t">
             <a:normAutofit/>
           </a:bodyPr>
+          <a:lstStyle/>
           <a:p>
             <a:pPr>
               <a:lnSpc>
@@ -3499,7 +3708,7 @@
               </a:spcBef>
               <a:buNone/>
             </a:pPr>
-            <a:endParaRPr b="0" lang="en-US" sz="2100" spc="-1" strike="noStrike">
+            <a:endParaRPr lang="en-US" sz="2100" b="0" strike="noStrike" spc="-1">
               <a:solidFill>
                 <a:srgbClr val="000000"/>
               </a:solidFill>
@@ -3532,9 +3741,10 @@
           </a:ln>
         </p:spPr>
         <p:txBody>
-          <a:bodyPr lIns="0" rIns="0" tIns="0" bIns="0" anchor="t">
+          <a:bodyPr lIns="0" tIns="0" rIns="0" bIns="0" anchor="t">
             <a:normAutofit/>
           </a:bodyPr>
+          <a:lstStyle/>
           <a:p>
             <a:pPr>
               <a:lnSpc>
@@ -3545,7 +3755,7 @@
               </a:spcBef>
               <a:buNone/>
             </a:pPr>
-            <a:endParaRPr b="0" lang="en-US" sz="2100" spc="-1" strike="noStrike">
+            <a:endParaRPr lang="en-US" sz="2100" b="0" strike="noStrike" spc="-1">
               <a:solidFill>
                 <a:srgbClr val="000000"/>
               </a:solidFill>
@@ -3578,9 +3788,10 @@
           </a:ln>
         </p:spPr>
         <p:txBody>
-          <a:bodyPr lIns="0" rIns="0" tIns="0" bIns="0" anchor="t">
+          <a:bodyPr lIns="0" tIns="0" rIns="0" bIns="0" anchor="t">
             <a:normAutofit/>
           </a:bodyPr>
+          <a:lstStyle/>
           <a:p>
             <a:pPr>
               <a:lnSpc>
@@ -3591,7 +3802,7 @@
               </a:spcBef>
               <a:buNone/>
             </a:pPr>
-            <a:endParaRPr b="0" lang="en-US" sz="2100" spc="-1" strike="noStrike">
+            <a:endParaRPr lang="en-US" sz="2100" b="0" strike="noStrike" spc="-1">
               <a:solidFill>
                 <a:srgbClr val="000000"/>
               </a:solidFill>
@@ -3624,9 +3835,10 @@
           </a:ln>
         </p:spPr>
         <p:txBody>
-          <a:bodyPr lIns="0" rIns="0" tIns="0" bIns="0" anchor="t">
+          <a:bodyPr lIns="0" tIns="0" rIns="0" bIns="0" anchor="t">
             <a:normAutofit/>
           </a:bodyPr>
+          <a:lstStyle/>
           <a:p>
             <a:pPr>
               <a:lnSpc>
@@ -3637,7 +3849,7 @@
               </a:spcBef>
               <a:buNone/>
             </a:pPr>
-            <a:endParaRPr b="0" lang="en-US" sz="2100" spc="-1" strike="noStrike">
+            <a:endParaRPr lang="en-US" sz="2100" b="0" strike="noStrike" spc="-1">
               <a:solidFill>
                 <a:srgbClr val="000000"/>
               </a:solidFill>
@@ -3659,6 +3871,7 @@
         <p:spPr/>
         <p:txBody>
           <a:bodyPr/>
+          <a:lstStyle/>
           <a:p>
             <a:r>
               <a:t>Footer</a:t>
@@ -3679,10 +3892,12 @@
         <p:spPr/>
         <p:txBody>
           <a:bodyPr/>
+          <a:lstStyle/>
           <a:p>
             <a:fld id="{B067028C-C2C6-4E2E-9F6F-D4BF3DA0BE69}" type="slidenum">
-              <a:t>&lt;#&gt;</a:t>
+              <a:t>‹#›</a:t>
             </a:fld>
+            <a:endParaRPr/>
           </a:p>
         </p:txBody>
       </p:sp>
@@ -3699,21 +3914,22 @@
         <p:spPr/>
         <p:txBody>
           <a:bodyPr/>
-          <a:p>
-            <a:r>
-              <a:rPr lang="en-US"/>
-              <a:t/>
-            </a:r>
+          <a:lstStyle/>
+          <a:p>
+            <a:endParaRPr/>
           </a:p>
         </p:txBody>
       </p:sp>
     </p:spTree>
   </p:cSld>
+  <p:clrMapOvr>
+    <a:masterClrMapping/>
+  </p:clrMapOvr>
 </p:sldLayout>
 </file>
 
 <file path=ppt/slideLayouts/slideLayout25.xml><?xml version="1.0" encoding="utf-8"?>
-<p:sldLayout xmlns:a="http://schemas.openxmlformats.org/drawingml/2006/main" xmlns:p="http://schemas.openxmlformats.org/presentationml/2006/main" xmlns:r="http://schemas.openxmlformats.org/officeDocument/2006/relationships" xmlns:p14="http://schemas.microsoft.com/office/powerpoint/2010/main" xmlns:p15="http://schemas.microsoft.com/office/powerpoint/2012/main" xmlns:mc="http://schemas.openxmlformats.org/markup-compatibility/2006" type="blank" preserve="1">
+<p:sldLayout xmlns:a="http://schemas.openxmlformats.org/drawingml/2006/main" xmlns:r="http://schemas.openxmlformats.org/officeDocument/2006/relationships" xmlns:p="http://schemas.openxmlformats.org/presentationml/2006/main" type="blank" preserve="1">
   <p:cSld name="Blank Slide">
     <p:spTree>
       <p:nvGrpSpPr>
@@ -3742,6 +3958,7 @@
         <p:spPr/>
         <p:txBody>
           <a:bodyPr/>
+          <a:lstStyle/>
           <a:p>
             <a:r>
               <a:t>Footer</a:t>
@@ -3762,10 +3979,12 @@
         <p:spPr/>
         <p:txBody>
           <a:bodyPr/>
+          <a:lstStyle/>
           <a:p>
             <a:fld id="{1E6BB0C0-69DA-49CF-8CF0-3B9FF7E0B9D8}" type="slidenum">
-              <a:t>&lt;#&gt;</a:t>
+              <a:t>‹#›</a:t>
             </a:fld>
+            <a:endParaRPr/>
           </a:p>
         </p:txBody>
       </p:sp>
@@ -3782,21 +4001,22 @@
         <p:spPr/>
         <p:txBody>
           <a:bodyPr/>
-          <a:p>
-            <a:r>
-              <a:rPr lang="en-US"/>
-              <a:t/>
-            </a:r>
+          <a:lstStyle/>
+          <a:p>
+            <a:endParaRPr/>
           </a:p>
         </p:txBody>
       </p:sp>
     </p:spTree>
   </p:cSld>
+  <p:clrMapOvr>
+    <a:masterClrMapping/>
+  </p:clrMapOvr>
 </p:sldLayout>
 </file>
 
 <file path=ppt/slideLayouts/slideLayout26.xml><?xml version="1.0" encoding="utf-8"?>
-<p:sldLayout xmlns:a="http://schemas.openxmlformats.org/drawingml/2006/main" xmlns:p="http://schemas.openxmlformats.org/presentationml/2006/main" xmlns:r="http://schemas.openxmlformats.org/officeDocument/2006/relationships" xmlns:p14="http://schemas.microsoft.com/office/powerpoint/2010/main" xmlns:p15="http://schemas.microsoft.com/office/powerpoint/2012/main" xmlns:mc="http://schemas.openxmlformats.org/markup-compatibility/2006" type="tx" preserve="1">
+<p:sldLayout xmlns:a="http://schemas.openxmlformats.org/drawingml/2006/main" xmlns:r="http://schemas.openxmlformats.org/officeDocument/2006/relationships" xmlns:p="http://schemas.openxmlformats.org/presentationml/2006/main" type="tx" preserve="1">
   <p:cSld name="Title Slide">
     <p:spTree>
       <p:nvGrpSpPr>
@@ -3836,11 +4056,12 @@
           </a:ln>
         </p:spPr>
         <p:txBody>
-          <a:bodyPr lIns="0" rIns="0" tIns="0" bIns="0" anchor="ctr">
+          <a:bodyPr lIns="0" tIns="0" rIns="0" bIns="0" anchor="ctr">
             <a:noAutofit/>
           </a:bodyPr>
-          <a:p>
-            <a:endParaRPr b="0" lang="en-US" sz="1800" spc="-1" strike="noStrike">
+          <a:lstStyle/>
+          <a:p>
+            <a:endParaRPr lang="en-US" sz="1800" b="0" strike="noStrike" spc="-1">
               <a:solidFill>
                 <a:srgbClr val="000000"/>
               </a:solidFill>
@@ -3873,14 +4094,15 @@
           </a:ln>
         </p:spPr>
         <p:txBody>
-          <a:bodyPr lIns="0" rIns="0" tIns="0" bIns="0" anchor="ctr">
+          <a:bodyPr lIns="0" tIns="0" rIns="0" bIns="0" anchor="ctr">
             <a:noAutofit/>
           </a:bodyPr>
+          <a:lstStyle/>
           <a:p>
             <a:pPr algn="ctr">
               <a:buNone/>
             </a:pPr>
-            <a:endParaRPr b="0" lang="en-US" sz="3200" spc="-1" strike="noStrike">
+            <a:endParaRPr lang="en-US" sz="3200" b="0" strike="noStrike" spc="-1">
               <a:latin typeface="Arial"/>
             </a:endParaRPr>
           </a:p>
@@ -3899,6 +4121,7 @@
         <p:spPr/>
         <p:txBody>
           <a:bodyPr/>
+          <a:lstStyle/>
           <a:p>
             <a:r>
               <a:t>Footer</a:t>
@@ -3919,10 +4142,12 @@
         <p:spPr/>
         <p:txBody>
           <a:bodyPr/>
+          <a:lstStyle/>
           <a:p>
             <a:fld id="{DC2450D6-F0C3-4968-BF6A-F4A11F1595B2}" type="slidenum">
-              <a:t>&lt;#&gt;</a:t>
+              <a:t>‹#›</a:t>
             </a:fld>
+            <a:endParaRPr/>
           </a:p>
         </p:txBody>
       </p:sp>
@@ -3939,21 +4164,22 @@
         <p:spPr/>
         <p:txBody>
           <a:bodyPr/>
-          <a:p>
-            <a:r>
-              <a:rPr lang="en-US"/>
-              <a:t/>
-            </a:r>
+          <a:lstStyle/>
+          <a:p>
+            <a:endParaRPr/>
           </a:p>
         </p:txBody>
       </p:sp>
     </p:spTree>
   </p:cSld>
+  <p:clrMapOvr>
+    <a:masterClrMapping/>
+  </p:clrMapOvr>
 </p:sldLayout>
 </file>
 
 <file path=ppt/slideLayouts/slideLayout27.xml><?xml version="1.0" encoding="utf-8"?>
-<p:sldLayout xmlns:a="http://schemas.openxmlformats.org/drawingml/2006/main" xmlns:p="http://schemas.openxmlformats.org/presentationml/2006/main" xmlns:r="http://schemas.openxmlformats.org/officeDocument/2006/relationships" xmlns:p14="http://schemas.microsoft.com/office/powerpoint/2010/main" xmlns:p15="http://schemas.microsoft.com/office/powerpoint/2012/main" xmlns:mc="http://schemas.openxmlformats.org/markup-compatibility/2006" type="obj" preserve="1">
+<p:sldLayout xmlns:a="http://schemas.openxmlformats.org/drawingml/2006/main" xmlns:r="http://schemas.openxmlformats.org/officeDocument/2006/relationships" xmlns:p="http://schemas.openxmlformats.org/presentationml/2006/main" type="obj" preserve="1">
   <p:cSld name="Title, Content">
     <p:spTree>
       <p:nvGrpSpPr>
@@ -3993,11 +4219,12 @@
           </a:ln>
         </p:spPr>
         <p:txBody>
-          <a:bodyPr lIns="0" rIns="0" tIns="0" bIns="0" anchor="ctr">
+          <a:bodyPr lIns="0" tIns="0" rIns="0" bIns="0" anchor="ctr">
             <a:noAutofit/>
           </a:bodyPr>
-          <a:p>
-            <a:endParaRPr b="0" lang="en-US" sz="1800" spc="-1" strike="noStrike">
+          <a:lstStyle/>
+          <a:p>
+            <a:endParaRPr lang="en-US" sz="1800" b="0" strike="noStrike" spc="-1">
               <a:solidFill>
                 <a:srgbClr val="000000"/>
               </a:solidFill>
@@ -4030,9 +4257,10 @@
           </a:ln>
         </p:spPr>
         <p:txBody>
-          <a:bodyPr lIns="0" rIns="0" tIns="0" bIns="0" anchor="t">
+          <a:bodyPr lIns="0" tIns="0" rIns="0" bIns="0" anchor="t">
             <a:normAutofit/>
           </a:bodyPr>
+          <a:lstStyle/>
           <a:p>
             <a:pPr>
               <a:lnSpc>
@@ -4043,7 +4271,7 @@
               </a:spcBef>
               <a:buNone/>
             </a:pPr>
-            <a:endParaRPr b="0" lang="en-US" sz="2100" spc="-1" strike="noStrike">
+            <a:endParaRPr lang="en-US" sz="2100" b="0" strike="noStrike" spc="-1">
               <a:solidFill>
                 <a:srgbClr val="000000"/>
               </a:solidFill>
@@ -4065,6 +4293,7 @@
         <p:spPr/>
         <p:txBody>
           <a:bodyPr/>
+          <a:lstStyle/>
           <a:p>
             <a:r>
               <a:t>Footer</a:t>
@@ -4085,10 +4314,12 @@
         <p:spPr/>
         <p:txBody>
           <a:bodyPr/>
+          <a:lstStyle/>
           <a:p>
             <a:fld id="{9D85BCCF-499A-4A66-8669-138B20229A14}" type="slidenum">
-              <a:t>&lt;#&gt;</a:t>
+              <a:t>‹#›</a:t>
             </a:fld>
+            <a:endParaRPr/>
           </a:p>
         </p:txBody>
       </p:sp>
@@ -4105,21 +4336,22 @@
         <p:spPr/>
         <p:txBody>
           <a:bodyPr/>
-          <a:p>
-            <a:r>
-              <a:rPr lang="en-US"/>
-              <a:t/>
-            </a:r>
+          <a:lstStyle/>
+          <a:p>
+            <a:endParaRPr/>
           </a:p>
         </p:txBody>
       </p:sp>
     </p:spTree>
   </p:cSld>
+  <p:clrMapOvr>
+    <a:masterClrMapping/>
+  </p:clrMapOvr>
 </p:sldLayout>
 </file>
 
 <file path=ppt/slideLayouts/slideLayout28.xml><?xml version="1.0" encoding="utf-8"?>
-<p:sldLayout xmlns:a="http://schemas.openxmlformats.org/drawingml/2006/main" xmlns:p="http://schemas.openxmlformats.org/presentationml/2006/main" xmlns:r="http://schemas.openxmlformats.org/officeDocument/2006/relationships" xmlns:p14="http://schemas.microsoft.com/office/powerpoint/2010/main" xmlns:p15="http://schemas.microsoft.com/office/powerpoint/2012/main" xmlns:mc="http://schemas.openxmlformats.org/markup-compatibility/2006" type="twoObj" preserve="1">
+<p:sldLayout xmlns:a="http://schemas.openxmlformats.org/drawingml/2006/main" xmlns:r="http://schemas.openxmlformats.org/officeDocument/2006/relationships" xmlns:p="http://schemas.openxmlformats.org/presentationml/2006/main" type="twoObj" preserve="1">
   <p:cSld name="Title, 2 Content">
     <p:spTree>
       <p:nvGrpSpPr>
@@ -4159,11 +4391,12 @@
           </a:ln>
         </p:spPr>
         <p:txBody>
-          <a:bodyPr lIns="0" rIns="0" tIns="0" bIns="0" anchor="ctr">
+          <a:bodyPr lIns="0" tIns="0" rIns="0" bIns="0" anchor="ctr">
             <a:noAutofit/>
           </a:bodyPr>
-          <a:p>
-            <a:endParaRPr b="0" lang="en-US" sz="1800" spc="-1" strike="noStrike">
+          <a:lstStyle/>
+          <a:p>
+            <a:endParaRPr lang="en-US" sz="1800" b="0" strike="noStrike" spc="-1">
               <a:solidFill>
                 <a:srgbClr val="000000"/>
               </a:solidFill>
@@ -4196,9 +4429,10 @@
           </a:ln>
         </p:spPr>
         <p:txBody>
-          <a:bodyPr lIns="0" rIns="0" tIns="0" bIns="0" anchor="t">
+          <a:bodyPr lIns="0" tIns="0" rIns="0" bIns="0" anchor="t">
             <a:normAutofit/>
           </a:bodyPr>
+          <a:lstStyle/>
           <a:p>
             <a:pPr>
               <a:lnSpc>
@@ -4209,7 +4443,7 @@
               </a:spcBef>
               <a:buNone/>
             </a:pPr>
-            <a:endParaRPr b="0" lang="en-US" sz="2100" spc="-1" strike="noStrike">
+            <a:endParaRPr lang="en-US" sz="2100" b="0" strike="noStrike" spc="-1">
               <a:solidFill>
                 <a:srgbClr val="000000"/>
               </a:solidFill>
@@ -4242,9 +4476,10 @@
           </a:ln>
         </p:spPr>
         <p:txBody>
-          <a:bodyPr lIns="0" rIns="0" tIns="0" bIns="0" anchor="t">
+          <a:bodyPr lIns="0" tIns="0" rIns="0" bIns="0" anchor="t">
             <a:normAutofit/>
           </a:bodyPr>
+          <a:lstStyle/>
           <a:p>
             <a:pPr>
               <a:lnSpc>
@@ -4255,7 +4490,7 @@
               </a:spcBef>
               <a:buNone/>
             </a:pPr>
-            <a:endParaRPr b="0" lang="en-US" sz="2100" spc="-1" strike="noStrike">
+            <a:endParaRPr lang="en-US" sz="2100" b="0" strike="noStrike" spc="-1">
               <a:solidFill>
                 <a:srgbClr val="000000"/>
               </a:solidFill>
@@ -4277,6 +4512,7 @@
         <p:spPr/>
         <p:txBody>
           <a:bodyPr/>
+          <a:lstStyle/>
           <a:p>
             <a:r>
               <a:t>Footer</a:t>
@@ -4297,10 +4533,12 @@
         <p:spPr/>
         <p:txBody>
           <a:bodyPr/>
+          <a:lstStyle/>
           <a:p>
             <a:fld id="{4E7FD5EF-5A63-4184-8899-65098B2D0387}" type="slidenum">
-              <a:t>&lt;#&gt;</a:t>
+              <a:t>‹#›</a:t>
             </a:fld>
+            <a:endParaRPr/>
           </a:p>
         </p:txBody>
       </p:sp>
@@ -4317,21 +4555,22 @@
         <p:spPr/>
         <p:txBody>
           <a:bodyPr/>
-          <a:p>
-            <a:r>
-              <a:rPr lang="en-US"/>
-              <a:t/>
-            </a:r>
+          <a:lstStyle/>
+          <a:p>
+            <a:endParaRPr/>
           </a:p>
         </p:txBody>
       </p:sp>
     </p:spTree>
   </p:cSld>
+  <p:clrMapOvr>
+    <a:masterClrMapping/>
+  </p:clrMapOvr>
 </p:sldLayout>
 </file>
 
 <file path=ppt/slideLayouts/slideLayout29.xml><?xml version="1.0" encoding="utf-8"?>
-<p:sldLayout xmlns:a="http://schemas.openxmlformats.org/drawingml/2006/main" xmlns:p="http://schemas.openxmlformats.org/presentationml/2006/main" xmlns:r="http://schemas.openxmlformats.org/officeDocument/2006/relationships" xmlns:p14="http://schemas.microsoft.com/office/powerpoint/2010/main" xmlns:p15="http://schemas.microsoft.com/office/powerpoint/2012/main" xmlns:mc="http://schemas.openxmlformats.org/markup-compatibility/2006" type="titleOnly" preserve="1">
+<p:sldLayout xmlns:a="http://schemas.openxmlformats.org/drawingml/2006/main" xmlns:r="http://schemas.openxmlformats.org/officeDocument/2006/relationships" xmlns:p="http://schemas.openxmlformats.org/presentationml/2006/main" type="titleOnly" preserve="1">
   <p:cSld name="Title Only">
     <p:spTree>
       <p:nvGrpSpPr>
@@ -4371,11 +4610,12 @@
           </a:ln>
         </p:spPr>
         <p:txBody>
-          <a:bodyPr lIns="0" rIns="0" tIns="0" bIns="0" anchor="ctr">
+          <a:bodyPr lIns="0" tIns="0" rIns="0" bIns="0" anchor="ctr">
             <a:noAutofit/>
           </a:bodyPr>
-          <a:p>
-            <a:endParaRPr b="0" lang="en-US" sz="1800" spc="-1" strike="noStrike">
+          <a:lstStyle/>
+          <a:p>
+            <a:endParaRPr lang="en-US" sz="1800" b="0" strike="noStrike" spc="-1">
               <a:solidFill>
                 <a:srgbClr val="000000"/>
               </a:solidFill>
@@ -4397,6 +4637,7 @@
         <p:spPr/>
         <p:txBody>
           <a:bodyPr/>
+          <a:lstStyle/>
           <a:p>
             <a:r>
               <a:t>Footer</a:t>
@@ -4417,10 +4658,12 @@
         <p:spPr/>
         <p:txBody>
           <a:bodyPr/>
+          <a:lstStyle/>
           <a:p>
             <a:fld id="{F66B875E-82A9-4777-923F-F4D3B6F75664}" type="slidenum">
-              <a:t>&lt;#&gt;</a:t>
+              <a:t>‹#›</a:t>
             </a:fld>
+            <a:endParaRPr/>
           </a:p>
         </p:txBody>
       </p:sp>
@@ -4437,21 +4680,22 @@
         <p:spPr/>
         <p:txBody>
           <a:bodyPr/>
-          <a:p>
-            <a:r>
-              <a:rPr lang="en-US"/>
-              <a:t/>
-            </a:r>
+          <a:lstStyle/>
+          <a:p>
+            <a:endParaRPr/>
           </a:p>
         </p:txBody>
       </p:sp>
     </p:spTree>
   </p:cSld>
+  <p:clrMapOvr>
+    <a:masterClrMapping/>
+  </p:clrMapOvr>
 </p:sldLayout>
 </file>
 
 <file path=ppt/slideLayouts/slideLayout3.xml><?xml version="1.0" encoding="utf-8"?>
-<p:sldLayout xmlns:a="http://schemas.openxmlformats.org/drawingml/2006/main" xmlns:p="http://schemas.openxmlformats.org/presentationml/2006/main" xmlns:r="http://schemas.openxmlformats.org/officeDocument/2006/relationships" xmlns:p14="http://schemas.microsoft.com/office/powerpoint/2010/main" xmlns:p15="http://schemas.microsoft.com/office/powerpoint/2012/main" xmlns:mc="http://schemas.openxmlformats.org/markup-compatibility/2006" type="obj" preserve="1">
+<p:sldLayout xmlns:a="http://schemas.openxmlformats.org/drawingml/2006/main" xmlns:r="http://schemas.openxmlformats.org/officeDocument/2006/relationships" xmlns:p="http://schemas.openxmlformats.org/presentationml/2006/main" type="obj" preserve="1">
   <p:cSld name="Title, Content">
     <p:spTree>
       <p:nvGrpSpPr>
@@ -4491,11 +4735,12 @@
           </a:ln>
         </p:spPr>
         <p:txBody>
-          <a:bodyPr lIns="0" rIns="0" tIns="0" bIns="0" anchor="ctr">
+          <a:bodyPr lIns="0" tIns="0" rIns="0" bIns="0" anchor="ctr">
             <a:noAutofit/>
           </a:bodyPr>
-          <a:p>
-            <a:endParaRPr b="0" lang="en-US" sz="1800" spc="-1" strike="noStrike">
+          <a:lstStyle/>
+          <a:p>
+            <a:endParaRPr lang="en-US" sz="1800" b="0" strike="noStrike" spc="-1">
               <a:solidFill>
                 <a:srgbClr val="000000"/>
               </a:solidFill>
@@ -4528,9 +4773,10 @@
           </a:ln>
         </p:spPr>
         <p:txBody>
-          <a:bodyPr lIns="0" rIns="0" tIns="0" bIns="0" anchor="t">
+          <a:bodyPr lIns="0" tIns="0" rIns="0" bIns="0" anchor="t">
             <a:normAutofit/>
           </a:bodyPr>
+          <a:lstStyle/>
           <a:p>
             <a:pPr>
               <a:lnSpc>
@@ -4541,7 +4787,7 @@
               </a:spcBef>
               <a:buNone/>
             </a:pPr>
-            <a:endParaRPr b="0" lang="en-US" sz="2100" spc="-1" strike="noStrike">
+            <a:endParaRPr lang="en-US" sz="2100" b="0" strike="noStrike" spc="-1">
               <a:solidFill>
                 <a:srgbClr val="000000"/>
               </a:solidFill>
@@ -4563,6 +4809,7 @@
         <p:spPr/>
         <p:txBody>
           <a:bodyPr/>
+          <a:lstStyle/>
           <a:p>
             <a:r>
               <a:t>Footer</a:t>
@@ -4583,10 +4830,12 @@
         <p:spPr/>
         <p:txBody>
           <a:bodyPr/>
+          <a:lstStyle/>
           <a:p>
             <a:fld id="{A12A4452-1E54-498C-9045-C743DCD4CA8D}" type="slidenum">
-              <a:t>&lt;#&gt;</a:t>
+              <a:t>‹#›</a:t>
             </a:fld>
+            <a:endParaRPr/>
           </a:p>
         </p:txBody>
       </p:sp>
@@ -4603,21 +4852,22 @@
         <p:spPr/>
         <p:txBody>
           <a:bodyPr/>
-          <a:p>
-            <a:r>
-              <a:rPr lang="en-US"/>
-              <a:t/>
-            </a:r>
+          <a:lstStyle/>
+          <a:p>
+            <a:endParaRPr/>
           </a:p>
         </p:txBody>
       </p:sp>
     </p:spTree>
   </p:cSld>
+  <p:clrMapOvr>
+    <a:masterClrMapping/>
+  </p:clrMapOvr>
 </p:sldLayout>
 </file>
 
 <file path=ppt/slideLayouts/slideLayout30.xml><?xml version="1.0" encoding="utf-8"?>
-<p:sldLayout xmlns:a="http://schemas.openxmlformats.org/drawingml/2006/main" xmlns:p="http://schemas.openxmlformats.org/presentationml/2006/main" xmlns:r="http://schemas.openxmlformats.org/officeDocument/2006/relationships" xmlns:p14="http://schemas.microsoft.com/office/powerpoint/2010/main" xmlns:p15="http://schemas.microsoft.com/office/powerpoint/2012/main" xmlns:mc="http://schemas.openxmlformats.org/markup-compatibility/2006" type="objOnly" preserve="1">
+<p:sldLayout xmlns:a="http://schemas.openxmlformats.org/drawingml/2006/main" xmlns:r="http://schemas.openxmlformats.org/officeDocument/2006/relationships" xmlns:p="http://schemas.openxmlformats.org/presentationml/2006/main" type="objOnly" preserve="1">
   <p:cSld name="Centered Text">
     <p:spTree>
       <p:nvGrpSpPr>
@@ -4657,14 +4907,15 @@
           </a:ln>
         </p:spPr>
         <p:txBody>
-          <a:bodyPr lIns="0" rIns="0" tIns="0" bIns="0" anchor="ctr">
+          <a:bodyPr lIns="0" tIns="0" rIns="0" bIns="0" anchor="ctr">
             <a:noAutofit/>
           </a:bodyPr>
+          <a:lstStyle/>
           <a:p>
             <a:pPr algn="ctr">
               <a:buNone/>
             </a:pPr>
-            <a:endParaRPr b="0" lang="en-US" sz="3200" spc="-1" strike="noStrike">
+            <a:endParaRPr lang="en-US" sz="3200" b="0" strike="noStrike" spc="-1">
               <a:latin typeface="Arial"/>
             </a:endParaRPr>
           </a:p>
@@ -4683,6 +4934,7 @@
         <p:spPr/>
         <p:txBody>
           <a:bodyPr/>
+          <a:lstStyle/>
           <a:p>
             <a:r>
               <a:t>Footer</a:t>
@@ -4703,10 +4955,12 @@
         <p:spPr/>
         <p:txBody>
           <a:bodyPr/>
+          <a:lstStyle/>
           <a:p>
             <a:fld id="{F655E31C-2C01-4679-BD1B-86B09A49CCBD}" type="slidenum">
-              <a:t>&lt;#&gt;</a:t>
+              <a:t>‹#›</a:t>
             </a:fld>
+            <a:endParaRPr/>
           </a:p>
         </p:txBody>
       </p:sp>
@@ -4723,21 +4977,22 @@
         <p:spPr/>
         <p:txBody>
           <a:bodyPr/>
-          <a:p>
-            <a:r>
-              <a:rPr lang="en-US"/>
-              <a:t/>
-            </a:r>
+          <a:lstStyle/>
+          <a:p>
+            <a:endParaRPr/>
           </a:p>
         </p:txBody>
       </p:sp>
     </p:spTree>
   </p:cSld>
+  <p:clrMapOvr>
+    <a:masterClrMapping/>
+  </p:clrMapOvr>
 </p:sldLayout>
 </file>
 
 <file path=ppt/slideLayouts/slideLayout31.xml><?xml version="1.0" encoding="utf-8"?>
-<p:sldLayout xmlns:a="http://schemas.openxmlformats.org/drawingml/2006/main" xmlns:p="http://schemas.openxmlformats.org/presentationml/2006/main" xmlns:r="http://schemas.openxmlformats.org/officeDocument/2006/relationships" xmlns:p14="http://schemas.microsoft.com/office/powerpoint/2010/main" xmlns:p15="http://schemas.microsoft.com/office/powerpoint/2012/main" xmlns:mc="http://schemas.openxmlformats.org/markup-compatibility/2006" type="twoObjAndObj" preserve="1">
+<p:sldLayout xmlns:a="http://schemas.openxmlformats.org/drawingml/2006/main" xmlns:r="http://schemas.openxmlformats.org/officeDocument/2006/relationships" xmlns:p="http://schemas.openxmlformats.org/presentationml/2006/main" type="twoObjAndObj" preserve="1">
   <p:cSld name="Title, 2 Content and Content">
     <p:spTree>
       <p:nvGrpSpPr>
@@ -4777,11 +5032,12 @@
           </a:ln>
         </p:spPr>
         <p:txBody>
-          <a:bodyPr lIns="0" rIns="0" tIns="0" bIns="0" anchor="ctr">
+          <a:bodyPr lIns="0" tIns="0" rIns="0" bIns="0" anchor="ctr">
             <a:noAutofit/>
           </a:bodyPr>
-          <a:p>
-            <a:endParaRPr b="0" lang="en-US" sz="1800" spc="-1" strike="noStrike">
+          <a:lstStyle/>
+          <a:p>
+            <a:endParaRPr lang="en-US" sz="1800" b="0" strike="noStrike" spc="-1">
               <a:solidFill>
                 <a:srgbClr val="000000"/>
               </a:solidFill>
@@ -4814,9 +5070,10 @@
           </a:ln>
         </p:spPr>
         <p:txBody>
-          <a:bodyPr lIns="0" rIns="0" tIns="0" bIns="0" anchor="t">
+          <a:bodyPr lIns="0" tIns="0" rIns="0" bIns="0" anchor="t">
             <a:normAutofit/>
           </a:bodyPr>
+          <a:lstStyle/>
           <a:p>
             <a:pPr>
               <a:lnSpc>
@@ -4827,7 +5084,7 @@
               </a:spcBef>
               <a:buNone/>
             </a:pPr>
-            <a:endParaRPr b="0" lang="en-US" sz="2100" spc="-1" strike="noStrike">
+            <a:endParaRPr lang="en-US" sz="2100" b="0" strike="noStrike" spc="-1">
               <a:solidFill>
                 <a:srgbClr val="000000"/>
               </a:solidFill>
@@ -4860,9 +5117,10 @@
           </a:ln>
         </p:spPr>
         <p:txBody>
-          <a:bodyPr lIns="0" rIns="0" tIns="0" bIns="0" anchor="t">
+          <a:bodyPr lIns="0" tIns="0" rIns="0" bIns="0" anchor="t">
             <a:normAutofit/>
           </a:bodyPr>
+          <a:lstStyle/>
           <a:p>
             <a:pPr>
               <a:lnSpc>
@@ -4873,7 +5131,7 @@
               </a:spcBef>
               <a:buNone/>
             </a:pPr>
-            <a:endParaRPr b="0" lang="en-US" sz="2100" spc="-1" strike="noStrike">
+            <a:endParaRPr lang="en-US" sz="2100" b="0" strike="noStrike" spc="-1">
               <a:solidFill>
                 <a:srgbClr val="000000"/>
               </a:solidFill>
@@ -4906,9 +5164,10 @@
           </a:ln>
         </p:spPr>
         <p:txBody>
-          <a:bodyPr lIns="0" rIns="0" tIns="0" bIns="0" anchor="t">
+          <a:bodyPr lIns="0" tIns="0" rIns="0" bIns="0" anchor="t">
             <a:normAutofit/>
           </a:bodyPr>
+          <a:lstStyle/>
           <a:p>
             <a:pPr>
               <a:lnSpc>
@@ -4919,7 +5178,7 @@
               </a:spcBef>
               <a:buNone/>
             </a:pPr>
-            <a:endParaRPr b="0" lang="en-US" sz="2100" spc="-1" strike="noStrike">
+            <a:endParaRPr lang="en-US" sz="2100" b="0" strike="noStrike" spc="-1">
               <a:solidFill>
                 <a:srgbClr val="000000"/>
               </a:solidFill>
@@ -4941,6 +5200,7 @@
         <p:spPr/>
         <p:txBody>
           <a:bodyPr/>
+          <a:lstStyle/>
           <a:p>
             <a:r>
               <a:t>Footer</a:t>
@@ -4961,10 +5221,12 @@
         <p:spPr/>
         <p:txBody>
           <a:bodyPr/>
+          <a:lstStyle/>
           <a:p>
             <a:fld id="{E4A6715E-B3F5-4087-8A86-0D53771AF307}" type="slidenum">
-              <a:t>&lt;#&gt;</a:t>
+              <a:t>‹#›</a:t>
             </a:fld>
+            <a:endParaRPr/>
           </a:p>
         </p:txBody>
       </p:sp>
@@ -4981,21 +5243,22 @@
         <p:spPr/>
         <p:txBody>
           <a:bodyPr/>
-          <a:p>
-            <a:r>
-              <a:rPr lang="en-US"/>
-              <a:t/>
-            </a:r>
+          <a:lstStyle/>
+          <a:p>
+            <a:endParaRPr/>
           </a:p>
         </p:txBody>
       </p:sp>
     </p:spTree>
   </p:cSld>
+  <p:clrMapOvr>
+    <a:masterClrMapping/>
+  </p:clrMapOvr>
 </p:sldLayout>
 </file>
 
 <file path=ppt/slideLayouts/slideLayout32.xml><?xml version="1.0" encoding="utf-8"?>
-<p:sldLayout xmlns:a="http://schemas.openxmlformats.org/drawingml/2006/main" xmlns:p="http://schemas.openxmlformats.org/presentationml/2006/main" xmlns:r="http://schemas.openxmlformats.org/officeDocument/2006/relationships" xmlns:p14="http://schemas.microsoft.com/office/powerpoint/2010/main" xmlns:p15="http://schemas.microsoft.com/office/powerpoint/2012/main" xmlns:mc="http://schemas.openxmlformats.org/markup-compatibility/2006" type="objAndTwoObj" preserve="1">
+<p:sldLayout xmlns:a="http://schemas.openxmlformats.org/drawingml/2006/main" xmlns:r="http://schemas.openxmlformats.org/officeDocument/2006/relationships" xmlns:p="http://schemas.openxmlformats.org/presentationml/2006/main" type="objAndTwoObj" preserve="1">
   <p:cSld name="Title Content and 2 Content">
     <p:spTree>
       <p:nvGrpSpPr>
@@ -5035,11 +5298,12 @@
           </a:ln>
         </p:spPr>
         <p:txBody>
-          <a:bodyPr lIns="0" rIns="0" tIns="0" bIns="0" anchor="ctr">
+          <a:bodyPr lIns="0" tIns="0" rIns="0" bIns="0" anchor="ctr">
             <a:noAutofit/>
           </a:bodyPr>
-          <a:p>
-            <a:endParaRPr b="0" lang="en-US" sz="1800" spc="-1" strike="noStrike">
+          <a:lstStyle/>
+          <a:p>
+            <a:endParaRPr lang="en-US" sz="1800" b="0" strike="noStrike" spc="-1">
               <a:solidFill>
                 <a:srgbClr val="000000"/>
               </a:solidFill>
@@ -5072,9 +5336,10 @@
           </a:ln>
         </p:spPr>
         <p:txBody>
-          <a:bodyPr lIns="0" rIns="0" tIns="0" bIns="0" anchor="t">
+          <a:bodyPr lIns="0" tIns="0" rIns="0" bIns="0" anchor="t">
             <a:normAutofit/>
           </a:bodyPr>
+          <a:lstStyle/>
           <a:p>
             <a:pPr>
               <a:lnSpc>
@@ -5085,7 +5350,7 @@
               </a:spcBef>
               <a:buNone/>
             </a:pPr>
-            <a:endParaRPr b="0" lang="en-US" sz="2100" spc="-1" strike="noStrike">
+            <a:endParaRPr lang="en-US" sz="2100" b="0" strike="noStrike" spc="-1">
               <a:solidFill>
                 <a:srgbClr val="000000"/>
               </a:solidFill>
@@ -5118,9 +5383,10 @@
           </a:ln>
         </p:spPr>
         <p:txBody>
-          <a:bodyPr lIns="0" rIns="0" tIns="0" bIns="0" anchor="t">
+          <a:bodyPr lIns="0" tIns="0" rIns="0" bIns="0" anchor="t">
             <a:normAutofit/>
           </a:bodyPr>
+          <a:lstStyle/>
           <a:p>
             <a:pPr>
               <a:lnSpc>
@@ -5131,7 +5397,7 @@
               </a:spcBef>
               <a:buNone/>
             </a:pPr>
-            <a:endParaRPr b="0" lang="en-US" sz="2100" spc="-1" strike="noStrike">
+            <a:endParaRPr lang="en-US" sz="2100" b="0" strike="noStrike" spc="-1">
               <a:solidFill>
                 <a:srgbClr val="000000"/>
               </a:solidFill>
@@ -5164,9 +5430,10 @@
           </a:ln>
         </p:spPr>
         <p:txBody>
-          <a:bodyPr lIns="0" rIns="0" tIns="0" bIns="0" anchor="t">
+          <a:bodyPr lIns="0" tIns="0" rIns="0" bIns="0" anchor="t">
             <a:normAutofit/>
           </a:bodyPr>
+          <a:lstStyle/>
           <a:p>
             <a:pPr>
               <a:lnSpc>
@@ -5177,7 +5444,7 @@
               </a:spcBef>
               <a:buNone/>
             </a:pPr>
-            <a:endParaRPr b="0" lang="en-US" sz="2100" spc="-1" strike="noStrike">
+            <a:endParaRPr lang="en-US" sz="2100" b="0" strike="noStrike" spc="-1">
               <a:solidFill>
                 <a:srgbClr val="000000"/>
               </a:solidFill>
@@ -5199,6 +5466,7 @@
         <p:spPr/>
         <p:txBody>
           <a:bodyPr/>
+          <a:lstStyle/>
           <a:p>
             <a:r>
               <a:t>Footer</a:t>
@@ -5219,10 +5487,12 @@
         <p:spPr/>
         <p:txBody>
           <a:bodyPr/>
+          <a:lstStyle/>
           <a:p>
             <a:fld id="{2B8CD294-60DD-4D9A-80F3-BDAF9060D3B1}" type="slidenum">
-              <a:t>&lt;#&gt;</a:t>
+              <a:t>‹#›</a:t>
             </a:fld>
+            <a:endParaRPr/>
           </a:p>
         </p:txBody>
       </p:sp>
@@ -5239,21 +5509,22 @@
         <p:spPr/>
         <p:txBody>
           <a:bodyPr/>
-          <a:p>
-            <a:r>
-              <a:rPr lang="en-US"/>
-              <a:t/>
-            </a:r>
+          <a:lstStyle/>
+          <a:p>
+            <a:endParaRPr/>
           </a:p>
         </p:txBody>
       </p:sp>
     </p:spTree>
   </p:cSld>
+  <p:clrMapOvr>
+    <a:masterClrMapping/>
+  </p:clrMapOvr>
 </p:sldLayout>
 </file>
 
 <file path=ppt/slideLayouts/slideLayout33.xml><?xml version="1.0" encoding="utf-8"?>
-<p:sldLayout xmlns:a="http://schemas.openxmlformats.org/drawingml/2006/main" xmlns:p="http://schemas.openxmlformats.org/presentationml/2006/main" xmlns:r="http://schemas.openxmlformats.org/officeDocument/2006/relationships" xmlns:p14="http://schemas.microsoft.com/office/powerpoint/2010/main" xmlns:p15="http://schemas.microsoft.com/office/powerpoint/2012/main" xmlns:mc="http://schemas.openxmlformats.org/markup-compatibility/2006" type="twoObjOverTx" preserve="1">
+<p:sldLayout xmlns:a="http://schemas.openxmlformats.org/drawingml/2006/main" xmlns:r="http://schemas.openxmlformats.org/officeDocument/2006/relationships" xmlns:p="http://schemas.openxmlformats.org/presentationml/2006/main" type="twoObjOverTx" preserve="1">
   <p:cSld name="Title, 2 Content over Content">
     <p:spTree>
       <p:nvGrpSpPr>
@@ -5293,11 +5564,12 @@
           </a:ln>
         </p:spPr>
         <p:txBody>
-          <a:bodyPr lIns="0" rIns="0" tIns="0" bIns="0" anchor="ctr">
+          <a:bodyPr lIns="0" tIns="0" rIns="0" bIns="0" anchor="ctr">
             <a:noAutofit/>
           </a:bodyPr>
-          <a:p>
-            <a:endParaRPr b="0" lang="en-US" sz="1800" spc="-1" strike="noStrike">
+          <a:lstStyle/>
+          <a:p>
+            <a:endParaRPr lang="en-US" sz="1800" b="0" strike="noStrike" spc="-1">
               <a:solidFill>
                 <a:srgbClr val="000000"/>
               </a:solidFill>
@@ -5330,9 +5602,10 @@
           </a:ln>
         </p:spPr>
         <p:txBody>
-          <a:bodyPr lIns="0" rIns="0" tIns="0" bIns="0" anchor="t">
+          <a:bodyPr lIns="0" tIns="0" rIns="0" bIns="0" anchor="t">
             <a:normAutofit/>
           </a:bodyPr>
+          <a:lstStyle/>
           <a:p>
             <a:pPr>
               <a:lnSpc>
@@ -5343,7 +5616,7 @@
               </a:spcBef>
               <a:buNone/>
             </a:pPr>
-            <a:endParaRPr b="0" lang="en-US" sz="2100" spc="-1" strike="noStrike">
+            <a:endParaRPr lang="en-US" sz="2100" b="0" strike="noStrike" spc="-1">
               <a:solidFill>
                 <a:srgbClr val="000000"/>
               </a:solidFill>
@@ -5376,9 +5649,10 @@
           </a:ln>
         </p:spPr>
         <p:txBody>
-          <a:bodyPr lIns="0" rIns="0" tIns="0" bIns="0" anchor="t">
+          <a:bodyPr lIns="0" tIns="0" rIns="0" bIns="0" anchor="t">
             <a:normAutofit/>
           </a:bodyPr>
+          <a:lstStyle/>
           <a:p>
             <a:pPr>
               <a:lnSpc>
@@ -5389,7 +5663,7 @@
               </a:spcBef>
               <a:buNone/>
             </a:pPr>
-            <a:endParaRPr b="0" lang="en-US" sz="2100" spc="-1" strike="noStrike">
+            <a:endParaRPr lang="en-US" sz="2100" b="0" strike="noStrike" spc="-1">
               <a:solidFill>
                 <a:srgbClr val="000000"/>
               </a:solidFill>
@@ -5422,9 +5696,10 @@
           </a:ln>
         </p:spPr>
         <p:txBody>
-          <a:bodyPr lIns="0" rIns="0" tIns="0" bIns="0" anchor="t">
+          <a:bodyPr lIns="0" tIns="0" rIns="0" bIns="0" anchor="t">
             <a:normAutofit/>
           </a:bodyPr>
+          <a:lstStyle/>
           <a:p>
             <a:pPr>
               <a:lnSpc>
@@ -5435,7 +5710,7 @@
               </a:spcBef>
               <a:buNone/>
             </a:pPr>
-            <a:endParaRPr b="0" lang="en-US" sz="2100" spc="-1" strike="noStrike">
+            <a:endParaRPr lang="en-US" sz="2100" b="0" strike="noStrike" spc="-1">
               <a:solidFill>
                 <a:srgbClr val="000000"/>
               </a:solidFill>
@@ -5457,6 +5732,7 @@
         <p:spPr/>
         <p:txBody>
           <a:bodyPr/>
+          <a:lstStyle/>
           <a:p>
             <a:r>
               <a:t>Footer</a:t>
@@ -5477,10 +5753,12 @@
         <p:spPr/>
         <p:txBody>
           <a:bodyPr/>
+          <a:lstStyle/>
           <a:p>
             <a:fld id="{C75B47D9-08D9-43F9-AC5A-1BF2FE252162}" type="slidenum">
-              <a:t>&lt;#&gt;</a:t>
+              <a:t>‹#›</a:t>
             </a:fld>
+            <a:endParaRPr/>
           </a:p>
         </p:txBody>
       </p:sp>
@@ -5497,21 +5775,22 @@
         <p:spPr/>
         <p:txBody>
           <a:bodyPr/>
-          <a:p>
-            <a:r>
-              <a:rPr lang="en-US"/>
-              <a:t/>
-            </a:r>
+          <a:lstStyle/>
+          <a:p>
+            <a:endParaRPr/>
           </a:p>
         </p:txBody>
       </p:sp>
     </p:spTree>
   </p:cSld>
+  <p:clrMapOvr>
+    <a:masterClrMapping/>
+  </p:clrMapOvr>
 </p:sldLayout>
 </file>
 
 <file path=ppt/slideLayouts/slideLayout34.xml><?xml version="1.0" encoding="utf-8"?>
-<p:sldLayout xmlns:a="http://schemas.openxmlformats.org/drawingml/2006/main" xmlns:p="http://schemas.openxmlformats.org/presentationml/2006/main" xmlns:r="http://schemas.openxmlformats.org/officeDocument/2006/relationships" xmlns:p14="http://schemas.microsoft.com/office/powerpoint/2010/main" xmlns:p15="http://schemas.microsoft.com/office/powerpoint/2012/main" xmlns:mc="http://schemas.openxmlformats.org/markup-compatibility/2006" type="objOverTx" preserve="1">
+<p:sldLayout xmlns:a="http://schemas.openxmlformats.org/drawingml/2006/main" xmlns:r="http://schemas.openxmlformats.org/officeDocument/2006/relationships" xmlns:p="http://schemas.openxmlformats.org/presentationml/2006/main" type="objOverTx" preserve="1">
   <p:cSld name="Title, Content over Content">
     <p:spTree>
       <p:nvGrpSpPr>
@@ -5551,11 +5830,12 @@
           </a:ln>
         </p:spPr>
         <p:txBody>
-          <a:bodyPr lIns="0" rIns="0" tIns="0" bIns="0" anchor="ctr">
+          <a:bodyPr lIns="0" tIns="0" rIns="0" bIns="0" anchor="ctr">
             <a:noAutofit/>
           </a:bodyPr>
-          <a:p>
-            <a:endParaRPr b="0" lang="en-US" sz="1800" spc="-1" strike="noStrike">
+          <a:lstStyle/>
+          <a:p>
+            <a:endParaRPr lang="en-US" sz="1800" b="0" strike="noStrike" spc="-1">
               <a:solidFill>
                 <a:srgbClr val="000000"/>
               </a:solidFill>
@@ -5588,9 +5868,10 @@
           </a:ln>
         </p:spPr>
         <p:txBody>
-          <a:bodyPr lIns="0" rIns="0" tIns="0" bIns="0" anchor="t">
+          <a:bodyPr lIns="0" tIns="0" rIns="0" bIns="0" anchor="t">
             <a:normAutofit/>
           </a:bodyPr>
+          <a:lstStyle/>
           <a:p>
             <a:pPr>
               <a:lnSpc>
@@ -5601,7 +5882,7 @@
               </a:spcBef>
               <a:buNone/>
             </a:pPr>
-            <a:endParaRPr b="0" lang="en-US" sz="2100" spc="-1" strike="noStrike">
+            <a:endParaRPr lang="en-US" sz="2100" b="0" strike="noStrike" spc="-1">
               <a:solidFill>
                 <a:srgbClr val="000000"/>
               </a:solidFill>
@@ -5634,9 +5915,10 @@
           </a:ln>
         </p:spPr>
         <p:txBody>
-          <a:bodyPr lIns="0" rIns="0" tIns="0" bIns="0" anchor="t">
+          <a:bodyPr lIns="0" tIns="0" rIns="0" bIns="0" anchor="t">
             <a:normAutofit/>
           </a:bodyPr>
+          <a:lstStyle/>
           <a:p>
             <a:pPr>
               <a:lnSpc>
@@ -5647,7 +5929,7 @@
               </a:spcBef>
               <a:buNone/>
             </a:pPr>
-            <a:endParaRPr b="0" lang="en-US" sz="2100" spc="-1" strike="noStrike">
+            <a:endParaRPr lang="en-US" sz="2100" b="0" strike="noStrike" spc="-1">
               <a:solidFill>
                 <a:srgbClr val="000000"/>
               </a:solidFill>
@@ -5669,6 +5951,7 @@
         <p:spPr/>
         <p:txBody>
           <a:bodyPr/>
+          <a:lstStyle/>
           <a:p>
             <a:r>
               <a:t>Footer</a:t>
@@ -5689,10 +5972,12 @@
         <p:spPr/>
         <p:txBody>
           <a:bodyPr/>
+          <a:lstStyle/>
           <a:p>
             <a:fld id="{DE59F603-6FCC-4ED8-B089-045C40AC614E}" type="slidenum">
-              <a:t>&lt;#&gt;</a:t>
+              <a:t>‹#›</a:t>
             </a:fld>
+            <a:endParaRPr/>
           </a:p>
         </p:txBody>
       </p:sp>
@@ -5709,21 +5994,22 @@
         <p:spPr/>
         <p:txBody>
           <a:bodyPr/>
-          <a:p>
-            <a:r>
-              <a:rPr lang="en-US"/>
-              <a:t/>
-            </a:r>
+          <a:lstStyle/>
+          <a:p>
+            <a:endParaRPr/>
           </a:p>
         </p:txBody>
       </p:sp>
     </p:spTree>
   </p:cSld>
+  <p:clrMapOvr>
+    <a:masterClrMapping/>
+  </p:clrMapOvr>
 </p:sldLayout>
 </file>
 
 <file path=ppt/slideLayouts/slideLayout35.xml><?xml version="1.0" encoding="utf-8"?>
-<p:sldLayout xmlns:a="http://schemas.openxmlformats.org/drawingml/2006/main" xmlns:p="http://schemas.openxmlformats.org/presentationml/2006/main" xmlns:r="http://schemas.openxmlformats.org/officeDocument/2006/relationships" xmlns:p14="http://schemas.microsoft.com/office/powerpoint/2010/main" xmlns:p15="http://schemas.microsoft.com/office/powerpoint/2012/main" xmlns:mc="http://schemas.openxmlformats.org/markup-compatibility/2006" type="fourObj" preserve="1">
+<p:sldLayout xmlns:a="http://schemas.openxmlformats.org/drawingml/2006/main" xmlns:r="http://schemas.openxmlformats.org/officeDocument/2006/relationships" xmlns:p="http://schemas.openxmlformats.org/presentationml/2006/main" type="fourObj" preserve="1">
   <p:cSld name="Title, 4 Content">
     <p:spTree>
       <p:nvGrpSpPr>
@@ -5763,11 +6049,12 @@
           </a:ln>
         </p:spPr>
         <p:txBody>
-          <a:bodyPr lIns="0" rIns="0" tIns="0" bIns="0" anchor="ctr">
+          <a:bodyPr lIns="0" tIns="0" rIns="0" bIns="0" anchor="ctr">
             <a:noAutofit/>
           </a:bodyPr>
-          <a:p>
-            <a:endParaRPr b="0" lang="en-US" sz="1800" spc="-1" strike="noStrike">
+          <a:lstStyle/>
+          <a:p>
+            <a:endParaRPr lang="en-US" sz="1800" b="0" strike="noStrike" spc="-1">
               <a:solidFill>
                 <a:srgbClr val="000000"/>
               </a:solidFill>
@@ -5800,9 +6087,10 @@
           </a:ln>
         </p:spPr>
         <p:txBody>
-          <a:bodyPr lIns="0" rIns="0" tIns="0" bIns="0" anchor="t">
+          <a:bodyPr lIns="0" tIns="0" rIns="0" bIns="0" anchor="t">
             <a:normAutofit/>
           </a:bodyPr>
+          <a:lstStyle/>
           <a:p>
             <a:pPr>
               <a:lnSpc>
@@ -5813,7 +6101,7 @@
               </a:spcBef>
               <a:buNone/>
             </a:pPr>
-            <a:endParaRPr b="0" lang="en-US" sz="2100" spc="-1" strike="noStrike">
+            <a:endParaRPr lang="en-US" sz="2100" b="0" strike="noStrike" spc="-1">
               <a:solidFill>
                 <a:srgbClr val="000000"/>
               </a:solidFill>
@@ -5846,9 +6134,10 @@
           </a:ln>
         </p:spPr>
         <p:txBody>
-          <a:bodyPr lIns="0" rIns="0" tIns="0" bIns="0" anchor="t">
+          <a:bodyPr lIns="0" tIns="0" rIns="0" bIns="0" anchor="t">
             <a:normAutofit/>
           </a:bodyPr>
+          <a:lstStyle/>
           <a:p>
             <a:pPr>
               <a:lnSpc>
@@ -5859,7 +6148,7 @@
               </a:spcBef>
               <a:buNone/>
             </a:pPr>
-            <a:endParaRPr b="0" lang="en-US" sz="2100" spc="-1" strike="noStrike">
+            <a:endParaRPr lang="en-US" sz="2100" b="0" strike="noStrike" spc="-1">
               <a:solidFill>
                 <a:srgbClr val="000000"/>
               </a:solidFill>
@@ -5892,9 +6181,10 @@
           </a:ln>
         </p:spPr>
         <p:txBody>
-          <a:bodyPr lIns="0" rIns="0" tIns="0" bIns="0" anchor="t">
+          <a:bodyPr lIns="0" tIns="0" rIns="0" bIns="0" anchor="t">
             <a:normAutofit/>
           </a:bodyPr>
+          <a:lstStyle/>
           <a:p>
             <a:pPr>
               <a:lnSpc>
@@ -5905,7 +6195,7 @@
               </a:spcBef>
               <a:buNone/>
             </a:pPr>
-            <a:endParaRPr b="0" lang="en-US" sz="2100" spc="-1" strike="noStrike">
+            <a:endParaRPr lang="en-US" sz="2100" b="0" strike="noStrike" spc="-1">
               <a:solidFill>
                 <a:srgbClr val="000000"/>
               </a:solidFill>
@@ -5938,9 +6228,10 @@
           </a:ln>
         </p:spPr>
         <p:txBody>
-          <a:bodyPr lIns="0" rIns="0" tIns="0" bIns="0" anchor="t">
+          <a:bodyPr lIns="0" tIns="0" rIns="0" bIns="0" anchor="t">
             <a:normAutofit/>
           </a:bodyPr>
+          <a:lstStyle/>
           <a:p>
             <a:pPr>
               <a:lnSpc>
@@ -5951,7 +6242,7 @@
               </a:spcBef>
               <a:buNone/>
             </a:pPr>
-            <a:endParaRPr b="0" lang="en-US" sz="2100" spc="-1" strike="noStrike">
+            <a:endParaRPr lang="en-US" sz="2100" b="0" strike="noStrike" spc="-1">
               <a:solidFill>
                 <a:srgbClr val="000000"/>
               </a:solidFill>
@@ -5973,6 +6264,7 @@
         <p:spPr/>
         <p:txBody>
           <a:bodyPr/>
+          <a:lstStyle/>
           <a:p>
             <a:r>
               <a:t>Footer</a:t>
@@ -5993,10 +6285,12 @@
         <p:spPr/>
         <p:txBody>
           <a:bodyPr/>
+          <a:lstStyle/>
           <a:p>
             <a:fld id="{10392A2A-DE85-4456-8D60-913E24EDF278}" type="slidenum">
-              <a:t>&lt;#&gt;</a:t>
+              <a:t>‹#›</a:t>
             </a:fld>
+            <a:endParaRPr/>
           </a:p>
         </p:txBody>
       </p:sp>
@@ -6013,21 +6307,22 @@
         <p:spPr/>
         <p:txBody>
           <a:bodyPr/>
-          <a:p>
-            <a:r>
-              <a:rPr lang="en-US"/>
-              <a:t/>
-            </a:r>
+          <a:lstStyle/>
+          <a:p>
+            <a:endParaRPr/>
           </a:p>
         </p:txBody>
       </p:sp>
     </p:spTree>
   </p:cSld>
+  <p:clrMapOvr>
+    <a:masterClrMapping/>
+  </p:clrMapOvr>
 </p:sldLayout>
 </file>
 
 <file path=ppt/slideLayouts/slideLayout36.xml><?xml version="1.0" encoding="utf-8"?>
-<p:sldLayout xmlns:a="http://schemas.openxmlformats.org/drawingml/2006/main" xmlns:p="http://schemas.openxmlformats.org/presentationml/2006/main" xmlns:r="http://schemas.openxmlformats.org/officeDocument/2006/relationships" xmlns:p14="http://schemas.microsoft.com/office/powerpoint/2010/main" xmlns:p15="http://schemas.microsoft.com/office/powerpoint/2012/main" xmlns:mc="http://schemas.openxmlformats.org/markup-compatibility/2006" type="blank" preserve="1">
+<p:sldLayout xmlns:a="http://schemas.openxmlformats.org/drawingml/2006/main" xmlns:r="http://schemas.openxmlformats.org/officeDocument/2006/relationships" xmlns:p="http://schemas.openxmlformats.org/presentationml/2006/main" type="blank" preserve="1">
   <p:cSld name="Title, 6 Content">
     <p:spTree>
       <p:nvGrpSpPr>
@@ -6067,11 +6362,12 @@
           </a:ln>
         </p:spPr>
         <p:txBody>
-          <a:bodyPr lIns="0" rIns="0" tIns="0" bIns="0" anchor="ctr">
+          <a:bodyPr lIns="0" tIns="0" rIns="0" bIns="0" anchor="ctr">
             <a:noAutofit/>
           </a:bodyPr>
-          <a:p>
-            <a:endParaRPr b="0" lang="en-US" sz="1800" spc="-1" strike="noStrike">
+          <a:lstStyle/>
+          <a:p>
+            <a:endParaRPr lang="en-US" sz="1800" b="0" strike="noStrike" spc="-1">
               <a:solidFill>
                 <a:srgbClr val="000000"/>
               </a:solidFill>
@@ -6104,9 +6400,10 @@
           </a:ln>
         </p:spPr>
         <p:txBody>
-          <a:bodyPr lIns="0" rIns="0" tIns="0" bIns="0" anchor="t">
+          <a:bodyPr lIns="0" tIns="0" rIns="0" bIns="0" anchor="t">
             <a:normAutofit/>
           </a:bodyPr>
+          <a:lstStyle/>
           <a:p>
             <a:pPr>
               <a:lnSpc>
@@ -6117,7 +6414,7 @@
               </a:spcBef>
               <a:buNone/>
             </a:pPr>
-            <a:endParaRPr b="0" lang="en-US" sz="2100" spc="-1" strike="noStrike">
+            <a:endParaRPr lang="en-US" sz="2100" b="0" strike="noStrike" spc="-1">
               <a:solidFill>
                 <a:srgbClr val="000000"/>
               </a:solidFill>
@@ -6150,9 +6447,10 @@
           </a:ln>
         </p:spPr>
         <p:txBody>
-          <a:bodyPr lIns="0" rIns="0" tIns="0" bIns="0" anchor="t">
+          <a:bodyPr lIns="0" tIns="0" rIns="0" bIns="0" anchor="t">
             <a:normAutofit/>
           </a:bodyPr>
+          <a:lstStyle/>
           <a:p>
             <a:pPr>
               <a:lnSpc>
@@ -6163,7 +6461,7 @@
               </a:spcBef>
               <a:buNone/>
             </a:pPr>
-            <a:endParaRPr b="0" lang="en-US" sz="2100" spc="-1" strike="noStrike">
+            <a:endParaRPr lang="en-US" sz="2100" b="0" strike="noStrike" spc="-1">
               <a:solidFill>
                 <a:srgbClr val="000000"/>
               </a:solidFill>
@@ -6196,9 +6494,10 @@
           </a:ln>
         </p:spPr>
         <p:txBody>
-          <a:bodyPr lIns="0" rIns="0" tIns="0" bIns="0" anchor="t">
+          <a:bodyPr lIns="0" tIns="0" rIns="0" bIns="0" anchor="t">
             <a:normAutofit/>
           </a:bodyPr>
+          <a:lstStyle/>
           <a:p>
             <a:pPr>
               <a:lnSpc>
@@ -6209,7 +6508,7 @@
               </a:spcBef>
               <a:buNone/>
             </a:pPr>
-            <a:endParaRPr b="0" lang="en-US" sz="2100" spc="-1" strike="noStrike">
+            <a:endParaRPr lang="en-US" sz="2100" b="0" strike="noStrike" spc="-1">
               <a:solidFill>
                 <a:srgbClr val="000000"/>
               </a:solidFill>
@@ -6242,9 +6541,10 @@
           </a:ln>
         </p:spPr>
         <p:txBody>
-          <a:bodyPr lIns="0" rIns="0" tIns="0" bIns="0" anchor="t">
+          <a:bodyPr lIns="0" tIns="0" rIns="0" bIns="0" anchor="t">
             <a:normAutofit/>
           </a:bodyPr>
+          <a:lstStyle/>
           <a:p>
             <a:pPr>
               <a:lnSpc>
@@ -6255,7 +6555,7 @@
               </a:spcBef>
               <a:buNone/>
             </a:pPr>
-            <a:endParaRPr b="0" lang="en-US" sz="2100" spc="-1" strike="noStrike">
+            <a:endParaRPr lang="en-US" sz="2100" b="0" strike="noStrike" spc="-1">
               <a:solidFill>
                 <a:srgbClr val="000000"/>
               </a:solidFill>
@@ -6288,9 +6588,10 @@
           </a:ln>
         </p:spPr>
         <p:txBody>
-          <a:bodyPr lIns="0" rIns="0" tIns="0" bIns="0" anchor="t">
+          <a:bodyPr lIns="0" tIns="0" rIns="0" bIns="0" anchor="t">
             <a:normAutofit/>
           </a:bodyPr>
+          <a:lstStyle/>
           <a:p>
             <a:pPr>
               <a:lnSpc>
@@ -6301,7 +6602,7 @@
               </a:spcBef>
               <a:buNone/>
             </a:pPr>
-            <a:endParaRPr b="0" lang="en-US" sz="2100" spc="-1" strike="noStrike">
+            <a:endParaRPr lang="en-US" sz="2100" b="0" strike="noStrike" spc="-1">
               <a:solidFill>
                 <a:srgbClr val="000000"/>
               </a:solidFill>
@@ -6334,9 +6635,10 @@
           </a:ln>
         </p:spPr>
         <p:txBody>
-          <a:bodyPr lIns="0" rIns="0" tIns="0" bIns="0" anchor="t">
+          <a:bodyPr lIns="0" tIns="0" rIns="0" bIns="0" anchor="t">
             <a:normAutofit/>
           </a:bodyPr>
+          <a:lstStyle/>
           <a:p>
             <a:pPr>
               <a:lnSpc>
@@ -6347,7 +6649,7 @@
               </a:spcBef>
               <a:buNone/>
             </a:pPr>
-            <a:endParaRPr b="0" lang="en-US" sz="2100" spc="-1" strike="noStrike">
+            <a:endParaRPr lang="en-US" sz="2100" b="0" strike="noStrike" spc="-1">
               <a:solidFill>
                 <a:srgbClr val="000000"/>
               </a:solidFill>
@@ -6369,6 +6671,7 @@
         <p:spPr/>
         <p:txBody>
           <a:bodyPr/>
+          <a:lstStyle/>
           <a:p>
             <a:r>
               <a:t>Footer</a:t>
@@ -6389,10 +6692,12 @@
         <p:spPr/>
         <p:txBody>
           <a:bodyPr/>
+          <a:lstStyle/>
           <a:p>
             <a:fld id="{6008E9BE-C871-4314-BA7E-8C7D89DB363D}" type="slidenum">
-              <a:t>&lt;#&gt;</a:t>
+              <a:t>‹#›</a:t>
             </a:fld>
+            <a:endParaRPr/>
           </a:p>
         </p:txBody>
       </p:sp>
@@ -6409,21 +6714,22 @@
         <p:spPr/>
         <p:txBody>
           <a:bodyPr/>
-          <a:p>
-            <a:r>
-              <a:rPr lang="en-US"/>
-              <a:t/>
-            </a:r>
+          <a:lstStyle/>
+          <a:p>
+            <a:endParaRPr/>
           </a:p>
         </p:txBody>
       </p:sp>
     </p:spTree>
   </p:cSld>
+  <p:clrMapOvr>
+    <a:masterClrMapping/>
+  </p:clrMapOvr>
 </p:sldLayout>
 </file>
 
 <file path=ppt/slideLayouts/slideLayout4.xml><?xml version="1.0" encoding="utf-8"?>
-<p:sldLayout xmlns:a="http://schemas.openxmlformats.org/drawingml/2006/main" xmlns:p="http://schemas.openxmlformats.org/presentationml/2006/main" xmlns:r="http://schemas.openxmlformats.org/officeDocument/2006/relationships" xmlns:p14="http://schemas.microsoft.com/office/powerpoint/2010/main" xmlns:p15="http://schemas.microsoft.com/office/powerpoint/2012/main" xmlns:mc="http://schemas.openxmlformats.org/markup-compatibility/2006" type="twoObj" preserve="1">
+<p:sldLayout xmlns:a="http://schemas.openxmlformats.org/drawingml/2006/main" xmlns:r="http://schemas.openxmlformats.org/officeDocument/2006/relationships" xmlns:p="http://schemas.openxmlformats.org/presentationml/2006/main" type="twoObj" preserve="1">
   <p:cSld name="Title, 2 Content">
     <p:spTree>
       <p:nvGrpSpPr>
@@ -6463,11 +6769,12 @@
           </a:ln>
         </p:spPr>
         <p:txBody>
-          <a:bodyPr lIns="0" rIns="0" tIns="0" bIns="0" anchor="ctr">
+          <a:bodyPr lIns="0" tIns="0" rIns="0" bIns="0" anchor="ctr">
             <a:noAutofit/>
           </a:bodyPr>
-          <a:p>
-            <a:endParaRPr b="0" lang="en-US" sz="1800" spc="-1" strike="noStrike">
+          <a:lstStyle/>
+          <a:p>
+            <a:endParaRPr lang="en-US" sz="1800" b="0" strike="noStrike" spc="-1">
               <a:solidFill>
                 <a:srgbClr val="000000"/>
               </a:solidFill>
@@ -6500,9 +6807,10 @@
           </a:ln>
         </p:spPr>
         <p:txBody>
-          <a:bodyPr lIns="0" rIns="0" tIns="0" bIns="0" anchor="t">
+          <a:bodyPr lIns="0" tIns="0" rIns="0" bIns="0" anchor="t">
             <a:normAutofit/>
           </a:bodyPr>
+          <a:lstStyle/>
           <a:p>
             <a:pPr>
               <a:lnSpc>
@@ -6513,7 +6821,7 @@
               </a:spcBef>
               <a:buNone/>
             </a:pPr>
-            <a:endParaRPr b="0" lang="en-US" sz="2100" spc="-1" strike="noStrike">
+            <a:endParaRPr lang="en-US" sz="2100" b="0" strike="noStrike" spc="-1">
               <a:solidFill>
                 <a:srgbClr val="000000"/>
               </a:solidFill>
@@ -6546,9 +6854,10 @@
           </a:ln>
         </p:spPr>
         <p:txBody>
-          <a:bodyPr lIns="0" rIns="0" tIns="0" bIns="0" anchor="t">
+          <a:bodyPr lIns="0" tIns="0" rIns="0" bIns="0" anchor="t">
             <a:normAutofit/>
           </a:bodyPr>
+          <a:lstStyle/>
           <a:p>
             <a:pPr>
               <a:lnSpc>
@@ -6559,7 +6868,7 @@
               </a:spcBef>
               <a:buNone/>
             </a:pPr>
-            <a:endParaRPr b="0" lang="en-US" sz="2100" spc="-1" strike="noStrike">
+            <a:endParaRPr lang="en-US" sz="2100" b="0" strike="noStrike" spc="-1">
               <a:solidFill>
                 <a:srgbClr val="000000"/>
               </a:solidFill>
@@ -6581,6 +6890,7 @@
         <p:spPr/>
         <p:txBody>
           <a:bodyPr/>
+          <a:lstStyle/>
           <a:p>
             <a:r>
               <a:t>Footer</a:t>
@@ -6601,10 +6911,12 @@
         <p:spPr/>
         <p:txBody>
           <a:bodyPr/>
+          <a:lstStyle/>
           <a:p>
             <a:fld id="{0F0D01CC-EB0C-417D-8E50-23162D46D74F}" type="slidenum">
-              <a:t>&lt;#&gt;</a:t>
+              <a:t>‹#›</a:t>
             </a:fld>
+            <a:endParaRPr/>
           </a:p>
         </p:txBody>
       </p:sp>
@@ -6621,21 +6933,22 @@
         <p:spPr/>
         <p:txBody>
           <a:bodyPr/>
-          <a:p>
-            <a:r>
-              <a:rPr lang="en-US"/>
-              <a:t/>
-            </a:r>
+          <a:lstStyle/>
+          <a:p>
+            <a:endParaRPr/>
           </a:p>
         </p:txBody>
       </p:sp>
     </p:spTree>
   </p:cSld>
+  <p:clrMapOvr>
+    <a:masterClrMapping/>
+  </p:clrMapOvr>
 </p:sldLayout>
 </file>
 
 <file path=ppt/slideLayouts/slideLayout5.xml><?xml version="1.0" encoding="utf-8"?>
-<p:sldLayout xmlns:a="http://schemas.openxmlformats.org/drawingml/2006/main" xmlns:p="http://schemas.openxmlformats.org/presentationml/2006/main" xmlns:r="http://schemas.openxmlformats.org/officeDocument/2006/relationships" xmlns:p14="http://schemas.microsoft.com/office/powerpoint/2010/main" xmlns:p15="http://schemas.microsoft.com/office/powerpoint/2012/main" xmlns:mc="http://schemas.openxmlformats.org/markup-compatibility/2006" type="titleOnly" preserve="1">
+<p:sldLayout xmlns:a="http://schemas.openxmlformats.org/drawingml/2006/main" xmlns:r="http://schemas.openxmlformats.org/officeDocument/2006/relationships" xmlns:p="http://schemas.openxmlformats.org/presentationml/2006/main" type="titleOnly" preserve="1">
   <p:cSld name="Title Only">
     <p:spTree>
       <p:nvGrpSpPr>
@@ -6675,11 +6988,12 @@
           </a:ln>
         </p:spPr>
         <p:txBody>
-          <a:bodyPr lIns="0" rIns="0" tIns="0" bIns="0" anchor="ctr">
+          <a:bodyPr lIns="0" tIns="0" rIns="0" bIns="0" anchor="ctr">
             <a:noAutofit/>
           </a:bodyPr>
-          <a:p>
-            <a:endParaRPr b="0" lang="en-US" sz="1800" spc="-1" strike="noStrike">
+          <a:lstStyle/>
+          <a:p>
+            <a:endParaRPr lang="en-US" sz="1800" b="0" strike="noStrike" spc="-1">
               <a:solidFill>
                 <a:srgbClr val="000000"/>
               </a:solidFill>
@@ -6701,6 +7015,7 @@
         <p:spPr/>
         <p:txBody>
           <a:bodyPr/>
+          <a:lstStyle/>
           <a:p>
             <a:r>
               <a:t>Footer</a:t>
@@ -6721,10 +7036,12 @@
         <p:spPr/>
         <p:txBody>
           <a:bodyPr/>
+          <a:lstStyle/>
           <a:p>
             <a:fld id="{64CF5D09-3377-452D-99F0-F7917563A40E}" type="slidenum">
-              <a:t>&lt;#&gt;</a:t>
+              <a:t>‹#›</a:t>
             </a:fld>
+            <a:endParaRPr/>
           </a:p>
         </p:txBody>
       </p:sp>
@@ -6741,21 +7058,22 @@
         <p:spPr/>
         <p:txBody>
           <a:bodyPr/>
-          <a:p>
-            <a:r>
-              <a:rPr lang="en-US"/>
-              <a:t/>
-            </a:r>
+          <a:lstStyle/>
+          <a:p>
+            <a:endParaRPr/>
           </a:p>
         </p:txBody>
       </p:sp>
     </p:spTree>
   </p:cSld>
+  <p:clrMapOvr>
+    <a:masterClrMapping/>
+  </p:clrMapOvr>
 </p:sldLayout>
 </file>
 
 <file path=ppt/slideLayouts/slideLayout6.xml><?xml version="1.0" encoding="utf-8"?>
-<p:sldLayout xmlns:a="http://schemas.openxmlformats.org/drawingml/2006/main" xmlns:p="http://schemas.openxmlformats.org/presentationml/2006/main" xmlns:r="http://schemas.openxmlformats.org/officeDocument/2006/relationships" xmlns:p14="http://schemas.microsoft.com/office/powerpoint/2010/main" xmlns:p15="http://schemas.microsoft.com/office/powerpoint/2012/main" xmlns:mc="http://schemas.openxmlformats.org/markup-compatibility/2006" type="objOnly" preserve="1">
+<p:sldLayout xmlns:a="http://schemas.openxmlformats.org/drawingml/2006/main" xmlns:r="http://schemas.openxmlformats.org/officeDocument/2006/relationships" xmlns:p="http://schemas.openxmlformats.org/presentationml/2006/main" type="objOnly" preserve="1">
   <p:cSld name="Centered Text">
     <p:spTree>
       <p:nvGrpSpPr>
@@ -6795,14 +7113,15 @@
           </a:ln>
         </p:spPr>
         <p:txBody>
-          <a:bodyPr lIns="0" rIns="0" tIns="0" bIns="0" anchor="ctr">
+          <a:bodyPr lIns="0" tIns="0" rIns="0" bIns="0" anchor="ctr">
             <a:noAutofit/>
           </a:bodyPr>
+          <a:lstStyle/>
           <a:p>
             <a:pPr algn="ctr">
               <a:buNone/>
             </a:pPr>
-            <a:endParaRPr b="0" lang="en-US" sz="3200" spc="-1" strike="noStrike">
+            <a:endParaRPr lang="en-US" sz="3200" b="0" strike="noStrike" spc="-1">
               <a:latin typeface="Arial"/>
             </a:endParaRPr>
           </a:p>
@@ -6821,6 +7140,7 @@
         <p:spPr/>
         <p:txBody>
           <a:bodyPr/>
+          <a:lstStyle/>
           <a:p>
             <a:r>
               <a:t>Footer</a:t>
@@ -6841,10 +7161,12 @@
         <p:spPr/>
         <p:txBody>
           <a:bodyPr/>
+          <a:lstStyle/>
           <a:p>
             <a:fld id="{AF4BA828-20B5-4945-B847-8FBADCFFED29}" type="slidenum">
-              <a:t>&lt;#&gt;</a:t>
+              <a:t>‹#›</a:t>
             </a:fld>
+            <a:endParaRPr/>
           </a:p>
         </p:txBody>
       </p:sp>
@@ -6861,21 +7183,22 @@
         <p:spPr/>
         <p:txBody>
           <a:bodyPr/>
-          <a:p>
-            <a:r>
-              <a:rPr lang="en-US"/>
-              <a:t/>
-            </a:r>
+          <a:lstStyle/>
+          <a:p>
+            <a:endParaRPr/>
           </a:p>
         </p:txBody>
       </p:sp>
     </p:spTree>
   </p:cSld>
+  <p:clrMapOvr>
+    <a:masterClrMapping/>
+  </p:clrMapOvr>
 </p:sldLayout>
 </file>
 
 <file path=ppt/slideLayouts/slideLayout7.xml><?xml version="1.0" encoding="utf-8"?>
-<p:sldLayout xmlns:a="http://schemas.openxmlformats.org/drawingml/2006/main" xmlns:p="http://schemas.openxmlformats.org/presentationml/2006/main" xmlns:r="http://schemas.openxmlformats.org/officeDocument/2006/relationships" xmlns:p14="http://schemas.microsoft.com/office/powerpoint/2010/main" xmlns:p15="http://schemas.microsoft.com/office/powerpoint/2012/main" xmlns:mc="http://schemas.openxmlformats.org/markup-compatibility/2006" type="twoObjAndObj" preserve="1">
+<p:sldLayout xmlns:a="http://schemas.openxmlformats.org/drawingml/2006/main" xmlns:r="http://schemas.openxmlformats.org/officeDocument/2006/relationships" xmlns:p="http://schemas.openxmlformats.org/presentationml/2006/main" type="twoObjAndObj" preserve="1">
   <p:cSld name="Title, 2 Content and Content">
     <p:spTree>
       <p:nvGrpSpPr>
@@ -6915,11 +7238,12 @@
           </a:ln>
         </p:spPr>
         <p:txBody>
-          <a:bodyPr lIns="0" rIns="0" tIns="0" bIns="0" anchor="ctr">
+          <a:bodyPr lIns="0" tIns="0" rIns="0" bIns="0" anchor="ctr">
             <a:noAutofit/>
           </a:bodyPr>
-          <a:p>
-            <a:endParaRPr b="0" lang="en-US" sz="1800" spc="-1" strike="noStrike">
+          <a:lstStyle/>
+          <a:p>
+            <a:endParaRPr lang="en-US" sz="1800" b="0" strike="noStrike" spc="-1">
               <a:solidFill>
                 <a:srgbClr val="000000"/>
               </a:solidFill>
@@ -6952,9 +7276,10 @@
           </a:ln>
         </p:spPr>
         <p:txBody>
-          <a:bodyPr lIns="0" rIns="0" tIns="0" bIns="0" anchor="t">
+          <a:bodyPr lIns="0" tIns="0" rIns="0" bIns="0" anchor="t">
             <a:normAutofit/>
           </a:bodyPr>
+          <a:lstStyle/>
           <a:p>
             <a:pPr>
               <a:lnSpc>
@@ -6965,7 +7290,7 @@
               </a:spcBef>
               <a:buNone/>
             </a:pPr>
-            <a:endParaRPr b="0" lang="en-US" sz="2100" spc="-1" strike="noStrike">
+            <a:endParaRPr lang="en-US" sz="2100" b="0" strike="noStrike" spc="-1">
               <a:solidFill>
                 <a:srgbClr val="000000"/>
               </a:solidFill>
@@ -6998,9 +7323,10 @@
           </a:ln>
         </p:spPr>
         <p:txBody>
-          <a:bodyPr lIns="0" rIns="0" tIns="0" bIns="0" anchor="t">
+          <a:bodyPr lIns="0" tIns="0" rIns="0" bIns="0" anchor="t">
             <a:normAutofit/>
           </a:bodyPr>
+          <a:lstStyle/>
           <a:p>
             <a:pPr>
               <a:lnSpc>
@@ -7011,7 +7337,7 @@
               </a:spcBef>
               <a:buNone/>
             </a:pPr>
-            <a:endParaRPr b="0" lang="en-US" sz="2100" spc="-1" strike="noStrike">
+            <a:endParaRPr lang="en-US" sz="2100" b="0" strike="noStrike" spc="-1">
               <a:solidFill>
                 <a:srgbClr val="000000"/>
               </a:solidFill>
@@ -7044,9 +7370,10 @@
           </a:ln>
         </p:spPr>
         <p:txBody>
-          <a:bodyPr lIns="0" rIns="0" tIns="0" bIns="0" anchor="t">
+          <a:bodyPr lIns="0" tIns="0" rIns="0" bIns="0" anchor="t">
             <a:normAutofit/>
           </a:bodyPr>
+          <a:lstStyle/>
           <a:p>
             <a:pPr>
               <a:lnSpc>
@@ -7057,7 +7384,7 @@
               </a:spcBef>
               <a:buNone/>
             </a:pPr>
-            <a:endParaRPr b="0" lang="en-US" sz="2100" spc="-1" strike="noStrike">
+            <a:endParaRPr lang="en-US" sz="2100" b="0" strike="noStrike" spc="-1">
               <a:solidFill>
                 <a:srgbClr val="000000"/>
               </a:solidFill>
@@ -7079,6 +7406,7 @@
         <p:spPr/>
         <p:txBody>
           <a:bodyPr/>
+          <a:lstStyle/>
           <a:p>
             <a:r>
               <a:t>Footer</a:t>
@@ -7099,10 +7427,12 @@
         <p:spPr/>
         <p:txBody>
           <a:bodyPr/>
+          <a:lstStyle/>
           <a:p>
             <a:fld id="{41417CC9-43B9-4AF3-BDDB-49F6B9446BAD}" type="slidenum">
-              <a:t>&lt;#&gt;</a:t>
+              <a:t>‹#›</a:t>
             </a:fld>
+            <a:endParaRPr/>
           </a:p>
         </p:txBody>
       </p:sp>
@@ -7119,21 +7449,22 @@
         <p:spPr/>
         <p:txBody>
           <a:bodyPr/>
-          <a:p>
-            <a:r>
-              <a:rPr lang="en-US"/>
-              <a:t/>
-            </a:r>
+          <a:lstStyle/>
+          <a:p>
+            <a:endParaRPr/>
           </a:p>
         </p:txBody>
       </p:sp>
     </p:spTree>
   </p:cSld>
+  <p:clrMapOvr>
+    <a:masterClrMapping/>
+  </p:clrMapOvr>
 </p:sldLayout>
 </file>
 
 <file path=ppt/slideLayouts/slideLayout8.xml><?xml version="1.0" encoding="utf-8"?>
-<p:sldLayout xmlns:a="http://schemas.openxmlformats.org/drawingml/2006/main" xmlns:p="http://schemas.openxmlformats.org/presentationml/2006/main" xmlns:r="http://schemas.openxmlformats.org/officeDocument/2006/relationships" xmlns:p14="http://schemas.microsoft.com/office/powerpoint/2010/main" xmlns:p15="http://schemas.microsoft.com/office/powerpoint/2012/main" xmlns:mc="http://schemas.openxmlformats.org/markup-compatibility/2006" type="objAndTwoObj" preserve="1">
+<p:sldLayout xmlns:a="http://schemas.openxmlformats.org/drawingml/2006/main" xmlns:r="http://schemas.openxmlformats.org/officeDocument/2006/relationships" xmlns:p="http://schemas.openxmlformats.org/presentationml/2006/main" type="objAndTwoObj" preserve="1">
   <p:cSld name="Title Content and 2 Content">
     <p:spTree>
       <p:nvGrpSpPr>
@@ -7173,11 +7504,12 @@
           </a:ln>
         </p:spPr>
         <p:txBody>
-          <a:bodyPr lIns="0" rIns="0" tIns="0" bIns="0" anchor="ctr">
+          <a:bodyPr lIns="0" tIns="0" rIns="0" bIns="0" anchor="ctr">
             <a:noAutofit/>
           </a:bodyPr>
-          <a:p>
-            <a:endParaRPr b="0" lang="en-US" sz="1800" spc="-1" strike="noStrike">
+          <a:lstStyle/>
+          <a:p>
+            <a:endParaRPr lang="en-US" sz="1800" b="0" strike="noStrike" spc="-1">
               <a:solidFill>
                 <a:srgbClr val="000000"/>
               </a:solidFill>
@@ -7210,9 +7542,10 @@
           </a:ln>
         </p:spPr>
         <p:txBody>
-          <a:bodyPr lIns="0" rIns="0" tIns="0" bIns="0" anchor="t">
+          <a:bodyPr lIns="0" tIns="0" rIns="0" bIns="0" anchor="t">
             <a:normAutofit/>
           </a:bodyPr>
+          <a:lstStyle/>
           <a:p>
             <a:pPr>
               <a:lnSpc>
@@ -7223,7 +7556,7 @@
               </a:spcBef>
               <a:buNone/>
             </a:pPr>
-            <a:endParaRPr b="0" lang="en-US" sz="2100" spc="-1" strike="noStrike">
+            <a:endParaRPr lang="en-US" sz="2100" b="0" strike="noStrike" spc="-1">
               <a:solidFill>
                 <a:srgbClr val="000000"/>
               </a:solidFill>
@@ -7256,9 +7589,10 @@
           </a:ln>
         </p:spPr>
         <p:txBody>
-          <a:bodyPr lIns="0" rIns="0" tIns="0" bIns="0" anchor="t">
+          <a:bodyPr lIns="0" tIns="0" rIns="0" bIns="0" anchor="t">
             <a:normAutofit/>
           </a:bodyPr>
+          <a:lstStyle/>
           <a:p>
             <a:pPr>
               <a:lnSpc>
@@ -7269,7 +7603,7 @@
               </a:spcBef>
               <a:buNone/>
             </a:pPr>
-            <a:endParaRPr b="0" lang="en-US" sz="2100" spc="-1" strike="noStrike">
+            <a:endParaRPr lang="en-US" sz="2100" b="0" strike="noStrike" spc="-1">
               <a:solidFill>
                 <a:srgbClr val="000000"/>
               </a:solidFill>
@@ -7302,9 +7636,10 @@
           </a:ln>
         </p:spPr>
         <p:txBody>
-          <a:bodyPr lIns="0" rIns="0" tIns="0" bIns="0" anchor="t">
+          <a:bodyPr lIns="0" tIns="0" rIns="0" bIns="0" anchor="t">
             <a:normAutofit/>
           </a:bodyPr>
+          <a:lstStyle/>
           <a:p>
             <a:pPr>
               <a:lnSpc>
@@ -7315,7 +7650,7 @@
               </a:spcBef>
               <a:buNone/>
             </a:pPr>
-            <a:endParaRPr b="0" lang="en-US" sz="2100" spc="-1" strike="noStrike">
+            <a:endParaRPr lang="en-US" sz="2100" b="0" strike="noStrike" spc="-1">
               <a:solidFill>
                 <a:srgbClr val="000000"/>
               </a:solidFill>
@@ -7337,6 +7672,7 @@
         <p:spPr/>
         <p:txBody>
           <a:bodyPr/>
+          <a:lstStyle/>
           <a:p>
             <a:r>
               <a:t>Footer</a:t>
@@ -7357,10 +7693,12 @@
         <p:spPr/>
         <p:txBody>
           <a:bodyPr/>
+          <a:lstStyle/>
           <a:p>
             <a:fld id="{3B8333AF-468A-4447-8BC7-51EE5C51D3E1}" type="slidenum">
-              <a:t>&lt;#&gt;</a:t>
+              <a:t>‹#›</a:t>
             </a:fld>
+            <a:endParaRPr/>
           </a:p>
         </p:txBody>
       </p:sp>
@@ -7377,21 +7715,22 @@
         <p:spPr/>
         <p:txBody>
           <a:bodyPr/>
-          <a:p>
-            <a:r>
-              <a:rPr lang="en-US"/>
-              <a:t/>
-            </a:r>
+          <a:lstStyle/>
+          <a:p>
+            <a:endParaRPr/>
           </a:p>
         </p:txBody>
       </p:sp>
     </p:spTree>
   </p:cSld>
+  <p:clrMapOvr>
+    <a:masterClrMapping/>
+  </p:clrMapOvr>
 </p:sldLayout>
 </file>
 
 <file path=ppt/slideLayouts/slideLayout9.xml><?xml version="1.0" encoding="utf-8"?>
-<p:sldLayout xmlns:a="http://schemas.openxmlformats.org/drawingml/2006/main" xmlns:p="http://schemas.openxmlformats.org/presentationml/2006/main" xmlns:r="http://schemas.openxmlformats.org/officeDocument/2006/relationships" xmlns:p14="http://schemas.microsoft.com/office/powerpoint/2010/main" xmlns:p15="http://schemas.microsoft.com/office/powerpoint/2012/main" xmlns:mc="http://schemas.openxmlformats.org/markup-compatibility/2006" type="twoObjOverTx" preserve="1">
+<p:sldLayout xmlns:a="http://schemas.openxmlformats.org/drawingml/2006/main" xmlns:r="http://schemas.openxmlformats.org/officeDocument/2006/relationships" xmlns:p="http://schemas.openxmlformats.org/presentationml/2006/main" type="twoObjOverTx" preserve="1">
   <p:cSld name="Title, 2 Content over Content">
     <p:spTree>
       <p:nvGrpSpPr>
@@ -7431,11 +7770,12 @@
           </a:ln>
         </p:spPr>
         <p:txBody>
-          <a:bodyPr lIns="0" rIns="0" tIns="0" bIns="0" anchor="ctr">
+          <a:bodyPr lIns="0" tIns="0" rIns="0" bIns="0" anchor="ctr">
             <a:noAutofit/>
           </a:bodyPr>
-          <a:p>
-            <a:endParaRPr b="0" lang="en-US" sz="1800" spc="-1" strike="noStrike">
+          <a:lstStyle/>
+          <a:p>
+            <a:endParaRPr lang="en-US" sz="1800" b="0" strike="noStrike" spc="-1">
               <a:solidFill>
                 <a:srgbClr val="000000"/>
               </a:solidFill>
@@ -7468,9 +7808,10 @@
           </a:ln>
         </p:spPr>
         <p:txBody>
-          <a:bodyPr lIns="0" rIns="0" tIns="0" bIns="0" anchor="t">
+          <a:bodyPr lIns="0" tIns="0" rIns="0" bIns="0" anchor="t">
             <a:normAutofit/>
           </a:bodyPr>
+          <a:lstStyle/>
           <a:p>
             <a:pPr>
               <a:lnSpc>
@@ -7481,7 +7822,7 @@
               </a:spcBef>
               <a:buNone/>
             </a:pPr>
-            <a:endParaRPr b="0" lang="en-US" sz="2100" spc="-1" strike="noStrike">
+            <a:endParaRPr lang="en-US" sz="2100" b="0" strike="noStrike" spc="-1">
               <a:solidFill>
                 <a:srgbClr val="000000"/>
               </a:solidFill>
@@ -7514,9 +7855,10 @@
           </a:ln>
         </p:spPr>
         <p:txBody>
-          <a:bodyPr lIns="0" rIns="0" tIns="0" bIns="0" anchor="t">
+          <a:bodyPr lIns="0" tIns="0" rIns="0" bIns="0" anchor="t">
             <a:normAutofit/>
           </a:bodyPr>
+          <a:lstStyle/>
           <a:p>
             <a:pPr>
               <a:lnSpc>
@@ -7527,7 +7869,7 @@
               </a:spcBef>
               <a:buNone/>
             </a:pPr>
-            <a:endParaRPr b="0" lang="en-US" sz="2100" spc="-1" strike="noStrike">
+            <a:endParaRPr lang="en-US" sz="2100" b="0" strike="noStrike" spc="-1">
               <a:solidFill>
                 <a:srgbClr val="000000"/>
               </a:solidFill>
@@ -7560,9 +7902,10 @@
           </a:ln>
         </p:spPr>
         <p:txBody>
-          <a:bodyPr lIns="0" rIns="0" tIns="0" bIns="0" anchor="t">
+          <a:bodyPr lIns="0" tIns="0" rIns="0" bIns="0" anchor="t">
             <a:normAutofit/>
           </a:bodyPr>
+          <a:lstStyle/>
           <a:p>
             <a:pPr>
               <a:lnSpc>
@@ -7573,7 +7916,7 @@
               </a:spcBef>
               <a:buNone/>
             </a:pPr>
-            <a:endParaRPr b="0" lang="en-US" sz="2100" spc="-1" strike="noStrike">
+            <a:endParaRPr lang="en-US" sz="2100" b="0" strike="noStrike" spc="-1">
               <a:solidFill>
                 <a:srgbClr val="000000"/>
               </a:solidFill>
@@ -7595,6 +7938,7 @@
         <p:spPr/>
         <p:txBody>
           <a:bodyPr/>
+          <a:lstStyle/>
           <a:p>
             <a:r>
               <a:t>Footer</a:t>
@@ -7615,10 +7959,12 @@
         <p:spPr/>
         <p:txBody>
           <a:bodyPr/>
+          <a:lstStyle/>
           <a:p>
             <a:fld id="{BDCC18F5-36F0-427F-9D29-EA527E65C879}" type="slidenum">
-              <a:t>&lt;#&gt;</a:t>
+              <a:t>‹#›</a:t>
             </a:fld>
+            <a:endParaRPr/>
           </a:p>
         </p:txBody>
       </p:sp>
@@ -7635,27 +7981,29 @@
         <p:spPr/>
         <p:txBody>
           <a:bodyPr/>
-          <a:p>
-            <a:r>
-              <a:rPr lang="en-US"/>
-              <a:t/>
-            </a:r>
+          <a:lstStyle/>
+          <a:p>
+            <a:endParaRPr/>
           </a:p>
         </p:txBody>
       </p:sp>
     </p:spTree>
   </p:cSld>
+  <p:clrMapOvr>
+    <a:masterClrMapping/>
+  </p:clrMapOvr>
 </p:sldLayout>
 </file>
 
 <file path=ppt/slideMasters/slideMaster1.xml><?xml version="1.0" encoding="utf-8"?>
-<p:sldMaster xmlns:a="http://schemas.openxmlformats.org/drawingml/2006/main" xmlns:p="http://schemas.openxmlformats.org/presentationml/2006/main" xmlns:r="http://schemas.openxmlformats.org/officeDocument/2006/relationships" xmlns:p14="http://schemas.microsoft.com/office/powerpoint/2010/main" xmlns:p15="http://schemas.microsoft.com/office/powerpoint/2012/main" xmlns:mc="http://schemas.openxmlformats.org/markup-compatibility/2006">
+<p:sldMaster xmlns:a="http://schemas.openxmlformats.org/drawingml/2006/main" xmlns:r="http://schemas.openxmlformats.org/officeDocument/2006/relationships" xmlns:p="http://schemas.openxmlformats.org/presentationml/2006/main">
   <p:cSld>
     <p:bg>
       <p:bgPr>
         <a:solidFill>
-          <a:srgbClr val="ffffff"/>
+          <a:srgbClr val="FFFFFF"/>
         </a:solidFill>
+        <a:effectLst/>
       </p:bgPr>
     </p:bg>
     <p:spTree>
@@ -7674,7 +8022,7 @@
       </p:grpSpPr>
       <p:sp>
         <p:nvSpPr>
-          <p:cNvPr id="0" name="PlaceHolder 1"/>
+          <p:cNvPr id="6" name="PlaceHolder 1"/>
           <p:cNvSpPr>
             <a:spLocks noGrp="1"/>
           </p:cNvSpPr>
@@ -7699,6 +8047,7 @@
           <a:bodyPr anchor="b">
             <a:noAutofit/>
           </a:bodyPr>
+          <a:lstStyle/>
           <a:p>
             <a:pPr>
               <a:lnSpc>
@@ -7707,7 +8056,7 @@
               <a:buNone/>
             </a:pPr>
             <a:r>
-              <a:rPr b="0" lang="en-US" sz="2400" spc="-1" strike="noStrike">
+              <a:rPr lang="en-US" sz="2400" b="0" strike="noStrike" spc="-1">
                 <a:solidFill>
                   <a:srgbClr val="000000"/>
                 </a:solidFill>
@@ -7715,7 +8064,7 @@
               </a:rPr>
               <a:t>Click to edit Master title style</a:t>
             </a:r>
-            <a:endParaRPr b="0" lang="en-US" sz="2400" spc="-1" strike="noStrike">
+            <a:endParaRPr lang="en-US" sz="2400" b="0" strike="noStrike" spc="-1">
               <a:solidFill>
                 <a:srgbClr val="000000"/>
               </a:solidFill>
@@ -7726,7 +8075,7 @@
       </p:sp>
       <p:sp>
         <p:nvSpPr>
-          <p:cNvPr id="1" name="PlaceHolder 2"/>
+          <p:cNvPr id="7" name="PlaceHolder 2"/>
           <p:cNvSpPr>
             <a:spLocks noGrp="1"/>
           </p:cNvSpPr>
@@ -7751,6 +8100,7 @@
           <a:bodyPr anchor="t">
             <a:noAutofit/>
           </a:bodyPr>
+          <a:lstStyle/>
           <a:p>
             <a:pPr marL="171360" indent="-171360">
               <a:lnSpc>
@@ -7766,7 +8116,7 @@
               <a:buChar char="•"/>
             </a:pPr>
             <a:r>
-              <a:rPr b="0" lang="en-US" sz="2400" spc="-1" strike="noStrike">
+              <a:rPr lang="en-US" sz="2400" b="0" strike="noStrike" spc="-1">
                 <a:solidFill>
                   <a:srgbClr val="000000"/>
                 </a:solidFill>
@@ -7774,15 +8124,9 @@
               </a:rPr>
               <a:t>Click to edit Master text styles</a:t>
             </a:r>
-            <a:endParaRPr b="0" lang="en-US" sz="2400" spc="-1" strike="noStrike">
-              <a:solidFill>
-                <a:srgbClr val="000000"/>
-              </a:solidFill>
-              <a:latin typeface="Calibri"/>
-            </a:endParaRPr>
-          </a:p>
-          <a:p>
-            <a:pPr lvl="1" marL="514440" indent="-171360">
+          </a:p>
+          <a:p>
+            <a:pPr marL="514440" lvl="1" indent="-171360">
               <a:lnSpc>
                 <a:spcPct val="90000"/>
               </a:lnSpc>
@@ -7796,7 +8140,7 @@
               <a:buChar char="•"/>
             </a:pPr>
             <a:r>
-              <a:rPr b="0" lang="en-US" sz="2100" spc="-1" strike="noStrike">
+              <a:rPr lang="en-US" sz="2100" b="0" strike="noStrike" spc="-1">
                 <a:solidFill>
                   <a:srgbClr val="000000"/>
                 </a:solidFill>
@@ -7804,15 +8148,9 @@
               </a:rPr>
               <a:t>Second level</a:t>
             </a:r>
-            <a:endParaRPr b="0" lang="en-US" sz="2100" spc="-1" strike="noStrike">
-              <a:solidFill>
-                <a:srgbClr val="000000"/>
-              </a:solidFill>
-              <a:latin typeface="Calibri"/>
-            </a:endParaRPr>
-          </a:p>
-          <a:p>
-            <a:pPr lvl="2" marL="857160" indent="-171360">
+          </a:p>
+          <a:p>
+            <a:pPr marL="857160" lvl="2" indent="-171360">
               <a:lnSpc>
                 <a:spcPct val="90000"/>
               </a:lnSpc>
@@ -7826,7 +8164,7 @@
               <a:buChar char="•"/>
             </a:pPr>
             <a:r>
-              <a:rPr b="0" lang="en-US" sz="1800" spc="-1" strike="noStrike">
+              <a:rPr lang="en-US" sz="1800" b="0" strike="noStrike" spc="-1">
                 <a:solidFill>
                   <a:srgbClr val="000000"/>
                 </a:solidFill>
@@ -7834,15 +8172,9 @@
               </a:rPr>
               <a:t>Third level</a:t>
             </a:r>
-            <a:endParaRPr b="0" lang="en-US" sz="1800" spc="-1" strike="noStrike">
-              <a:solidFill>
-                <a:srgbClr val="000000"/>
-              </a:solidFill>
-              <a:latin typeface="Calibri"/>
-            </a:endParaRPr>
-          </a:p>
-          <a:p>
-            <a:pPr lvl="3" marL="1200240" indent="-171360">
+          </a:p>
+          <a:p>
+            <a:pPr marL="1200240" lvl="3" indent="-171360">
               <a:lnSpc>
                 <a:spcPct val="90000"/>
               </a:lnSpc>
@@ -7856,7 +8188,7 @@
               <a:buChar char="•"/>
             </a:pPr>
             <a:r>
-              <a:rPr b="0" lang="en-US" sz="1500" spc="-1" strike="noStrike">
+              <a:rPr lang="en-US" sz="1500" b="0" strike="noStrike" spc="-1">
                 <a:solidFill>
                   <a:srgbClr val="000000"/>
                 </a:solidFill>
@@ -7864,15 +8196,9 @@
               </a:rPr>
               <a:t>Fourth level</a:t>
             </a:r>
-            <a:endParaRPr b="0" lang="en-US" sz="1500" spc="-1" strike="noStrike">
-              <a:solidFill>
-                <a:srgbClr val="000000"/>
-              </a:solidFill>
-              <a:latin typeface="Calibri"/>
-            </a:endParaRPr>
-          </a:p>
-          <a:p>
-            <a:pPr lvl="4" marL="1542960" indent="-171360">
+          </a:p>
+          <a:p>
+            <a:pPr marL="1542960" lvl="4" indent="-171360">
               <a:lnSpc>
                 <a:spcPct val="90000"/>
               </a:lnSpc>
@@ -7886,7 +8212,7 @@
               <a:buChar char="•"/>
             </a:pPr>
             <a:r>
-              <a:rPr b="0" lang="en-US" sz="1500" spc="-1" strike="noStrike">
+              <a:rPr lang="en-US" sz="1500" b="0" strike="noStrike" spc="-1">
                 <a:solidFill>
                   <a:srgbClr val="000000"/>
                 </a:solidFill>
@@ -7894,12 +8220,6 @@
               </a:rPr>
               <a:t>Fifth level</a:t>
             </a:r>
-            <a:endParaRPr b="0" lang="en-US" sz="1500" spc="-1" strike="noStrike">
-              <a:solidFill>
-                <a:srgbClr val="000000"/>
-              </a:solidFill>
-              <a:latin typeface="Calibri"/>
-            </a:endParaRPr>
           </a:p>
         </p:txBody>
       </p:sp>
@@ -7930,6 +8250,7 @@
           <a:bodyPr anchor="t">
             <a:noAutofit/>
           </a:bodyPr>
+          <a:lstStyle/>
           <a:p>
             <a:pPr>
               <a:lnSpc>
@@ -7940,11 +8261,11 @@
               </a:spcBef>
               <a:buNone/>
               <a:tabLst>
-                <a:tab algn="l" pos="0"/>
+                <a:tab pos="0" algn="l"/>
               </a:tabLst>
             </a:pPr>
             <a:r>
-              <a:rPr b="0" lang="en-US" sz="1200" spc="-1" strike="noStrike">
+              <a:rPr lang="en-US" sz="1200" b="0" strike="noStrike" spc="-1">
                 <a:solidFill>
                   <a:srgbClr val="000000"/>
                 </a:solidFill>
@@ -7952,12 +8273,6 @@
               </a:rPr>
               <a:t>Click to edit Master text styles</a:t>
             </a:r>
-            <a:endParaRPr b="0" lang="en-US" sz="1200" spc="-1" strike="noStrike">
-              <a:solidFill>
-                <a:srgbClr val="000000"/>
-              </a:solidFill>
-              <a:latin typeface="Calibri"/>
-            </a:endParaRPr>
           </a:p>
         </p:txBody>
       </p:sp>
@@ -7994,9 +8309,9 @@
                 <a:spcPct val="100000"/>
               </a:lnSpc>
               <a:buNone/>
-              <a:defRPr b="0" lang="en-US" sz="900" spc="-1" strike="noStrike">
-                <a:solidFill>
-                  <a:srgbClr val="8b8b8b"/>
+              <a:defRPr lang="en-US" sz="900" b="0" strike="noStrike" spc="-1">
+                <a:solidFill>
+                  <a:srgbClr val="8B8B8B"/>
                 </a:solidFill>
                 <a:latin typeface="Calibri"/>
               </a:defRPr>
@@ -8010,15 +8325,15 @@
               <a:buNone/>
             </a:pPr>
             <a:r>
-              <a:rPr b="0" lang="en-US" sz="900" spc="-1" strike="noStrike">
-                <a:solidFill>
-                  <a:srgbClr val="8b8b8b"/>
+              <a:rPr lang="en-US" sz="900" b="0" strike="noStrike" spc="-1">
+                <a:solidFill>
+                  <a:srgbClr val="8B8B8B"/>
                 </a:solidFill>
                 <a:latin typeface="Calibri"/>
               </a:rPr>
               <a:t>&lt;date/time&gt;</a:t>
             </a:r>
-            <a:endParaRPr b="0" lang="en-US" sz="900" spc="-1" strike="noStrike">
+            <a:endParaRPr lang="en-US" sz="900" b="0" strike="noStrike" spc="-1">
               <a:latin typeface="Times New Roman"/>
             </a:endParaRPr>
           </a:p>
@@ -8057,9 +8372,9 @@
                 <a:spcPct val="100000"/>
               </a:lnSpc>
               <a:buNone/>
-              <a:defRPr b="0" lang="en-US" sz="900" spc="-1" strike="noStrike">
-                <a:solidFill>
-                  <a:srgbClr val="8b8b8b"/>
+              <a:defRPr lang="en-US" sz="900" b="0" strike="noStrike" spc="-1">
+                <a:solidFill>
+                  <a:srgbClr val="8B8B8B"/>
                 </a:solidFill>
                 <a:latin typeface="Calibri"/>
               </a:defRPr>
@@ -8073,15 +8388,15 @@
               <a:buNone/>
             </a:pPr>
             <a:r>
-              <a:rPr b="0" lang="en-US" sz="900" spc="-1" strike="noStrike">
-                <a:solidFill>
-                  <a:srgbClr val="8b8b8b"/>
+              <a:rPr lang="en-US" sz="900" b="0" strike="noStrike" spc="-1">
+                <a:solidFill>
+                  <a:srgbClr val="8B8B8B"/>
                 </a:solidFill>
                 <a:latin typeface="Calibri"/>
               </a:rPr>
               <a:t>&lt;footer&gt;</a:t>
             </a:r>
-            <a:endParaRPr b="0" lang="en-US" sz="900" spc="-1" strike="noStrike">
+            <a:endParaRPr lang="en-US" sz="900" b="0" strike="noStrike" spc="-1">
               <a:latin typeface="Times New Roman"/>
             </a:endParaRPr>
           </a:p>
@@ -8120,9 +8435,9 @@
                 <a:spcPct val="100000"/>
               </a:lnSpc>
               <a:buNone/>
-              <a:defRPr b="0" lang="en-US" sz="900" spc="-1" strike="noStrike">
-                <a:solidFill>
-                  <a:srgbClr val="8b8b8b"/>
+              <a:defRPr lang="en-US" sz="900" b="0" strike="noStrike" spc="-1">
+                <a:solidFill>
+                  <a:srgbClr val="8B8B8B"/>
                 </a:solidFill>
                 <a:latin typeface="Calibri"/>
               </a:defRPr>
@@ -8136,15 +8451,15 @@
               <a:buNone/>
             </a:pPr>
             <a:fld id="{C6878858-869F-4CEA-8857-0B27C4A10B3D}" type="slidenum">
-              <a:rPr b="0" lang="en-US" sz="900" spc="-1" strike="noStrike">
-                <a:solidFill>
-                  <a:srgbClr val="8b8b8b"/>
-                </a:solidFill>
-                <a:latin typeface="Calibri"/>
-              </a:rPr>
-              <a:t>&lt;number&gt;</a:t>
+              <a:rPr lang="en-US" sz="900" b="0" strike="noStrike" spc="-1">
+                <a:solidFill>
+                  <a:srgbClr val="8B8B8B"/>
+                </a:solidFill>
+                <a:latin typeface="Calibri"/>
+              </a:rPr>
+              <a:t>‹#›</a:t>
             </a:fld>
-            <a:endParaRPr b="0" lang="en-US" sz="900" spc="-1" strike="noStrike">
+            <a:endParaRPr lang="en-US" sz="900" b="0" strike="noStrike" spc="-1">
               <a:latin typeface="Times New Roman"/>
             </a:endParaRPr>
           </a:p>
@@ -8152,32 +8467,313 @@
       </p:sp>
     </p:spTree>
   </p:cSld>
-  <p:clrMap bg1="lt1" bg2="lt2" tx1="dk1" tx2="dk2" accent1="accent1" accent2="accent2" accent3="accent3" accent4="accent4" accent5="accent5" accent6="accent6" hlink="hlink" folHlink="folHlink"/>
+  <p:clrMap bg1="lt1" tx1="dk1" bg2="lt2" tx2="dk2" accent1="accent1" accent2="accent2" accent3="accent3" accent4="accent4" accent5="accent5" accent6="accent6" hlink="hlink" folHlink="folHlink"/>
   <p:sldLayoutIdLst>
-    <p:sldLayoutId id="2147483649" r:id="rId2"/>
-    <p:sldLayoutId id="2147483650" r:id="rId3"/>
-    <p:sldLayoutId id="2147483651" r:id="rId4"/>
-    <p:sldLayoutId id="2147483652" r:id="rId5"/>
-    <p:sldLayoutId id="2147483653" r:id="rId6"/>
-    <p:sldLayoutId id="2147483654" r:id="rId7"/>
-    <p:sldLayoutId id="2147483655" r:id="rId8"/>
-    <p:sldLayoutId id="2147483656" r:id="rId9"/>
-    <p:sldLayoutId id="2147483657" r:id="rId10"/>
-    <p:sldLayoutId id="2147483658" r:id="rId11"/>
-    <p:sldLayoutId id="2147483659" r:id="rId12"/>
-    <p:sldLayoutId id="2147483660" r:id="rId13"/>
+    <p:sldLayoutId id="2147483649" r:id="rId1"/>
+    <p:sldLayoutId id="2147483650" r:id="rId2"/>
+    <p:sldLayoutId id="2147483651" r:id="rId3"/>
+    <p:sldLayoutId id="2147483652" r:id="rId4"/>
+    <p:sldLayoutId id="2147483653" r:id="rId5"/>
+    <p:sldLayoutId id="2147483654" r:id="rId6"/>
+    <p:sldLayoutId id="2147483655" r:id="rId7"/>
+    <p:sldLayoutId id="2147483656" r:id="rId8"/>
+    <p:sldLayoutId id="2147483657" r:id="rId9"/>
+    <p:sldLayoutId id="2147483658" r:id="rId10"/>
+    <p:sldLayoutId id="2147483659" r:id="rId11"/>
+    <p:sldLayoutId id="2147483660" r:id="rId12"/>
   </p:sldLayoutIdLst>
+  <p:txStyles>
+    <p:titleStyle>
+      <a:lvl1pPr algn="l" defTabSz="914400" rtl="0" eaLnBrk="1" latinLnBrk="0" hangingPunct="1">
+        <a:lnSpc>
+          <a:spcPct val="90000"/>
+        </a:lnSpc>
+        <a:spcBef>
+          <a:spcPct val="0"/>
+        </a:spcBef>
+        <a:buNone/>
+        <a:defRPr sz="4400" kern="1200">
+          <a:solidFill>
+            <a:schemeClr val="tx1"/>
+          </a:solidFill>
+          <a:latin typeface="+mj-lt"/>
+          <a:ea typeface="+mj-ea"/>
+          <a:cs typeface="+mj-cs"/>
+        </a:defRPr>
+      </a:lvl1pPr>
+    </p:titleStyle>
+    <p:bodyStyle>
+      <a:lvl1pPr marL="228600" indent="-228600" algn="l" defTabSz="914400" rtl="0" eaLnBrk="1" latinLnBrk="0" hangingPunct="1">
+        <a:lnSpc>
+          <a:spcPct val="90000"/>
+        </a:lnSpc>
+        <a:spcBef>
+          <a:spcPts val="1000"/>
+        </a:spcBef>
+        <a:buFont typeface="Arial" panose="020B0604020202020204" pitchFamily="34" charset="0"/>
+        <a:buChar char="•"/>
+        <a:defRPr sz="2800" kern="1200">
+          <a:solidFill>
+            <a:schemeClr val="tx1"/>
+          </a:solidFill>
+          <a:latin typeface="+mn-lt"/>
+          <a:ea typeface="+mn-ea"/>
+          <a:cs typeface="+mn-cs"/>
+        </a:defRPr>
+      </a:lvl1pPr>
+      <a:lvl2pPr marL="685800" indent="-228600" algn="l" defTabSz="914400" rtl="0" eaLnBrk="1" latinLnBrk="0" hangingPunct="1">
+        <a:lnSpc>
+          <a:spcPct val="90000"/>
+        </a:lnSpc>
+        <a:spcBef>
+          <a:spcPts val="500"/>
+        </a:spcBef>
+        <a:buFont typeface="Arial" panose="020B0604020202020204" pitchFamily="34" charset="0"/>
+        <a:buChar char="•"/>
+        <a:defRPr sz="2400" kern="1200">
+          <a:solidFill>
+            <a:schemeClr val="tx1"/>
+          </a:solidFill>
+          <a:latin typeface="+mn-lt"/>
+          <a:ea typeface="+mn-ea"/>
+          <a:cs typeface="+mn-cs"/>
+        </a:defRPr>
+      </a:lvl2pPr>
+      <a:lvl3pPr marL="1143000" indent="-228600" algn="l" defTabSz="914400" rtl="0" eaLnBrk="1" latinLnBrk="0" hangingPunct="1">
+        <a:lnSpc>
+          <a:spcPct val="90000"/>
+        </a:lnSpc>
+        <a:spcBef>
+          <a:spcPts val="500"/>
+        </a:spcBef>
+        <a:buFont typeface="Arial" panose="020B0604020202020204" pitchFamily="34" charset="0"/>
+        <a:buChar char="•"/>
+        <a:defRPr sz="2000" kern="1200">
+          <a:solidFill>
+            <a:schemeClr val="tx1"/>
+          </a:solidFill>
+          <a:latin typeface="+mn-lt"/>
+          <a:ea typeface="+mn-ea"/>
+          <a:cs typeface="+mn-cs"/>
+        </a:defRPr>
+      </a:lvl3pPr>
+      <a:lvl4pPr marL="1600200" indent="-228600" algn="l" defTabSz="914400" rtl="0" eaLnBrk="1" latinLnBrk="0" hangingPunct="1">
+        <a:lnSpc>
+          <a:spcPct val="90000"/>
+        </a:lnSpc>
+        <a:spcBef>
+          <a:spcPts val="500"/>
+        </a:spcBef>
+        <a:buFont typeface="Arial" panose="020B0604020202020204" pitchFamily="34" charset="0"/>
+        <a:buChar char="•"/>
+        <a:defRPr sz="1800" kern="1200">
+          <a:solidFill>
+            <a:schemeClr val="tx1"/>
+          </a:solidFill>
+          <a:latin typeface="+mn-lt"/>
+          <a:ea typeface="+mn-ea"/>
+          <a:cs typeface="+mn-cs"/>
+        </a:defRPr>
+      </a:lvl4pPr>
+      <a:lvl5pPr marL="2057400" indent="-228600" algn="l" defTabSz="914400" rtl="0" eaLnBrk="1" latinLnBrk="0" hangingPunct="1">
+        <a:lnSpc>
+          <a:spcPct val="90000"/>
+        </a:lnSpc>
+        <a:spcBef>
+          <a:spcPts val="500"/>
+        </a:spcBef>
+        <a:buFont typeface="Arial" panose="020B0604020202020204" pitchFamily="34" charset="0"/>
+        <a:buChar char="•"/>
+        <a:defRPr sz="1800" kern="1200">
+          <a:solidFill>
+            <a:schemeClr val="tx1"/>
+          </a:solidFill>
+          <a:latin typeface="+mn-lt"/>
+          <a:ea typeface="+mn-ea"/>
+          <a:cs typeface="+mn-cs"/>
+        </a:defRPr>
+      </a:lvl5pPr>
+      <a:lvl6pPr marL="2514600" indent="-228600" algn="l" defTabSz="914400" rtl="0" eaLnBrk="1" latinLnBrk="0" hangingPunct="1">
+        <a:lnSpc>
+          <a:spcPct val="90000"/>
+        </a:lnSpc>
+        <a:spcBef>
+          <a:spcPts val="500"/>
+        </a:spcBef>
+        <a:buFont typeface="Arial" panose="020B0604020202020204" pitchFamily="34" charset="0"/>
+        <a:buChar char="•"/>
+        <a:defRPr sz="1800" kern="1200">
+          <a:solidFill>
+            <a:schemeClr val="tx1"/>
+          </a:solidFill>
+          <a:latin typeface="+mn-lt"/>
+          <a:ea typeface="+mn-ea"/>
+          <a:cs typeface="+mn-cs"/>
+        </a:defRPr>
+      </a:lvl6pPr>
+      <a:lvl7pPr marL="2971800" indent="-228600" algn="l" defTabSz="914400" rtl="0" eaLnBrk="1" latinLnBrk="0" hangingPunct="1">
+        <a:lnSpc>
+          <a:spcPct val="90000"/>
+        </a:lnSpc>
+        <a:spcBef>
+          <a:spcPts val="500"/>
+        </a:spcBef>
+        <a:buFont typeface="Arial" panose="020B0604020202020204" pitchFamily="34" charset="0"/>
+        <a:buChar char="•"/>
+        <a:defRPr sz="1800" kern="1200">
+          <a:solidFill>
+            <a:schemeClr val="tx1"/>
+          </a:solidFill>
+          <a:latin typeface="+mn-lt"/>
+          <a:ea typeface="+mn-ea"/>
+          <a:cs typeface="+mn-cs"/>
+        </a:defRPr>
+      </a:lvl7pPr>
+      <a:lvl8pPr marL="3429000" indent="-228600" algn="l" defTabSz="914400" rtl="0" eaLnBrk="1" latinLnBrk="0" hangingPunct="1">
+        <a:lnSpc>
+          <a:spcPct val="90000"/>
+        </a:lnSpc>
+        <a:spcBef>
+          <a:spcPts val="500"/>
+        </a:spcBef>
+        <a:buFont typeface="Arial" panose="020B0604020202020204" pitchFamily="34" charset="0"/>
+        <a:buChar char="•"/>
+        <a:defRPr sz="1800" kern="1200">
+          <a:solidFill>
+            <a:schemeClr val="tx1"/>
+          </a:solidFill>
+          <a:latin typeface="+mn-lt"/>
+          <a:ea typeface="+mn-ea"/>
+          <a:cs typeface="+mn-cs"/>
+        </a:defRPr>
+      </a:lvl8pPr>
+      <a:lvl9pPr marL="3886200" indent="-228600" algn="l" defTabSz="914400" rtl="0" eaLnBrk="1" latinLnBrk="0" hangingPunct="1">
+        <a:lnSpc>
+          <a:spcPct val="90000"/>
+        </a:lnSpc>
+        <a:spcBef>
+          <a:spcPts val="500"/>
+        </a:spcBef>
+        <a:buFont typeface="Arial" panose="020B0604020202020204" pitchFamily="34" charset="0"/>
+        <a:buChar char="•"/>
+        <a:defRPr sz="1800" kern="1200">
+          <a:solidFill>
+            <a:schemeClr val="tx1"/>
+          </a:solidFill>
+          <a:latin typeface="+mn-lt"/>
+          <a:ea typeface="+mn-ea"/>
+          <a:cs typeface="+mn-cs"/>
+        </a:defRPr>
+      </a:lvl9pPr>
+    </p:bodyStyle>
+    <p:otherStyle>
+      <a:defPPr>
+        <a:defRPr lang="sl-SI"/>
+      </a:defPPr>
+      <a:lvl1pPr marL="0" algn="l" defTabSz="914400" rtl="0" eaLnBrk="1" latinLnBrk="0" hangingPunct="1">
+        <a:defRPr sz="1800" kern="1200">
+          <a:solidFill>
+            <a:schemeClr val="tx1"/>
+          </a:solidFill>
+          <a:latin typeface="+mn-lt"/>
+          <a:ea typeface="+mn-ea"/>
+          <a:cs typeface="+mn-cs"/>
+        </a:defRPr>
+      </a:lvl1pPr>
+      <a:lvl2pPr marL="457200" algn="l" defTabSz="914400" rtl="0" eaLnBrk="1" latinLnBrk="0" hangingPunct="1">
+        <a:defRPr sz="1800" kern="1200">
+          <a:solidFill>
+            <a:schemeClr val="tx1"/>
+          </a:solidFill>
+          <a:latin typeface="+mn-lt"/>
+          <a:ea typeface="+mn-ea"/>
+          <a:cs typeface="+mn-cs"/>
+        </a:defRPr>
+      </a:lvl2pPr>
+      <a:lvl3pPr marL="914400" algn="l" defTabSz="914400" rtl="0" eaLnBrk="1" latinLnBrk="0" hangingPunct="1">
+        <a:defRPr sz="1800" kern="1200">
+          <a:solidFill>
+            <a:schemeClr val="tx1"/>
+          </a:solidFill>
+          <a:latin typeface="+mn-lt"/>
+          <a:ea typeface="+mn-ea"/>
+          <a:cs typeface="+mn-cs"/>
+        </a:defRPr>
+      </a:lvl3pPr>
+      <a:lvl4pPr marL="1371600" algn="l" defTabSz="914400" rtl="0" eaLnBrk="1" latinLnBrk="0" hangingPunct="1">
+        <a:defRPr sz="1800" kern="1200">
+          <a:solidFill>
+            <a:schemeClr val="tx1"/>
+          </a:solidFill>
+          <a:latin typeface="+mn-lt"/>
+          <a:ea typeface="+mn-ea"/>
+          <a:cs typeface="+mn-cs"/>
+        </a:defRPr>
+      </a:lvl4pPr>
+      <a:lvl5pPr marL="1828800" algn="l" defTabSz="914400" rtl="0" eaLnBrk="1" latinLnBrk="0" hangingPunct="1">
+        <a:defRPr sz="1800" kern="1200">
+          <a:solidFill>
+            <a:schemeClr val="tx1"/>
+          </a:solidFill>
+          <a:latin typeface="+mn-lt"/>
+          <a:ea typeface="+mn-ea"/>
+          <a:cs typeface="+mn-cs"/>
+        </a:defRPr>
+      </a:lvl5pPr>
+      <a:lvl6pPr marL="2286000" algn="l" defTabSz="914400" rtl="0" eaLnBrk="1" latinLnBrk="0" hangingPunct="1">
+        <a:defRPr sz="1800" kern="1200">
+          <a:solidFill>
+            <a:schemeClr val="tx1"/>
+          </a:solidFill>
+          <a:latin typeface="+mn-lt"/>
+          <a:ea typeface="+mn-ea"/>
+          <a:cs typeface="+mn-cs"/>
+        </a:defRPr>
+      </a:lvl6pPr>
+      <a:lvl7pPr marL="2743200" algn="l" defTabSz="914400" rtl="0" eaLnBrk="1" latinLnBrk="0" hangingPunct="1">
+        <a:defRPr sz="1800" kern="1200">
+          <a:solidFill>
+            <a:schemeClr val="tx1"/>
+          </a:solidFill>
+          <a:latin typeface="+mn-lt"/>
+          <a:ea typeface="+mn-ea"/>
+          <a:cs typeface="+mn-cs"/>
+        </a:defRPr>
+      </a:lvl7pPr>
+      <a:lvl8pPr marL="3200400" algn="l" defTabSz="914400" rtl="0" eaLnBrk="1" latinLnBrk="0" hangingPunct="1">
+        <a:defRPr sz="1800" kern="1200">
+          <a:solidFill>
+            <a:schemeClr val="tx1"/>
+          </a:solidFill>
+          <a:latin typeface="+mn-lt"/>
+          <a:ea typeface="+mn-ea"/>
+          <a:cs typeface="+mn-cs"/>
+        </a:defRPr>
+      </a:lvl8pPr>
+      <a:lvl9pPr marL="3657600" algn="l" defTabSz="914400" rtl="0" eaLnBrk="1" latinLnBrk="0" hangingPunct="1">
+        <a:defRPr sz="1800" kern="1200">
+          <a:solidFill>
+            <a:schemeClr val="tx1"/>
+          </a:solidFill>
+          <a:latin typeface="+mn-lt"/>
+          <a:ea typeface="+mn-ea"/>
+          <a:cs typeface="+mn-cs"/>
+        </a:defRPr>
+      </a:lvl9pPr>
+    </p:otherStyle>
+  </p:txStyles>
 </p:sldMaster>
 </file>
 
 <file path=ppt/slideMasters/slideMaster2.xml><?xml version="1.0" encoding="utf-8"?>
-<p:sldMaster xmlns:a="http://schemas.openxmlformats.org/drawingml/2006/main" xmlns:p="http://schemas.openxmlformats.org/presentationml/2006/main" xmlns:r="http://schemas.openxmlformats.org/officeDocument/2006/relationships" xmlns:p14="http://schemas.microsoft.com/office/powerpoint/2010/main" xmlns:p15="http://schemas.microsoft.com/office/powerpoint/2012/main" xmlns:mc="http://schemas.openxmlformats.org/markup-compatibility/2006">
+<p:sldMaster xmlns:a="http://schemas.openxmlformats.org/drawingml/2006/main" xmlns:r="http://schemas.openxmlformats.org/officeDocument/2006/relationships" xmlns:p="http://schemas.openxmlformats.org/presentationml/2006/main">
   <p:cSld>
     <p:bg>
       <p:bgPr>
         <a:solidFill>
-          <a:srgbClr val="ffffff"/>
+          <a:srgbClr val="FFFFFF"/>
         </a:solidFill>
+        <a:effectLst/>
       </p:bgPr>
     </p:bg>
     <p:spTree>
@@ -8221,6 +8817,7 @@
           <a:bodyPr anchor="ctr">
             <a:noAutofit/>
           </a:bodyPr>
+          <a:lstStyle/>
           <a:p>
             <a:pPr>
               <a:lnSpc>
@@ -8229,7 +8826,7 @@
               <a:buNone/>
             </a:pPr>
             <a:r>
-              <a:rPr b="0" lang="en-US" sz="3300" spc="-1" strike="noStrike">
+              <a:rPr lang="en-US" sz="3300" b="0" strike="noStrike" spc="-1">
                 <a:solidFill>
                   <a:srgbClr val="000000"/>
                 </a:solidFill>
@@ -8237,7 +8834,7 @@
               </a:rPr>
               <a:t>Click to edit Master title style</a:t>
             </a:r>
-            <a:endParaRPr b="0" lang="en-US" sz="3300" spc="-1" strike="noStrike">
+            <a:endParaRPr lang="en-US" sz="3300" b="0" strike="noStrike" spc="-1">
               <a:solidFill>
                 <a:srgbClr val="000000"/>
               </a:solidFill>
@@ -8273,6 +8870,7 @@
           <a:bodyPr anchor="t">
             <a:noAutofit/>
           </a:bodyPr>
+          <a:lstStyle/>
           <a:p>
             <a:pPr marL="171360" indent="-171360">
               <a:lnSpc>
@@ -8288,7 +8886,7 @@
               <a:buChar char="•"/>
             </a:pPr>
             <a:r>
-              <a:rPr b="0" lang="en-US" sz="2100" spc="-1" strike="noStrike">
+              <a:rPr lang="en-US" sz="2100" b="0" strike="noStrike" spc="-1">
                 <a:solidFill>
                   <a:srgbClr val="000000"/>
                 </a:solidFill>
@@ -8296,15 +8894,9 @@
               </a:rPr>
               <a:t>Click to edit Master text styles</a:t>
             </a:r>
-            <a:endParaRPr b="0" lang="en-US" sz="2100" spc="-1" strike="noStrike">
-              <a:solidFill>
-                <a:srgbClr val="000000"/>
-              </a:solidFill>
-              <a:latin typeface="Calibri"/>
-            </a:endParaRPr>
-          </a:p>
-          <a:p>
-            <a:pPr lvl="1" marL="514440" indent="-171360">
+          </a:p>
+          <a:p>
+            <a:pPr marL="514440" lvl="1" indent="-171360">
               <a:lnSpc>
                 <a:spcPct val="90000"/>
               </a:lnSpc>
@@ -8318,7 +8910,7 @@
               <a:buChar char="•"/>
             </a:pPr>
             <a:r>
-              <a:rPr b="0" lang="en-US" sz="1800" spc="-1" strike="noStrike">
+              <a:rPr lang="en-US" sz="1800" b="0" strike="noStrike" spc="-1">
                 <a:solidFill>
                   <a:srgbClr val="000000"/>
                 </a:solidFill>
@@ -8326,15 +8918,9 @@
               </a:rPr>
               <a:t>Second level</a:t>
             </a:r>
-            <a:endParaRPr b="0" lang="en-US" sz="1800" spc="-1" strike="noStrike">
-              <a:solidFill>
-                <a:srgbClr val="000000"/>
-              </a:solidFill>
-              <a:latin typeface="Calibri"/>
-            </a:endParaRPr>
-          </a:p>
-          <a:p>
-            <a:pPr lvl="2" marL="857160" indent="-171360">
+          </a:p>
+          <a:p>
+            <a:pPr marL="857160" lvl="2" indent="-171360">
               <a:lnSpc>
                 <a:spcPct val="90000"/>
               </a:lnSpc>
@@ -8348,7 +8934,7 @@
               <a:buChar char="•"/>
             </a:pPr>
             <a:r>
-              <a:rPr b="0" lang="en-US" sz="1500" spc="-1" strike="noStrike">
+              <a:rPr lang="en-US" sz="1500" b="0" strike="noStrike" spc="-1">
                 <a:solidFill>
                   <a:srgbClr val="000000"/>
                 </a:solidFill>
@@ -8356,15 +8942,9 @@
               </a:rPr>
               <a:t>Third level</a:t>
             </a:r>
-            <a:endParaRPr b="0" lang="en-US" sz="1500" spc="-1" strike="noStrike">
-              <a:solidFill>
-                <a:srgbClr val="000000"/>
-              </a:solidFill>
-              <a:latin typeface="Calibri"/>
-            </a:endParaRPr>
-          </a:p>
-          <a:p>
-            <a:pPr lvl="3" marL="1200240" indent="-171360">
+          </a:p>
+          <a:p>
+            <a:pPr marL="1200240" lvl="3" indent="-171360">
               <a:lnSpc>
                 <a:spcPct val="90000"/>
               </a:lnSpc>
@@ -8378,7 +8958,7 @@
               <a:buChar char="•"/>
             </a:pPr>
             <a:r>
-              <a:rPr b="0" lang="en-US" sz="1350" spc="-1" strike="noStrike">
+              <a:rPr lang="en-US" sz="1350" b="0" strike="noStrike" spc="-1">
                 <a:solidFill>
                   <a:srgbClr val="000000"/>
                 </a:solidFill>
@@ -8386,15 +8966,9 @@
               </a:rPr>
               <a:t>Fourth level</a:t>
             </a:r>
-            <a:endParaRPr b="0" lang="en-US" sz="1350" spc="-1" strike="noStrike">
-              <a:solidFill>
-                <a:srgbClr val="000000"/>
-              </a:solidFill>
-              <a:latin typeface="Calibri"/>
-            </a:endParaRPr>
-          </a:p>
-          <a:p>
-            <a:pPr lvl="4" marL="1542960" indent="-171360">
+          </a:p>
+          <a:p>
+            <a:pPr marL="1542960" lvl="4" indent="-171360">
               <a:lnSpc>
                 <a:spcPct val="90000"/>
               </a:lnSpc>
@@ -8408,7 +8982,7 @@
               <a:buChar char="•"/>
             </a:pPr>
             <a:r>
-              <a:rPr b="0" lang="en-US" sz="1350" spc="-1" strike="noStrike">
+              <a:rPr lang="en-US" sz="1350" b="0" strike="noStrike" spc="-1">
                 <a:solidFill>
                   <a:srgbClr val="000000"/>
                 </a:solidFill>
@@ -8416,12 +8990,6 @@
               </a:rPr>
               <a:t>Fifth level</a:t>
             </a:r>
-            <a:endParaRPr b="0" lang="en-US" sz="1350" spc="-1" strike="noStrike">
-              <a:solidFill>
-                <a:srgbClr val="000000"/>
-              </a:solidFill>
-              <a:latin typeface="Calibri"/>
-            </a:endParaRPr>
           </a:p>
         </p:txBody>
       </p:sp>
@@ -8452,6 +9020,7 @@
           <a:bodyPr anchor="t">
             <a:noAutofit/>
           </a:bodyPr>
+          <a:lstStyle/>
           <a:p>
             <a:pPr marL="171360" indent="-171360">
               <a:lnSpc>
@@ -8467,7 +9036,7 @@
               <a:buChar char="•"/>
             </a:pPr>
             <a:r>
-              <a:rPr b="0" lang="en-US" sz="2100" spc="-1" strike="noStrike">
+              <a:rPr lang="en-US" sz="2100" b="0" strike="noStrike" spc="-1">
                 <a:solidFill>
                   <a:srgbClr val="000000"/>
                 </a:solidFill>
@@ -8475,15 +9044,9 @@
               </a:rPr>
               <a:t>Click to edit Master text styles</a:t>
             </a:r>
-            <a:endParaRPr b="0" lang="en-US" sz="2100" spc="-1" strike="noStrike">
-              <a:solidFill>
-                <a:srgbClr val="000000"/>
-              </a:solidFill>
-              <a:latin typeface="Calibri"/>
-            </a:endParaRPr>
-          </a:p>
-          <a:p>
-            <a:pPr lvl="1" marL="514440" indent="-171360">
+          </a:p>
+          <a:p>
+            <a:pPr marL="514440" lvl="1" indent="-171360">
               <a:lnSpc>
                 <a:spcPct val="90000"/>
               </a:lnSpc>
@@ -8497,7 +9060,7 @@
               <a:buChar char="•"/>
             </a:pPr>
             <a:r>
-              <a:rPr b="0" lang="en-US" sz="1800" spc="-1" strike="noStrike">
+              <a:rPr lang="en-US" sz="1800" b="0" strike="noStrike" spc="-1">
                 <a:solidFill>
                   <a:srgbClr val="000000"/>
                 </a:solidFill>
@@ -8505,15 +9068,9 @@
               </a:rPr>
               <a:t>Second level</a:t>
             </a:r>
-            <a:endParaRPr b="0" lang="en-US" sz="1800" spc="-1" strike="noStrike">
-              <a:solidFill>
-                <a:srgbClr val="000000"/>
-              </a:solidFill>
-              <a:latin typeface="Calibri"/>
-            </a:endParaRPr>
-          </a:p>
-          <a:p>
-            <a:pPr lvl="2" marL="857160" indent="-171360">
+          </a:p>
+          <a:p>
+            <a:pPr marL="857160" lvl="2" indent="-171360">
               <a:lnSpc>
                 <a:spcPct val="90000"/>
               </a:lnSpc>
@@ -8527,7 +9084,7 @@
               <a:buChar char="•"/>
             </a:pPr>
             <a:r>
-              <a:rPr b="0" lang="en-US" sz="1500" spc="-1" strike="noStrike">
+              <a:rPr lang="en-US" sz="1500" b="0" strike="noStrike" spc="-1">
                 <a:solidFill>
                   <a:srgbClr val="000000"/>
                 </a:solidFill>
@@ -8535,15 +9092,9 @@
               </a:rPr>
               <a:t>Third level</a:t>
             </a:r>
-            <a:endParaRPr b="0" lang="en-US" sz="1500" spc="-1" strike="noStrike">
-              <a:solidFill>
-                <a:srgbClr val="000000"/>
-              </a:solidFill>
-              <a:latin typeface="Calibri"/>
-            </a:endParaRPr>
-          </a:p>
-          <a:p>
-            <a:pPr lvl="3" marL="1200240" indent="-171360">
+          </a:p>
+          <a:p>
+            <a:pPr marL="1200240" lvl="3" indent="-171360">
               <a:lnSpc>
                 <a:spcPct val="90000"/>
               </a:lnSpc>
@@ -8557,7 +9108,7 @@
               <a:buChar char="•"/>
             </a:pPr>
             <a:r>
-              <a:rPr b="0" lang="en-US" sz="1350" spc="-1" strike="noStrike">
+              <a:rPr lang="en-US" sz="1350" b="0" strike="noStrike" spc="-1">
                 <a:solidFill>
                   <a:srgbClr val="000000"/>
                 </a:solidFill>
@@ -8565,15 +9116,9 @@
               </a:rPr>
               <a:t>Fourth level</a:t>
             </a:r>
-            <a:endParaRPr b="0" lang="en-US" sz="1350" spc="-1" strike="noStrike">
-              <a:solidFill>
-                <a:srgbClr val="000000"/>
-              </a:solidFill>
-              <a:latin typeface="Calibri"/>
-            </a:endParaRPr>
-          </a:p>
-          <a:p>
-            <a:pPr lvl="4" marL="1542960" indent="-171360">
+          </a:p>
+          <a:p>
+            <a:pPr marL="1542960" lvl="4" indent="-171360">
               <a:lnSpc>
                 <a:spcPct val="90000"/>
               </a:lnSpc>
@@ -8587,7 +9132,7 @@
               <a:buChar char="•"/>
             </a:pPr>
             <a:r>
-              <a:rPr b="0" lang="en-US" sz="1350" spc="-1" strike="noStrike">
+              <a:rPr lang="en-US" sz="1350" b="0" strike="noStrike" spc="-1">
                 <a:solidFill>
                   <a:srgbClr val="000000"/>
                 </a:solidFill>
@@ -8595,12 +9140,6 @@
               </a:rPr>
               <a:t>Fifth level</a:t>
             </a:r>
-            <a:endParaRPr b="0" lang="en-US" sz="1350" spc="-1" strike="noStrike">
-              <a:solidFill>
-                <a:srgbClr val="000000"/>
-              </a:solidFill>
-              <a:latin typeface="Calibri"/>
-            </a:endParaRPr>
           </a:p>
         </p:txBody>
       </p:sp>
@@ -8637,9 +9176,9 @@
                 <a:spcPct val="100000"/>
               </a:lnSpc>
               <a:buNone/>
-              <a:defRPr b="0" lang="en-US" sz="900" spc="-1" strike="noStrike">
-                <a:solidFill>
-                  <a:srgbClr val="8b8b8b"/>
+              <a:defRPr lang="en-US" sz="900" b="0" strike="noStrike" spc="-1">
+                <a:solidFill>
+                  <a:srgbClr val="8B8B8B"/>
                 </a:solidFill>
                 <a:latin typeface="Calibri"/>
               </a:defRPr>
@@ -8653,15 +9192,15 @@
               <a:buNone/>
             </a:pPr>
             <a:r>
-              <a:rPr b="0" lang="en-US" sz="900" spc="-1" strike="noStrike">
-                <a:solidFill>
-                  <a:srgbClr val="8b8b8b"/>
+              <a:rPr lang="en-US" sz="900" b="0" strike="noStrike" spc="-1">
+                <a:solidFill>
+                  <a:srgbClr val="8B8B8B"/>
                 </a:solidFill>
                 <a:latin typeface="Calibri"/>
               </a:rPr>
               <a:t>&lt;date/time&gt;</a:t>
             </a:r>
-            <a:endParaRPr b="0" lang="en-US" sz="900" spc="-1" strike="noStrike">
+            <a:endParaRPr lang="en-US" sz="900" b="0" strike="noStrike" spc="-1">
               <a:latin typeface="Times New Roman"/>
             </a:endParaRPr>
           </a:p>
@@ -8700,9 +9239,9 @@
                 <a:spcPct val="100000"/>
               </a:lnSpc>
               <a:buNone/>
-              <a:defRPr b="0" lang="en-US" sz="900" spc="-1" strike="noStrike">
-                <a:solidFill>
-                  <a:srgbClr val="8b8b8b"/>
+              <a:defRPr lang="en-US" sz="900" b="0" strike="noStrike" spc="-1">
+                <a:solidFill>
+                  <a:srgbClr val="8B8B8B"/>
                 </a:solidFill>
                 <a:latin typeface="Calibri"/>
               </a:defRPr>
@@ -8716,15 +9255,15 @@
               <a:buNone/>
             </a:pPr>
             <a:r>
-              <a:rPr b="0" lang="en-US" sz="900" spc="-1" strike="noStrike">
-                <a:solidFill>
-                  <a:srgbClr val="8b8b8b"/>
+              <a:rPr lang="en-US" sz="900" b="0" strike="noStrike" spc="-1">
+                <a:solidFill>
+                  <a:srgbClr val="8B8B8B"/>
                 </a:solidFill>
                 <a:latin typeface="Calibri"/>
               </a:rPr>
               <a:t>&lt;footer&gt;</a:t>
             </a:r>
-            <a:endParaRPr b="0" lang="en-US" sz="900" spc="-1" strike="noStrike">
+            <a:endParaRPr lang="en-US" sz="900" b="0" strike="noStrike" spc="-1">
               <a:latin typeface="Times New Roman"/>
             </a:endParaRPr>
           </a:p>
@@ -8763,9 +9302,9 @@
                 <a:spcPct val="100000"/>
               </a:lnSpc>
               <a:buNone/>
-              <a:defRPr b="0" lang="en-US" sz="900" spc="-1" strike="noStrike">
-                <a:solidFill>
-                  <a:srgbClr val="8b8b8b"/>
+              <a:defRPr lang="en-US" sz="900" b="0" strike="noStrike" spc="-1">
+                <a:solidFill>
+                  <a:srgbClr val="8B8B8B"/>
                 </a:solidFill>
                 <a:latin typeface="Calibri"/>
               </a:defRPr>
@@ -8779,15 +9318,15 @@
               <a:buNone/>
             </a:pPr>
             <a:fld id="{AC4942BF-5918-4C08-AD4B-EA0CBF2A1745}" type="slidenum">
-              <a:rPr b="0" lang="en-US" sz="900" spc="-1" strike="noStrike">
-                <a:solidFill>
-                  <a:srgbClr val="8b8b8b"/>
-                </a:solidFill>
-                <a:latin typeface="Calibri"/>
-              </a:rPr>
-              <a:t>&lt;number&gt;</a:t>
+              <a:rPr lang="en-US" sz="900" b="0" strike="noStrike" spc="-1">
+                <a:solidFill>
+                  <a:srgbClr val="8B8B8B"/>
+                </a:solidFill>
+                <a:latin typeface="Calibri"/>
+              </a:rPr>
+              <a:t>‹#›</a:t>
             </a:fld>
-            <a:endParaRPr b="0" lang="en-US" sz="900" spc="-1" strike="noStrike">
+            <a:endParaRPr lang="en-US" sz="900" b="0" strike="noStrike" spc="-1">
               <a:latin typeface="Times New Roman"/>
             </a:endParaRPr>
           </a:p>
@@ -8795,32 +9334,313 @@
       </p:sp>
     </p:spTree>
   </p:cSld>
-  <p:clrMap bg1="lt1" bg2="lt2" tx1="dk1" tx2="dk2" accent1="accent1" accent2="accent2" accent3="accent3" accent4="accent4" accent5="accent5" accent6="accent6" hlink="hlink" folHlink="folHlink"/>
+  <p:clrMap bg1="lt1" tx1="dk1" bg2="lt2" tx2="dk2" accent1="accent1" accent2="accent2" accent3="accent3" accent4="accent4" accent5="accent5" accent6="accent6" hlink="hlink" folHlink="folHlink"/>
   <p:sldLayoutIdLst>
-    <p:sldLayoutId id="2147483662" r:id="rId2"/>
-    <p:sldLayoutId id="2147483663" r:id="rId3"/>
-    <p:sldLayoutId id="2147483664" r:id="rId4"/>
-    <p:sldLayoutId id="2147483665" r:id="rId5"/>
-    <p:sldLayoutId id="2147483666" r:id="rId6"/>
-    <p:sldLayoutId id="2147483667" r:id="rId7"/>
-    <p:sldLayoutId id="2147483668" r:id="rId8"/>
-    <p:sldLayoutId id="2147483669" r:id="rId9"/>
-    <p:sldLayoutId id="2147483670" r:id="rId10"/>
-    <p:sldLayoutId id="2147483671" r:id="rId11"/>
-    <p:sldLayoutId id="2147483672" r:id="rId12"/>
-    <p:sldLayoutId id="2147483673" r:id="rId13"/>
+    <p:sldLayoutId id="2147483662" r:id="rId1"/>
+    <p:sldLayoutId id="2147483663" r:id="rId2"/>
+    <p:sldLayoutId id="2147483664" r:id="rId3"/>
+    <p:sldLayoutId id="2147483665" r:id="rId4"/>
+    <p:sldLayoutId id="2147483666" r:id="rId5"/>
+    <p:sldLayoutId id="2147483667" r:id="rId6"/>
+    <p:sldLayoutId id="2147483668" r:id="rId7"/>
+    <p:sldLayoutId id="2147483669" r:id="rId8"/>
+    <p:sldLayoutId id="2147483670" r:id="rId9"/>
+    <p:sldLayoutId id="2147483671" r:id="rId10"/>
+    <p:sldLayoutId id="2147483672" r:id="rId11"/>
+    <p:sldLayoutId id="2147483673" r:id="rId12"/>
   </p:sldLayoutIdLst>
+  <p:txStyles>
+    <p:titleStyle>
+      <a:lvl1pPr algn="l" defTabSz="914400" rtl="0" eaLnBrk="1" latinLnBrk="0" hangingPunct="1">
+        <a:lnSpc>
+          <a:spcPct val="90000"/>
+        </a:lnSpc>
+        <a:spcBef>
+          <a:spcPct val="0"/>
+        </a:spcBef>
+        <a:buNone/>
+        <a:defRPr sz="4400" kern="1200">
+          <a:solidFill>
+            <a:schemeClr val="tx1"/>
+          </a:solidFill>
+          <a:latin typeface="+mj-lt"/>
+          <a:ea typeface="+mj-ea"/>
+          <a:cs typeface="+mj-cs"/>
+        </a:defRPr>
+      </a:lvl1pPr>
+    </p:titleStyle>
+    <p:bodyStyle>
+      <a:lvl1pPr marL="228600" indent="-228600" algn="l" defTabSz="914400" rtl="0" eaLnBrk="1" latinLnBrk="0" hangingPunct="1">
+        <a:lnSpc>
+          <a:spcPct val="90000"/>
+        </a:lnSpc>
+        <a:spcBef>
+          <a:spcPts val="1000"/>
+        </a:spcBef>
+        <a:buFont typeface="Arial" panose="020B0604020202020204" pitchFamily="34" charset="0"/>
+        <a:buChar char="•"/>
+        <a:defRPr sz="2800" kern="1200">
+          <a:solidFill>
+            <a:schemeClr val="tx1"/>
+          </a:solidFill>
+          <a:latin typeface="+mn-lt"/>
+          <a:ea typeface="+mn-ea"/>
+          <a:cs typeface="+mn-cs"/>
+        </a:defRPr>
+      </a:lvl1pPr>
+      <a:lvl2pPr marL="685800" indent="-228600" algn="l" defTabSz="914400" rtl="0" eaLnBrk="1" latinLnBrk="0" hangingPunct="1">
+        <a:lnSpc>
+          <a:spcPct val="90000"/>
+        </a:lnSpc>
+        <a:spcBef>
+          <a:spcPts val="500"/>
+        </a:spcBef>
+        <a:buFont typeface="Arial" panose="020B0604020202020204" pitchFamily="34" charset="0"/>
+        <a:buChar char="•"/>
+        <a:defRPr sz="2400" kern="1200">
+          <a:solidFill>
+            <a:schemeClr val="tx1"/>
+          </a:solidFill>
+          <a:latin typeface="+mn-lt"/>
+          <a:ea typeface="+mn-ea"/>
+          <a:cs typeface="+mn-cs"/>
+        </a:defRPr>
+      </a:lvl2pPr>
+      <a:lvl3pPr marL="1143000" indent="-228600" algn="l" defTabSz="914400" rtl="0" eaLnBrk="1" latinLnBrk="0" hangingPunct="1">
+        <a:lnSpc>
+          <a:spcPct val="90000"/>
+        </a:lnSpc>
+        <a:spcBef>
+          <a:spcPts val="500"/>
+        </a:spcBef>
+        <a:buFont typeface="Arial" panose="020B0604020202020204" pitchFamily="34" charset="0"/>
+        <a:buChar char="•"/>
+        <a:defRPr sz="2000" kern="1200">
+          <a:solidFill>
+            <a:schemeClr val="tx1"/>
+          </a:solidFill>
+          <a:latin typeface="+mn-lt"/>
+          <a:ea typeface="+mn-ea"/>
+          <a:cs typeface="+mn-cs"/>
+        </a:defRPr>
+      </a:lvl3pPr>
+      <a:lvl4pPr marL="1600200" indent="-228600" algn="l" defTabSz="914400" rtl="0" eaLnBrk="1" latinLnBrk="0" hangingPunct="1">
+        <a:lnSpc>
+          <a:spcPct val="90000"/>
+        </a:lnSpc>
+        <a:spcBef>
+          <a:spcPts val="500"/>
+        </a:spcBef>
+        <a:buFont typeface="Arial" panose="020B0604020202020204" pitchFamily="34" charset="0"/>
+        <a:buChar char="•"/>
+        <a:defRPr sz="1800" kern="1200">
+          <a:solidFill>
+            <a:schemeClr val="tx1"/>
+          </a:solidFill>
+          <a:latin typeface="+mn-lt"/>
+          <a:ea typeface="+mn-ea"/>
+          <a:cs typeface="+mn-cs"/>
+        </a:defRPr>
+      </a:lvl4pPr>
+      <a:lvl5pPr marL="2057400" indent="-228600" algn="l" defTabSz="914400" rtl="0" eaLnBrk="1" latinLnBrk="0" hangingPunct="1">
+        <a:lnSpc>
+          <a:spcPct val="90000"/>
+        </a:lnSpc>
+        <a:spcBef>
+          <a:spcPts val="500"/>
+        </a:spcBef>
+        <a:buFont typeface="Arial" panose="020B0604020202020204" pitchFamily="34" charset="0"/>
+        <a:buChar char="•"/>
+        <a:defRPr sz="1800" kern="1200">
+          <a:solidFill>
+            <a:schemeClr val="tx1"/>
+          </a:solidFill>
+          <a:latin typeface="+mn-lt"/>
+          <a:ea typeface="+mn-ea"/>
+          <a:cs typeface="+mn-cs"/>
+        </a:defRPr>
+      </a:lvl5pPr>
+      <a:lvl6pPr marL="2514600" indent="-228600" algn="l" defTabSz="914400" rtl="0" eaLnBrk="1" latinLnBrk="0" hangingPunct="1">
+        <a:lnSpc>
+          <a:spcPct val="90000"/>
+        </a:lnSpc>
+        <a:spcBef>
+          <a:spcPts val="500"/>
+        </a:spcBef>
+        <a:buFont typeface="Arial" panose="020B0604020202020204" pitchFamily="34" charset="0"/>
+        <a:buChar char="•"/>
+        <a:defRPr sz="1800" kern="1200">
+          <a:solidFill>
+            <a:schemeClr val="tx1"/>
+          </a:solidFill>
+          <a:latin typeface="+mn-lt"/>
+          <a:ea typeface="+mn-ea"/>
+          <a:cs typeface="+mn-cs"/>
+        </a:defRPr>
+      </a:lvl6pPr>
+      <a:lvl7pPr marL="2971800" indent="-228600" algn="l" defTabSz="914400" rtl="0" eaLnBrk="1" latinLnBrk="0" hangingPunct="1">
+        <a:lnSpc>
+          <a:spcPct val="90000"/>
+        </a:lnSpc>
+        <a:spcBef>
+          <a:spcPts val="500"/>
+        </a:spcBef>
+        <a:buFont typeface="Arial" panose="020B0604020202020204" pitchFamily="34" charset="0"/>
+        <a:buChar char="•"/>
+        <a:defRPr sz="1800" kern="1200">
+          <a:solidFill>
+            <a:schemeClr val="tx1"/>
+          </a:solidFill>
+          <a:latin typeface="+mn-lt"/>
+          <a:ea typeface="+mn-ea"/>
+          <a:cs typeface="+mn-cs"/>
+        </a:defRPr>
+      </a:lvl7pPr>
+      <a:lvl8pPr marL="3429000" indent="-228600" algn="l" defTabSz="914400" rtl="0" eaLnBrk="1" latinLnBrk="0" hangingPunct="1">
+        <a:lnSpc>
+          <a:spcPct val="90000"/>
+        </a:lnSpc>
+        <a:spcBef>
+          <a:spcPts val="500"/>
+        </a:spcBef>
+        <a:buFont typeface="Arial" panose="020B0604020202020204" pitchFamily="34" charset="0"/>
+        <a:buChar char="•"/>
+        <a:defRPr sz="1800" kern="1200">
+          <a:solidFill>
+            <a:schemeClr val="tx1"/>
+          </a:solidFill>
+          <a:latin typeface="+mn-lt"/>
+          <a:ea typeface="+mn-ea"/>
+          <a:cs typeface="+mn-cs"/>
+        </a:defRPr>
+      </a:lvl8pPr>
+      <a:lvl9pPr marL="3886200" indent="-228600" algn="l" defTabSz="914400" rtl="0" eaLnBrk="1" latinLnBrk="0" hangingPunct="1">
+        <a:lnSpc>
+          <a:spcPct val="90000"/>
+        </a:lnSpc>
+        <a:spcBef>
+          <a:spcPts val="500"/>
+        </a:spcBef>
+        <a:buFont typeface="Arial" panose="020B0604020202020204" pitchFamily="34" charset="0"/>
+        <a:buChar char="•"/>
+        <a:defRPr sz="1800" kern="1200">
+          <a:solidFill>
+            <a:schemeClr val="tx1"/>
+          </a:solidFill>
+          <a:latin typeface="+mn-lt"/>
+          <a:ea typeface="+mn-ea"/>
+          <a:cs typeface="+mn-cs"/>
+        </a:defRPr>
+      </a:lvl9pPr>
+    </p:bodyStyle>
+    <p:otherStyle>
+      <a:defPPr>
+        <a:defRPr lang="sl-SI"/>
+      </a:defPPr>
+      <a:lvl1pPr marL="0" algn="l" defTabSz="914400" rtl="0" eaLnBrk="1" latinLnBrk="0" hangingPunct="1">
+        <a:defRPr sz="1800" kern="1200">
+          <a:solidFill>
+            <a:schemeClr val="tx1"/>
+          </a:solidFill>
+          <a:latin typeface="+mn-lt"/>
+          <a:ea typeface="+mn-ea"/>
+          <a:cs typeface="+mn-cs"/>
+        </a:defRPr>
+      </a:lvl1pPr>
+      <a:lvl2pPr marL="457200" algn="l" defTabSz="914400" rtl="0" eaLnBrk="1" latinLnBrk="0" hangingPunct="1">
+        <a:defRPr sz="1800" kern="1200">
+          <a:solidFill>
+            <a:schemeClr val="tx1"/>
+          </a:solidFill>
+          <a:latin typeface="+mn-lt"/>
+          <a:ea typeface="+mn-ea"/>
+          <a:cs typeface="+mn-cs"/>
+        </a:defRPr>
+      </a:lvl2pPr>
+      <a:lvl3pPr marL="914400" algn="l" defTabSz="914400" rtl="0" eaLnBrk="1" latinLnBrk="0" hangingPunct="1">
+        <a:defRPr sz="1800" kern="1200">
+          <a:solidFill>
+            <a:schemeClr val="tx1"/>
+          </a:solidFill>
+          <a:latin typeface="+mn-lt"/>
+          <a:ea typeface="+mn-ea"/>
+          <a:cs typeface="+mn-cs"/>
+        </a:defRPr>
+      </a:lvl3pPr>
+      <a:lvl4pPr marL="1371600" algn="l" defTabSz="914400" rtl="0" eaLnBrk="1" latinLnBrk="0" hangingPunct="1">
+        <a:defRPr sz="1800" kern="1200">
+          <a:solidFill>
+            <a:schemeClr val="tx1"/>
+          </a:solidFill>
+          <a:latin typeface="+mn-lt"/>
+          <a:ea typeface="+mn-ea"/>
+          <a:cs typeface="+mn-cs"/>
+        </a:defRPr>
+      </a:lvl4pPr>
+      <a:lvl5pPr marL="1828800" algn="l" defTabSz="914400" rtl="0" eaLnBrk="1" latinLnBrk="0" hangingPunct="1">
+        <a:defRPr sz="1800" kern="1200">
+          <a:solidFill>
+            <a:schemeClr val="tx1"/>
+          </a:solidFill>
+          <a:latin typeface="+mn-lt"/>
+          <a:ea typeface="+mn-ea"/>
+          <a:cs typeface="+mn-cs"/>
+        </a:defRPr>
+      </a:lvl5pPr>
+      <a:lvl6pPr marL="2286000" algn="l" defTabSz="914400" rtl="0" eaLnBrk="1" latinLnBrk="0" hangingPunct="1">
+        <a:defRPr sz="1800" kern="1200">
+          <a:solidFill>
+            <a:schemeClr val="tx1"/>
+          </a:solidFill>
+          <a:latin typeface="+mn-lt"/>
+          <a:ea typeface="+mn-ea"/>
+          <a:cs typeface="+mn-cs"/>
+        </a:defRPr>
+      </a:lvl6pPr>
+      <a:lvl7pPr marL="2743200" algn="l" defTabSz="914400" rtl="0" eaLnBrk="1" latinLnBrk="0" hangingPunct="1">
+        <a:defRPr sz="1800" kern="1200">
+          <a:solidFill>
+            <a:schemeClr val="tx1"/>
+          </a:solidFill>
+          <a:latin typeface="+mn-lt"/>
+          <a:ea typeface="+mn-ea"/>
+          <a:cs typeface="+mn-cs"/>
+        </a:defRPr>
+      </a:lvl7pPr>
+      <a:lvl8pPr marL="3200400" algn="l" defTabSz="914400" rtl="0" eaLnBrk="1" latinLnBrk="0" hangingPunct="1">
+        <a:defRPr sz="1800" kern="1200">
+          <a:solidFill>
+            <a:schemeClr val="tx1"/>
+          </a:solidFill>
+          <a:latin typeface="+mn-lt"/>
+          <a:ea typeface="+mn-ea"/>
+          <a:cs typeface="+mn-cs"/>
+        </a:defRPr>
+      </a:lvl8pPr>
+      <a:lvl9pPr marL="3657600" algn="l" defTabSz="914400" rtl="0" eaLnBrk="1" latinLnBrk="0" hangingPunct="1">
+        <a:defRPr sz="1800" kern="1200">
+          <a:solidFill>
+            <a:schemeClr val="tx1"/>
+          </a:solidFill>
+          <a:latin typeface="+mn-lt"/>
+          <a:ea typeface="+mn-ea"/>
+          <a:cs typeface="+mn-cs"/>
+        </a:defRPr>
+      </a:lvl9pPr>
+    </p:otherStyle>
+  </p:txStyles>
 </p:sldMaster>
 </file>
 
 <file path=ppt/slideMasters/slideMaster3.xml><?xml version="1.0" encoding="utf-8"?>
-<p:sldMaster xmlns:a="http://schemas.openxmlformats.org/drawingml/2006/main" xmlns:p="http://schemas.openxmlformats.org/presentationml/2006/main" xmlns:r="http://schemas.openxmlformats.org/officeDocument/2006/relationships" xmlns:p14="http://schemas.microsoft.com/office/powerpoint/2010/main" xmlns:p15="http://schemas.microsoft.com/office/powerpoint/2012/main" xmlns:mc="http://schemas.openxmlformats.org/markup-compatibility/2006">
+<p:sldMaster xmlns:a="http://schemas.openxmlformats.org/drawingml/2006/main" xmlns:r="http://schemas.openxmlformats.org/officeDocument/2006/relationships" xmlns:p="http://schemas.openxmlformats.org/presentationml/2006/main">
   <p:cSld>
     <p:bg>
       <p:bgPr>
         <a:solidFill>
-          <a:srgbClr val="ffffff"/>
+          <a:srgbClr val="FFFFFF"/>
         </a:solidFill>
+        <a:effectLst/>
       </p:bgPr>
     </p:bg>
     <p:spTree>
@@ -8864,6 +9684,7 @@
           <a:bodyPr anchor="ctr">
             <a:noAutofit/>
           </a:bodyPr>
+          <a:lstStyle/>
           <a:p>
             <a:pPr>
               <a:lnSpc>
@@ -8872,7 +9693,7 @@
               <a:buNone/>
             </a:pPr>
             <a:r>
-              <a:rPr b="0" lang="en-US" sz="3300" spc="-1" strike="noStrike">
+              <a:rPr lang="en-US" sz="3300" b="0" strike="noStrike" spc="-1">
                 <a:solidFill>
                   <a:srgbClr val="000000"/>
                 </a:solidFill>
@@ -8880,7 +9701,7 @@
               </a:rPr>
               <a:t>Click to edit Master title style</a:t>
             </a:r>
-            <a:endParaRPr b="0" lang="en-US" sz="3300" spc="-1" strike="noStrike">
+            <a:endParaRPr lang="en-US" sz="3300" b="0" strike="noStrike" spc="-1">
               <a:solidFill>
                 <a:srgbClr val="000000"/>
               </a:solidFill>
@@ -8916,6 +9737,7 @@
           <a:bodyPr anchor="t">
             <a:noAutofit/>
           </a:bodyPr>
+          <a:lstStyle/>
           <a:p>
             <a:pPr marL="171360" indent="-171360">
               <a:lnSpc>
@@ -8931,7 +9753,7 @@
               <a:buChar char="•"/>
             </a:pPr>
             <a:r>
-              <a:rPr b="0" lang="en-US" sz="2100" spc="-1" strike="noStrike">
+              <a:rPr lang="en-US" sz="2100" b="0" strike="noStrike" spc="-1">
                 <a:solidFill>
                   <a:srgbClr val="000000"/>
                 </a:solidFill>
@@ -8939,15 +9761,9 @@
               </a:rPr>
               <a:t>Click to edit Master text styles</a:t>
             </a:r>
-            <a:endParaRPr b="0" lang="en-US" sz="2100" spc="-1" strike="noStrike">
-              <a:solidFill>
-                <a:srgbClr val="000000"/>
-              </a:solidFill>
-              <a:latin typeface="Calibri"/>
-            </a:endParaRPr>
-          </a:p>
-          <a:p>
-            <a:pPr lvl="1" marL="514440" indent="-171360">
+          </a:p>
+          <a:p>
+            <a:pPr marL="514440" lvl="1" indent="-171360">
               <a:lnSpc>
                 <a:spcPct val="90000"/>
               </a:lnSpc>
@@ -8961,7 +9777,7 @@
               <a:buChar char="•"/>
             </a:pPr>
             <a:r>
-              <a:rPr b="0" lang="en-US" sz="1800" spc="-1" strike="noStrike">
+              <a:rPr lang="en-US" sz="1800" b="0" strike="noStrike" spc="-1">
                 <a:solidFill>
                   <a:srgbClr val="000000"/>
                 </a:solidFill>
@@ -8969,15 +9785,9 @@
               </a:rPr>
               <a:t>Second level</a:t>
             </a:r>
-            <a:endParaRPr b="0" lang="en-US" sz="1800" spc="-1" strike="noStrike">
-              <a:solidFill>
-                <a:srgbClr val="000000"/>
-              </a:solidFill>
-              <a:latin typeface="Calibri"/>
-            </a:endParaRPr>
-          </a:p>
-          <a:p>
-            <a:pPr lvl="2" marL="857160" indent="-171360">
+          </a:p>
+          <a:p>
+            <a:pPr marL="857160" lvl="2" indent="-171360">
               <a:lnSpc>
                 <a:spcPct val="90000"/>
               </a:lnSpc>
@@ -8991,7 +9801,7 @@
               <a:buChar char="•"/>
             </a:pPr>
             <a:r>
-              <a:rPr b="0" lang="en-US" sz="1500" spc="-1" strike="noStrike">
+              <a:rPr lang="en-US" sz="1500" b="0" strike="noStrike" spc="-1">
                 <a:solidFill>
                   <a:srgbClr val="000000"/>
                 </a:solidFill>
@@ -8999,15 +9809,9 @@
               </a:rPr>
               <a:t>Third level</a:t>
             </a:r>
-            <a:endParaRPr b="0" lang="en-US" sz="1500" spc="-1" strike="noStrike">
-              <a:solidFill>
-                <a:srgbClr val="000000"/>
-              </a:solidFill>
-              <a:latin typeface="Calibri"/>
-            </a:endParaRPr>
-          </a:p>
-          <a:p>
-            <a:pPr lvl="3" marL="1200240" indent="-171360">
+          </a:p>
+          <a:p>
+            <a:pPr marL="1200240" lvl="3" indent="-171360">
               <a:lnSpc>
                 <a:spcPct val="90000"/>
               </a:lnSpc>
@@ -9021,7 +9825,7 @@
               <a:buChar char="•"/>
             </a:pPr>
             <a:r>
-              <a:rPr b="0" lang="en-US" sz="1350" spc="-1" strike="noStrike">
+              <a:rPr lang="en-US" sz="1350" b="0" strike="noStrike" spc="-1">
                 <a:solidFill>
                   <a:srgbClr val="000000"/>
                 </a:solidFill>
@@ -9029,15 +9833,9 @@
               </a:rPr>
               <a:t>Fourth level</a:t>
             </a:r>
-            <a:endParaRPr b="0" lang="en-US" sz="1350" spc="-1" strike="noStrike">
-              <a:solidFill>
-                <a:srgbClr val="000000"/>
-              </a:solidFill>
-              <a:latin typeface="Calibri"/>
-            </a:endParaRPr>
-          </a:p>
-          <a:p>
-            <a:pPr lvl="4" marL="1542960" indent="-171360">
+          </a:p>
+          <a:p>
+            <a:pPr marL="1542960" lvl="4" indent="-171360">
               <a:lnSpc>
                 <a:spcPct val="90000"/>
               </a:lnSpc>
@@ -9051,7 +9849,7 @@
               <a:buChar char="•"/>
             </a:pPr>
             <a:r>
-              <a:rPr b="0" lang="en-US" sz="1350" spc="-1" strike="noStrike">
+              <a:rPr lang="en-US" sz="1350" b="0" strike="noStrike" spc="-1">
                 <a:solidFill>
                   <a:srgbClr val="000000"/>
                 </a:solidFill>
@@ -9059,12 +9857,6 @@
               </a:rPr>
               <a:t>Fifth level</a:t>
             </a:r>
-            <a:endParaRPr b="0" lang="en-US" sz="1350" spc="-1" strike="noStrike">
-              <a:solidFill>
-                <a:srgbClr val="000000"/>
-              </a:solidFill>
-              <a:latin typeface="Calibri"/>
-            </a:endParaRPr>
           </a:p>
         </p:txBody>
       </p:sp>
@@ -9101,9 +9893,9 @@
                 <a:spcPct val="100000"/>
               </a:lnSpc>
               <a:buNone/>
-              <a:defRPr b="0" lang="en-US" sz="900" spc="-1" strike="noStrike">
-                <a:solidFill>
-                  <a:srgbClr val="8b8b8b"/>
+              <a:defRPr lang="en-US" sz="900" b="0" strike="noStrike" spc="-1">
+                <a:solidFill>
+                  <a:srgbClr val="8B8B8B"/>
                 </a:solidFill>
                 <a:latin typeface="Calibri"/>
               </a:defRPr>
@@ -9117,15 +9909,15 @@
               <a:buNone/>
             </a:pPr>
             <a:r>
-              <a:rPr b="0" lang="en-US" sz="900" spc="-1" strike="noStrike">
-                <a:solidFill>
-                  <a:srgbClr val="8b8b8b"/>
+              <a:rPr lang="en-US" sz="900" b="0" strike="noStrike" spc="-1">
+                <a:solidFill>
+                  <a:srgbClr val="8B8B8B"/>
                 </a:solidFill>
                 <a:latin typeface="Calibri"/>
               </a:rPr>
               <a:t>&lt;date/time&gt;</a:t>
             </a:r>
-            <a:endParaRPr b="0" lang="en-US" sz="900" spc="-1" strike="noStrike">
+            <a:endParaRPr lang="en-US" sz="900" b="0" strike="noStrike" spc="-1">
               <a:latin typeface="Times New Roman"/>
             </a:endParaRPr>
           </a:p>
@@ -9164,9 +9956,9 @@
                 <a:spcPct val="100000"/>
               </a:lnSpc>
               <a:buNone/>
-              <a:defRPr b="0" lang="en-US" sz="900" spc="-1" strike="noStrike">
-                <a:solidFill>
-                  <a:srgbClr val="8b8b8b"/>
+              <a:defRPr lang="en-US" sz="900" b="0" strike="noStrike" spc="-1">
+                <a:solidFill>
+                  <a:srgbClr val="8B8B8B"/>
                 </a:solidFill>
                 <a:latin typeface="Calibri"/>
               </a:defRPr>
@@ -9180,15 +9972,15 @@
               <a:buNone/>
             </a:pPr>
             <a:r>
-              <a:rPr b="0" lang="en-US" sz="900" spc="-1" strike="noStrike">
-                <a:solidFill>
-                  <a:srgbClr val="8b8b8b"/>
+              <a:rPr lang="en-US" sz="900" b="0" strike="noStrike" spc="-1">
+                <a:solidFill>
+                  <a:srgbClr val="8B8B8B"/>
                 </a:solidFill>
                 <a:latin typeface="Calibri"/>
               </a:rPr>
               <a:t>&lt;footer&gt;</a:t>
             </a:r>
-            <a:endParaRPr b="0" lang="en-US" sz="900" spc="-1" strike="noStrike">
+            <a:endParaRPr lang="en-US" sz="900" b="0" strike="noStrike" spc="-1">
               <a:latin typeface="Times New Roman"/>
             </a:endParaRPr>
           </a:p>
@@ -9227,9 +10019,9 @@
                 <a:spcPct val="100000"/>
               </a:lnSpc>
               <a:buNone/>
-              <a:defRPr b="0" lang="en-US" sz="900" spc="-1" strike="noStrike">
-                <a:solidFill>
-                  <a:srgbClr val="8b8b8b"/>
+              <a:defRPr lang="en-US" sz="900" b="0" strike="noStrike" spc="-1">
+                <a:solidFill>
+                  <a:srgbClr val="8B8B8B"/>
                 </a:solidFill>
                 <a:latin typeface="Calibri"/>
               </a:defRPr>
@@ -9243,15 +10035,15 @@
               <a:buNone/>
             </a:pPr>
             <a:fld id="{BBE7C2F6-FC23-4AE2-9291-D0294A23B957}" type="slidenum">
-              <a:rPr b="0" lang="en-US" sz="900" spc="-1" strike="noStrike">
-                <a:solidFill>
-                  <a:srgbClr val="8b8b8b"/>
-                </a:solidFill>
-                <a:latin typeface="Calibri"/>
-              </a:rPr>
-              <a:t>&lt;number&gt;</a:t>
+              <a:rPr lang="en-US" sz="900" b="0" strike="noStrike" spc="-1">
+                <a:solidFill>
+                  <a:srgbClr val="8B8B8B"/>
+                </a:solidFill>
+                <a:latin typeface="Calibri"/>
+              </a:rPr>
+              <a:t>‹#›</a:t>
             </a:fld>
-            <a:endParaRPr b="0" lang="en-US" sz="900" spc="-1" strike="noStrike">
+            <a:endParaRPr lang="en-US" sz="900" b="0" strike="noStrike" spc="-1">
               <a:latin typeface="Times New Roman"/>
             </a:endParaRPr>
           </a:p>
@@ -9259,26 +10051,306 @@
       </p:sp>
     </p:spTree>
   </p:cSld>
-  <p:clrMap bg1="lt1" bg2="lt2" tx1="dk1" tx2="dk2" accent1="accent1" accent2="accent2" accent3="accent3" accent4="accent4" accent5="accent5" accent6="accent6" hlink="hlink" folHlink="folHlink"/>
+  <p:clrMap bg1="lt1" tx1="dk1" bg2="lt2" tx2="dk2" accent1="accent1" accent2="accent2" accent3="accent3" accent4="accent4" accent5="accent5" accent6="accent6" hlink="hlink" folHlink="folHlink"/>
   <p:sldLayoutIdLst>
-    <p:sldLayoutId id="2147483675" r:id="rId2"/>
-    <p:sldLayoutId id="2147483676" r:id="rId3"/>
-    <p:sldLayoutId id="2147483677" r:id="rId4"/>
-    <p:sldLayoutId id="2147483678" r:id="rId5"/>
-    <p:sldLayoutId id="2147483679" r:id="rId6"/>
-    <p:sldLayoutId id="2147483680" r:id="rId7"/>
-    <p:sldLayoutId id="2147483681" r:id="rId8"/>
-    <p:sldLayoutId id="2147483682" r:id="rId9"/>
-    <p:sldLayoutId id="2147483683" r:id="rId10"/>
-    <p:sldLayoutId id="2147483684" r:id="rId11"/>
-    <p:sldLayoutId id="2147483685" r:id="rId12"/>
-    <p:sldLayoutId id="2147483686" r:id="rId13"/>
+    <p:sldLayoutId id="2147483675" r:id="rId1"/>
+    <p:sldLayoutId id="2147483676" r:id="rId2"/>
+    <p:sldLayoutId id="2147483677" r:id="rId3"/>
+    <p:sldLayoutId id="2147483678" r:id="rId4"/>
+    <p:sldLayoutId id="2147483679" r:id="rId5"/>
+    <p:sldLayoutId id="2147483680" r:id="rId6"/>
+    <p:sldLayoutId id="2147483681" r:id="rId7"/>
+    <p:sldLayoutId id="2147483682" r:id="rId8"/>
+    <p:sldLayoutId id="2147483683" r:id="rId9"/>
+    <p:sldLayoutId id="2147483684" r:id="rId10"/>
+    <p:sldLayoutId id="2147483685" r:id="rId11"/>
+    <p:sldLayoutId id="2147483686" r:id="rId12"/>
   </p:sldLayoutIdLst>
+  <p:txStyles>
+    <p:titleStyle>
+      <a:lvl1pPr algn="l" defTabSz="914400" rtl="0" eaLnBrk="1" latinLnBrk="0" hangingPunct="1">
+        <a:lnSpc>
+          <a:spcPct val="90000"/>
+        </a:lnSpc>
+        <a:spcBef>
+          <a:spcPct val="0"/>
+        </a:spcBef>
+        <a:buNone/>
+        <a:defRPr sz="4400" kern="1200">
+          <a:solidFill>
+            <a:schemeClr val="tx1"/>
+          </a:solidFill>
+          <a:latin typeface="+mj-lt"/>
+          <a:ea typeface="+mj-ea"/>
+          <a:cs typeface="+mj-cs"/>
+        </a:defRPr>
+      </a:lvl1pPr>
+    </p:titleStyle>
+    <p:bodyStyle>
+      <a:lvl1pPr marL="228600" indent="-228600" algn="l" defTabSz="914400" rtl="0" eaLnBrk="1" latinLnBrk="0" hangingPunct="1">
+        <a:lnSpc>
+          <a:spcPct val="90000"/>
+        </a:lnSpc>
+        <a:spcBef>
+          <a:spcPts val="1000"/>
+        </a:spcBef>
+        <a:buFont typeface="Arial" panose="020B0604020202020204" pitchFamily="34" charset="0"/>
+        <a:buChar char="•"/>
+        <a:defRPr sz="2800" kern="1200">
+          <a:solidFill>
+            <a:schemeClr val="tx1"/>
+          </a:solidFill>
+          <a:latin typeface="+mn-lt"/>
+          <a:ea typeface="+mn-ea"/>
+          <a:cs typeface="+mn-cs"/>
+        </a:defRPr>
+      </a:lvl1pPr>
+      <a:lvl2pPr marL="685800" indent="-228600" algn="l" defTabSz="914400" rtl="0" eaLnBrk="1" latinLnBrk="0" hangingPunct="1">
+        <a:lnSpc>
+          <a:spcPct val="90000"/>
+        </a:lnSpc>
+        <a:spcBef>
+          <a:spcPts val="500"/>
+        </a:spcBef>
+        <a:buFont typeface="Arial" panose="020B0604020202020204" pitchFamily="34" charset="0"/>
+        <a:buChar char="•"/>
+        <a:defRPr sz="2400" kern="1200">
+          <a:solidFill>
+            <a:schemeClr val="tx1"/>
+          </a:solidFill>
+          <a:latin typeface="+mn-lt"/>
+          <a:ea typeface="+mn-ea"/>
+          <a:cs typeface="+mn-cs"/>
+        </a:defRPr>
+      </a:lvl2pPr>
+      <a:lvl3pPr marL="1143000" indent="-228600" algn="l" defTabSz="914400" rtl="0" eaLnBrk="1" latinLnBrk="0" hangingPunct="1">
+        <a:lnSpc>
+          <a:spcPct val="90000"/>
+        </a:lnSpc>
+        <a:spcBef>
+          <a:spcPts val="500"/>
+        </a:spcBef>
+        <a:buFont typeface="Arial" panose="020B0604020202020204" pitchFamily="34" charset="0"/>
+        <a:buChar char="•"/>
+        <a:defRPr sz="2000" kern="1200">
+          <a:solidFill>
+            <a:schemeClr val="tx1"/>
+          </a:solidFill>
+          <a:latin typeface="+mn-lt"/>
+          <a:ea typeface="+mn-ea"/>
+          <a:cs typeface="+mn-cs"/>
+        </a:defRPr>
+      </a:lvl3pPr>
+      <a:lvl4pPr marL="1600200" indent="-228600" algn="l" defTabSz="914400" rtl="0" eaLnBrk="1" latinLnBrk="0" hangingPunct="1">
+        <a:lnSpc>
+          <a:spcPct val="90000"/>
+        </a:lnSpc>
+        <a:spcBef>
+          <a:spcPts val="500"/>
+        </a:spcBef>
+        <a:buFont typeface="Arial" panose="020B0604020202020204" pitchFamily="34" charset="0"/>
+        <a:buChar char="•"/>
+        <a:defRPr sz="1800" kern="1200">
+          <a:solidFill>
+            <a:schemeClr val="tx1"/>
+          </a:solidFill>
+          <a:latin typeface="+mn-lt"/>
+          <a:ea typeface="+mn-ea"/>
+          <a:cs typeface="+mn-cs"/>
+        </a:defRPr>
+      </a:lvl4pPr>
+      <a:lvl5pPr marL="2057400" indent="-228600" algn="l" defTabSz="914400" rtl="0" eaLnBrk="1" latinLnBrk="0" hangingPunct="1">
+        <a:lnSpc>
+          <a:spcPct val="90000"/>
+        </a:lnSpc>
+        <a:spcBef>
+          <a:spcPts val="500"/>
+        </a:spcBef>
+        <a:buFont typeface="Arial" panose="020B0604020202020204" pitchFamily="34" charset="0"/>
+        <a:buChar char="•"/>
+        <a:defRPr sz="1800" kern="1200">
+          <a:solidFill>
+            <a:schemeClr val="tx1"/>
+          </a:solidFill>
+          <a:latin typeface="+mn-lt"/>
+          <a:ea typeface="+mn-ea"/>
+          <a:cs typeface="+mn-cs"/>
+        </a:defRPr>
+      </a:lvl5pPr>
+      <a:lvl6pPr marL="2514600" indent="-228600" algn="l" defTabSz="914400" rtl="0" eaLnBrk="1" latinLnBrk="0" hangingPunct="1">
+        <a:lnSpc>
+          <a:spcPct val="90000"/>
+        </a:lnSpc>
+        <a:spcBef>
+          <a:spcPts val="500"/>
+        </a:spcBef>
+        <a:buFont typeface="Arial" panose="020B0604020202020204" pitchFamily="34" charset="0"/>
+        <a:buChar char="•"/>
+        <a:defRPr sz="1800" kern="1200">
+          <a:solidFill>
+            <a:schemeClr val="tx1"/>
+          </a:solidFill>
+          <a:latin typeface="+mn-lt"/>
+          <a:ea typeface="+mn-ea"/>
+          <a:cs typeface="+mn-cs"/>
+        </a:defRPr>
+      </a:lvl6pPr>
+      <a:lvl7pPr marL="2971800" indent="-228600" algn="l" defTabSz="914400" rtl="0" eaLnBrk="1" latinLnBrk="0" hangingPunct="1">
+        <a:lnSpc>
+          <a:spcPct val="90000"/>
+        </a:lnSpc>
+        <a:spcBef>
+          <a:spcPts val="500"/>
+        </a:spcBef>
+        <a:buFont typeface="Arial" panose="020B0604020202020204" pitchFamily="34" charset="0"/>
+        <a:buChar char="•"/>
+        <a:defRPr sz="1800" kern="1200">
+          <a:solidFill>
+            <a:schemeClr val="tx1"/>
+          </a:solidFill>
+          <a:latin typeface="+mn-lt"/>
+          <a:ea typeface="+mn-ea"/>
+          <a:cs typeface="+mn-cs"/>
+        </a:defRPr>
+      </a:lvl7pPr>
+      <a:lvl8pPr marL="3429000" indent="-228600" algn="l" defTabSz="914400" rtl="0" eaLnBrk="1" latinLnBrk="0" hangingPunct="1">
+        <a:lnSpc>
+          <a:spcPct val="90000"/>
+        </a:lnSpc>
+        <a:spcBef>
+          <a:spcPts val="500"/>
+        </a:spcBef>
+        <a:buFont typeface="Arial" panose="020B0604020202020204" pitchFamily="34" charset="0"/>
+        <a:buChar char="•"/>
+        <a:defRPr sz="1800" kern="1200">
+          <a:solidFill>
+            <a:schemeClr val="tx1"/>
+          </a:solidFill>
+          <a:latin typeface="+mn-lt"/>
+          <a:ea typeface="+mn-ea"/>
+          <a:cs typeface="+mn-cs"/>
+        </a:defRPr>
+      </a:lvl8pPr>
+      <a:lvl9pPr marL="3886200" indent="-228600" algn="l" defTabSz="914400" rtl="0" eaLnBrk="1" latinLnBrk="0" hangingPunct="1">
+        <a:lnSpc>
+          <a:spcPct val="90000"/>
+        </a:lnSpc>
+        <a:spcBef>
+          <a:spcPts val="500"/>
+        </a:spcBef>
+        <a:buFont typeface="Arial" panose="020B0604020202020204" pitchFamily="34" charset="0"/>
+        <a:buChar char="•"/>
+        <a:defRPr sz="1800" kern="1200">
+          <a:solidFill>
+            <a:schemeClr val="tx1"/>
+          </a:solidFill>
+          <a:latin typeface="+mn-lt"/>
+          <a:ea typeface="+mn-ea"/>
+          <a:cs typeface="+mn-cs"/>
+        </a:defRPr>
+      </a:lvl9pPr>
+    </p:bodyStyle>
+    <p:otherStyle>
+      <a:defPPr>
+        <a:defRPr lang="sl-SI"/>
+      </a:defPPr>
+      <a:lvl1pPr marL="0" algn="l" defTabSz="914400" rtl="0" eaLnBrk="1" latinLnBrk="0" hangingPunct="1">
+        <a:defRPr sz="1800" kern="1200">
+          <a:solidFill>
+            <a:schemeClr val="tx1"/>
+          </a:solidFill>
+          <a:latin typeface="+mn-lt"/>
+          <a:ea typeface="+mn-ea"/>
+          <a:cs typeface="+mn-cs"/>
+        </a:defRPr>
+      </a:lvl1pPr>
+      <a:lvl2pPr marL="457200" algn="l" defTabSz="914400" rtl="0" eaLnBrk="1" latinLnBrk="0" hangingPunct="1">
+        <a:defRPr sz="1800" kern="1200">
+          <a:solidFill>
+            <a:schemeClr val="tx1"/>
+          </a:solidFill>
+          <a:latin typeface="+mn-lt"/>
+          <a:ea typeface="+mn-ea"/>
+          <a:cs typeface="+mn-cs"/>
+        </a:defRPr>
+      </a:lvl2pPr>
+      <a:lvl3pPr marL="914400" algn="l" defTabSz="914400" rtl="0" eaLnBrk="1" latinLnBrk="0" hangingPunct="1">
+        <a:defRPr sz="1800" kern="1200">
+          <a:solidFill>
+            <a:schemeClr val="tx1"/>
+          </a:solidFill>
+          <a:latin typeface="+mn-lt"/>
+          <a:ea typeface="+mn-ea"/>
+          <a:cs typeface="+mn-cs"/>
+        </a:defRPr>
+      </a:lvl3pPr>
+      <a:lvl4pPr marL="1371600" algn="l" defTabSz="914400" rtl="0" eaLnBrk="1" latinLnBrk="0" hangingPunct="1">
+        <a:defRPr sz="1800" kern="1200">
+          <a:solidFill>
+            <a:schemeClr val="tx1"/>
+          </a:solidFill>
+          <a:latin typeface="+mn-lt"/>
+          <a:ea typeface="+mn-ea"/>
+          <a:cs typeface="+mn-cs"/>
+        </a:defRPr>
+      </a:lvl4pPr>
+      <a:lvl5pPr marL="1828800" algn="l" defTabSz="914400" rtl="0" eaLnBrk="1" latinLnBrk="0" hangingPunct="1">
+        <a:defRPr sz="1800" kern="1200">
+          <a:solidFill>
+            <a:schemeClr val="tx1"/>
+          </a:solidFill>
+          <a:latin typeface="+mn-lt"/>
+          <a:ea typeface="+mn-ea"/>
+          <a:cs typeface="+mn-cs"/>
+        </a:defRPr>
+      </a:lvl5pPr>
+      <a:lvl6pPr marL="2286000" algn="l" defTabSz="914400" rtl="0" eaLnBrk="1" latinLnBrk="0" hangingPunct="1">
+        <a:defRPr sz="1800" kern="1200">
+          <a:solidFill>
+            <a:schemeClr val="tx1"/>
+          </a:solidFill>
+          <a:latin typeface="+mn-lt"/>
+          <a:ea typeface="+mn-ea"/>
+          <a:cs typeface="+mn-cs"/>
+        </a:defRPr>
+      </a:lvl6pPr>
+      <a:lvl7pPr marL="2743200" algn="l" defTabSz="914400" rtl="0" eaLnBrk="1" latinLnBrk="0" hangingPunct="1">
+        <a:defRPr sz="1800" kern="1200">
+          <a:solidFill>
+            <a:schemeClr val="tx1"/>
+          </a:solidFill>
+          <a:latin typeface="+mn-lt"/>
+          <a:ea typeface="+mn-ea"/>
+          <a:cs typeface="+mn-cs"/>
+        </a:defRPr>
+      </a:lvl7pPr>
+      <a:lvl8pPr marL="3200400" algn="l" defTabSz="914400" rtl="0" eaLnBrk="1" latinLnBrk="0" hangingPunct="1">
+        <a:defRPr sz="1800" kern="1200">
+          <a:solidFill>
+            <a:schemeClr val="tx1"/>
+          </a:solidFill>
+          <a:latin typeface="+mn-lt"/>
+          <a:ea typeface="+mn-ea"/>
+          <a:cs typeface="+mn-cs"/>
+        </a:defRPr>
+      </a:lvl8pPr>
+      <a:lvl9pPr marL="3657600" algn="l" defTabSz="914400" rtl="0" eaLnBrk="1" latinLnBrk="0" hangingPunct="1">
+        <a:defRPr sz="1800" kern="1200">
+          <a:solidFill>
+            <a:schemeClr val="tx1"/>
+          </a:solidFill>
+          <a:latin typeface="+mn-lt"/>
+          <a:ea typeface="+mn-ea"/>
+          <a:cs typeface="+mn-cs"/>
+        </a:defRPr>
+      </a:lvl9pPr>
+    </p:otherStyle>
+  </p:txStyles>
 </p:sldMaster>
 </file>
 
 <file path=ppt/slides/slide1.xml><?xml version="1.0" encoding="utf-8"?>
-<p:sld xmlns:a="http://schemas.openxmlformats.org/drawingml/2006/main" xmlns:p="http://schemas.openxmlformats.org/presentationml/2006/main" xmlns:r="http://schemas.openxmlformats.org/officeDocument/2006/relationships" xmlns:p14="http://schemas.microsoft.com/office/powerpoint/2010/main" xmlns:p15="http://schemas.microsoft.com/office/powerpoint/2012/main" xmlns:mc="http://schemas.openxmlformats.org/markup-compatibility/2006">
+<p:sld xmlns:a="http://schemas.openxmlformats.org/drawingml/2006/main" xmlns:r="http://schemas.openxmlformats.org/officeDocument/2006/relationships" xmlns:p="http://schemas.openxmlformats.org/presentationml/2006/main">
   <p:cSld>
     <p:spTree>
       <p:nvGrpSpPr>
@@ -9321,8 +10393,9 @@
         </p:spPr>
         <p:txBody>
           <a:bodyPr anchor="t">
-            <a:normAutofit fontScale="90000"/>
-          </a:bodyPr>
+            <a:normAutofit/>
+          </a:bodyPr>
+          <a:lstStyle/>
           <a:p>
             <a:pPr>
               <a:lnSpc>
@@ -9331,15 +10404,132 @@
               <a:buNone/>
             </a:pPr>
             <a:r>
-              <a:rPr b="0" lang="en-US" sz="2400" spc="-1" strike="noStrike">
+              <a:rPr lang="en-US" sz="2400" b="0" strike="noStrike" spc="-1" dirty="0" err="1">
                 <a:solidFill>
                   <a:srgbClr val="000000"/>
                 </a:solidFill>
                 <a:latin typeface="Calibri Light"/>
               </a:rPr>
-              <a:t>Naslov projekta naj bo kratek, informativen in naj povzame bistvo projekta</a:t>
-            </a:r>
-            <a:endParaRPr b="0" lang="en-US" sz="2400" spc="-1" strike="noStrike">
+              <a:t>Zaradi</a:t>
+            </a:r>
+            <a:r>
+              <a:rPr lang="en-US" sz="2400" b="0" strike="noStrike" spc="-1" dirty="0">
+                <a:solidFill>
+                  <a:srgbClr val="000000"/>
+                </a:solidFill>
+                <a:latin typeface="Calibri Light"/>
+              </a:rPr>
+              <a:t> </a:t>
+            </a:r>
+            <a:r>
+              <a:rPr lang="en-US" sz="2400" b="0" strike="noStrike" spc="-1" dirty="0" err="1">
+                <a:solidFill>
+                  <a:srgbClr val="000000"/>
+                </a:solidFill>
+                <a:latin typeface="Calibri Light"/>
+              </a:rPr>
+              <a:t>česa</a:t>
+            </a:r>
+            <a:r>
+              <a:rPr lang="en-US" sz="2400" b="0" strike="noStrike" spc="-1" dirty="0">
+                <a:solidFill>
+                  <a:srgbClr val="000000"/>
+                </a:solidFill>
+                <a:latin typeface="Calibri Light"/>
+              </a:rPr>
+              <a:t> </a:t>
+            </a:r>
+            <a:r>
+              <a:rPr lang="en-US" sz="2400" b="0" strike="noStrike" spc="-1" dirty="0" err="1">
+                <a:solidFill>
+                  <a:srgbClr val="000000"/>
+                </a:solidFill>
+                <a:latin typeface="Calibri Light"/>
+              </a:rPr>
+              <a:t>boš</a:t>
+            </a:r>
+            <a:r>
+              <a:rPr lang="en-US" sz="2400" b="0" strike="noStrike" spc="-1" dirty="0">
+                <a:solidFill>
+                  <a:srgbClr val="000000"/>
+                </a:solidFill>
+                <a:latin typeface="Calibri Light"/>
+              </a:rPr>
+              <a:t> </a:t>
+            </a:r>
+            <a:r>
+              <a:rPr lang="en-US" sz="2400" b="0" strike="noStrike" spc="-1" dirty="0" err="1">
+                <a:solidFill>
+                  <a:srgbClr val="000000"/>
+                </a:solidFill>
+                <a:latin typeface="Calibri Light"/>
+              </a:rPr>
+              <a:t>umrl</a:t>
+            </a:r>
+            <a:r>
+              <a:rPr lang="en-US" sz="2400" b="0" strike="noStrike" spc="-1" dirty="0">
+                <a:solidFill>
+                  <a:srgbClr val="000000"/>
+                </a:solidFill>
+                <a:latin typeface="Calibri Light"/>
+              </a:rPr>
+              <a:t>, </a:t>
+            </a:r>
+            <a:r>
+              <a:rPr lang="en-US" sz="2400" b="0" strike="noStrike" spc="-1" dirty="0" err="1">
+                <a:solidFill>
+                  <a:srgbClr val="000000"/>
+                </a:solidFill>
+                <a:latin typeface="Calibri Light"/>
+              </a:rPr>
+              <a:t>če</a:t>
+            </a:r>
+            <a:r>
+              <a:rPr lang="en-US" sz="2400" b="0" strike="noStrike" spc="-1" dirty="0">
+                <a:solidFill>
+                  <a:srgbClr val="000000"/>
+                </a:solidFill>
+                <a:latin typeface="Calibri Light"/>
+              </a:rPr>
+              <a:t> </a:t>
+            </a:r>
+            <a:r>
+              <a:rPr lang="en-US" sz="2400" b="0" strike="noStrike" spc="-1" dirty="0" err="1">
+                <a:solidFill>
+                  <a:srgbClr val="000000"/>
+                </a:solidFill>
+                <a:latin typeface="Calibri Light"/>
+              </a:rPr>
+              <a:t>živiš</a:t>
+            </a:r>
+            <a:r>
+              <a:rPr lang="en-US" sz="2400" b="0" strike="noStrike" spc="-1" dirty="0">
+                <a:solidFill>
+                  <a:srgbClr val="000000"/>
+                </a:solidFill>
+                <a:latin typeface="Calibri Light"/>
+              </a:rPr>
+              <a:t> v </a:t>
+            </a:r>
+            <a:r>
+              <a:rPr lang="en-US" sz="2400" b="0" strike="noStrike" spc="-1" dirty="0" err="1">
+                <a:solidFill>
+                  <a:srgbClr val="000000"/>
+                </a:solidFill>
+                <a:latin typeface="Calibri Light"/>
+              </a:rPr>
+              <a:t>Sloveniji</a:t>
+            </a:r>
+            <a:r>
+              <a:rPr lang="en-US" sz="2400" b="0" strike="noStrike" spc="-1" dirty="0">
+                <a:solidFill>
+                  <a:srgbClr val="000000"/>
+                </a:solidFill>
+                <a:latin typeface="Calibri Light"/>
+              </a:rPr>
+              <a:t>?</a:t>
+            </a:r>
+            <a:endParaRPr lang="en-US" sz="2400" b="0" strike="noStrike" spc="-1" dirty="0">
               <a:solidFill>
                 <a:srgbClr val="000000"/>
               </a:solidFill>
@@ -9377,6 +10567,7 @@
           <a:bodyPr anchor="t">
             <a:normAutofit fontScale="98000"/>
           </a:bodyPr>
+          <a:lstStyle/>
           <a:p>
             <a:pPr>
               <a:lnSpc>
@@ -9387,11 +10578,11 @@
               </a:spcBef>
               <a:buNone/>
               <a:tabLst>
-                <a:tab algn="l" pos="0"/>
+                <a:tab pos="0" algn="l"/>
               </a:tabLst>
             </a:pPr>
             <a:r>
-              <a:rPr b="1" lang="en-US" sz="1600" spc="-1" strike="noStrike">
+              <a:rPr lang="en-US" sz="1600" b="1" strike="noStrike" spc="-1" dirty="0" err="1">
                 <a:solidFill>
                   <a:srgbClr val="000000"/>
                 </a:solidFill>
@@ -9399,7 +10590,7 @@
               </a:rPr>
               <a:t>Podatki</a:t>
             </a:r>
-            <a:endParaRPr b="0" lang="en-US" sz="1600" spc="-1" strike="noStrike">
+            <a:endParaRPr lang="en-US" sz="1600" b="0" strike="noStrike" spc="-1" dirty="0">
               <a:solidFill>
                 <a:srgbClr val="000000"/>
               </a:solidFill>
@@ -9420,24 +10611,226 @@
               <a:buFont typeface="Arial"/>
               <a:buChar char="-"/>
               <a:tabLst>
-                <a:tab algn="l" pos="0"/>
+                <a:tab pos="0" algn="l"/>
               </a:tabLst>
             </a:pPr>
             <a:r>
-              <a:rPr b="0" lang="en-US" sz="1600" spc="-1" strike="noStrike">
-                <a:solidFill>
-                  <a:srgbClr val="000000"/>
-                </a:solidFill>
-                <a:latin typeface="Calibri"/>
-              </a:rPr>
-              <a:t>viri podatkov (navedi povezavo do podatkov, boste uporabljali en ali več virov?)</a:t>
-            </a:r>
-            <a:endParaRPr b="0" lang="en-US" sz="1600" spc="-1" strike="noStrike">
-              <a:solidFill>
-                <a:srgbClr val="000000"/>
-              </a:solidFill>
-              <a:latin typeface="Calibri"/>
-            </a:endParaRPr>
+              <a:rPr lang="en-US" sz="1600" b="0" strike="noStrike" spc="-1" dirty="0" err="1">
+                <a:solidFill>
+                  <a:srgbClr val="000000"/>
+                </a:solidFill>
+                <a:latin typeface="Calibri"/>
+              </a:rPr>
+              <a:t>viri</a:t>
+            </a:r>
+            <a:r>
+              <a:rPr lang="en-US" sz="1600" b="0" strike="noStrike" spc="-1" dirty="0">
+                <a:solidFill>
+                  <a:srgbClr val="000000"/>
+                </a:solidFill>
+                <a:latin typeface="Calibri"/>
+              </a:rPr>
+              <a:t> </a:t>
+            </a:r>
+            <a:r>
+              <a:rPr lang="en-US" sz="1600" b="0" strike="noStrike" spc="-1" dirty="0" err="1">
+                <a:solidFill>
+                  <a:srgbClr val="000000"/>
+                </a:solidFill>
+                <a:latin typeface="Calibri"/>
+              </a:rPr>
+              <a:t>podatkov</a:t>
+            </a:r>
+            <a:r>
+              <a:rPr lang="en-US" sz="1600" b="0" strike="noStrike" spc="-1" dirty="0">
+                <a:solidFill>
+                  <a:srgbClr val="000000"/>
+                </a:solidFill>
+                <a:latin typeface="Calibri"/>
+              </a:rPr>
+              <a:t> (</a:t>
+            </a:r>
+            <a:r>
+              <a:rPr lang="en-US" sz="1600" b="0" strike="noStrike" spc="-1" dirty="0" err="1">
+                <a:solidFill>
+                  <a:srgbClr val="000000"/>
+                </a:solidFill>
+                <a:latin typeface="Calibri"/>
+              </a:rPr>
+              <a:t>navedi</a:t>
+            </a:r>
+            <a:r>
+              <a:rPr lang="en-US" sz="1600" b="0" strike="noStrike" spc="-1" dirty="0">
+                <a:solidFill>
+                  <a:srgbClr val="000000"/>
+                </a:solidFill>
+                <a:latin typeface="Calibri"/>
+              </a:rPr>
+              <a:t> </a:t>
+            </a:r>
+            <a:r>
+              <a:rPr lang="en-US" sz="1600" b="0" strike="noStrike" spc="-1" dirty="0" err="1">
+                <a:solidFill>
+                  <a:srgbClr val="000000"/>
+                </a:solidFill>
+                <a:latin typeface="Calibri"/>
+              </a:rPr>
+              <a:t>povezavo</a:t>
+            </a:r>
+            <a:r>
+              <a:rPr lang="en-US" sz="1600" b="0" strike="noStrike" spc="-1" dirty="0">
+                <a:solidFill>
+                  <a:srgbClr val="000000"/>
+                </a:solidFill>
+                <a:latin typeface="Calibri"/>
+              </a:rPr>
+              <a:t> do </a:t>
+            </a:r>
+            <a:r>
+              <a:rPr lang="en-US" sz="1600" b="0" strike="noStrike" spc="-1" dirty="0" err="1">
+                <a:solidFill>
+                  <a:srgbClr val="000000"/>
+                </a:solidFill>
+                <a:latin typeface="Calibri"/>
+              </a:rPr>
+              <a:t>podatkov</a:t>
+            </a:r>
+            <a:r>
+              <a:rPr lang="en-US" sz="1600" b="0" strike="noStrike" spc="-1" dirty="0">
+                <a:solidFill>
+                  <a:srgbClr val="000000"/>
+                </a:solidFill>
+                <a:latin typeface="Calibri"/>
+              </a:rPr>
+              <a:t>, </a:t>
+            </a:r>
+            <a:r>
+              <a:rPr lang="en-US" sz="1600" b="0" strike="noStrike" spc="-1" dirty="0" err="1">
+                <a:solidFill>
+                  <a:srgbClr val="000000"/>
+                </a:solidFill>
+                <a:latin typeface="Calibri"/>
+              </a:rPr>
+              <a:t>boste</a:t>
+            </a:r>
+            <a:r>
+              <a:rPr lang="en-US" sz="1600" b="0" strike="noStrike" spc="-1" dirty="0">
+                <a:solidFill>
+                  <a:srgbClr val="000000"/>
+                </a:solidFill>
+                <a:latin typeface="Calibri"/>
+              </a:rPr>
+              <a:t> </a:t>
+            </a:r>
+            <a:r>
+              <a:rPr lang="en-US" sz="1600" b="0" strike="noStrike" spc="-1" dirty="0" err="1">
+                <a:solidFill>
+                  <a:srgbClr val="000000"/>
+                </a:solidFill>
+                <a:latin typeface="Calibri"/>
+              </a:rPr>
+              <a:t>uporabljali</a:t>
+            </a:r>
+            <a:r>
+              <a:rPr lang="en-US" sz="1600" b="0" strike="noStrike" spc="-1" dirty="0">
+                <a:solidFill>
+                  <a:srgbClr val="000000"/>
+                </a:solidFill>
+                <a:latin typeface="Calibri"/>
+              </a:rPr>
+              <a:t> </a:t>
+            </a:r>
+            <a:r>
+              <a:rPr lang="en-US" sz="1600" b="0" strike="noStrike" spc="-1" dirty="0" err="1">
+                <a:solidFill>
+                  <a:srgbClr val="000000"/>
+                </a:solidFill>
+                <a:latin typeface="Calibri"/>
+              </a:rPr>
+              <a:t>en</a:t>
+            </a:r>
+            <a:r>
+              <a:rPr lang="en-US" sz="1600" b="0" strike="noStrike" spc="-1" dirty="0">
+                <a:solidFill>
+                  <a:srgbClr val="000000"/>
+                </a:solidFill>
+                <a:latin typeface="Calibri"/>
+              </a:rPr>
+              <a:t> </a:t>
+            </a:r>
+            <a:r>
+              <a:rPr lang="en-US" sz="1600" b="0" strike="noStrike" spc="-1" dirty="0" err="1">
+                <a:solidFill>
+                  <a:srgbClr val="000000"/>
+                </a:solidFill>
+                <a:latin typeface="Calibri"/>
+              </a:rPr>
+              <a:t>ali</a:t>
+            </a:r>
+            <a:r>
+              <a:rPr lang="en-US" sz="1600" b="0" strike="noStrike" spc="-1" dirty="0">
+                <a:solidFill>
+                  <a:srgbClr val="000000"/>
+                </a:solidFill>
+                <a:latin typeface="Calibri"/>
+              </a:rPr>
+              <a:t> </a:t>
+            </a:r>
+            <a:r>
+              <a:rPr lang="en-US" sz="1600" b="0" strike="noStrike" spc="-1" dirty="0" err="1">
+                <a:solidFill>
+                  <a:srgbClr val="000000"/>
+                </a:solidFill>
+                <a:latin typeface="Calibri"/>
+              </a:rPr>
+              <a:t>več</a:t>
+            </a:r>
+            <a:r>
+              <a:rPr lang="en-US" sz="1600" b="0" strike="noStrike" spc="-1" dirty="0">
+                <a:solidFill>
+                  <a:srgbClr val="000000"/>
+                </a:solidFill>
+                <a:latin typeface="Calibri"/>
+              </a:rPr>
+              <a:t> </a:t>
+            </a:r>
+            <a:r>
+              <a:rPr lang="en-US" sz="1600" b="0" strike="noStrike" spc="-1" dirty="0" err="1">
+                <a:solidFill>
+                  <a:srgbClr val="000000"/>
+                </a:solidFill>
+                <a:latin typeface="Calibri"/>
+              </a:rPr>
+              <a:t>virov</a:t>
+            </a:r>
+            <a:r>
+              <a:rPr lang="en-US" sz="1600" b="0" strike="noStrike" spc="-1">
+                <a:solidFill>
+                  <a:srgbClr val="000000"/>
+                </a:solidFill>
+                <a:latin typeface="Calibri"/>
+              </a:rPr>
+              <a:t>?) -&gt; </a:t>
+            </a:r>
+            <a:r>
+              <a:rPr lang="en-US" sz="1600" b="0" strike="noStrike" spc="-1">
+                <a:solidFill>
+                  <a:srgbClr val="000000"/>
+                </a:solidFill>
+                <a:latin typeface="Calibri"/>
+                <a:hlinkClick r:id="rId2"/>
+              </a:rPr>
+              <a:t>https://podatki.gov.si/dataset/surs05l3016s</a:t>
+            </a:r>
+            <a:r>
+              <a:rPr lang="en-US" sz="1600" b="0" strike="noStrike" spc="-1">
+                <a:solidFill>
+                  <a:srgbClr val="000000"/>
+                </a:solidFill>
+                <a:latin typeface="Calibri"/>
+              </a:rPr>
+              <a:t> </a:t>
+            </a:r>
           </a:p>
           <a:p>
             <a:pPr marL="171360" indent="-171360">
@@ -9453,24 +10846,153 @@
               <a:buFont typeface="Arial"/>
               <a:buChar char="-"/>
               <a:tabLst>
-                <a:tab algn="l" pos="0"/>
+                <a:tab pos="0" algn="l"/>
               </a:tabLst>
             </a:pPr>
             <a:r>
-              <a:rPr b="0" lang="en-US" sz="1600" spc="-1" strike="noStrike">
-                <a:solidFill>
-                  <a:srgbClr val="000000"/>
-                </a:solidFill>
-                <a:latin typeface="Calibri"/>
-              </a:rPr>
-              <a:t>prvotni namen zbiranja (zakaj so jih avtorji zbirali oz. uporabili)</a:t>
-            </a:r>
-            <a:endParaRPr b="0" lang="en-US" sz="1600" spc="-1" strike="noStrike">
-              <a:solidFill>
-                <a:srgbClr val="000000"/>
-              </a:solidFill>
-              <a:latin typeface="Calibri"/>
-            </a:endParaRPr>
+              <a:rPr lang="en-US" sz="1600" b="0" strike="noStrike" spc="-1" dirty="0" err="1">
+                <a:solidFill>
+                  <a:srgbClr val="000000"/>
+                </a:solidFill>
+                <a:latin typeface="Calibri"/>
+              </a:rPr>
+              <a:t>prvotni</a:t>
+            </a:r>
+            <a:r>
+              <a:rPr lang="en-US" sz="1600" b="0" strike="noStrike" spc="-1" dirty="0">
+                <a:solidFill>
+                  <a:srgbClr val="000000"/>
+                </a:solidFill>
+                <a:latin typeface="Calibri"/>
+              </a:rPr>
+              <a:t> </a:t>
+            </a:r>
+            <a:r>
+              <a:rPr lang="en-US" sz="1600" b="0" strike="noStrike" spc="-1" dirty="0" err="1">
+                <a:solidFill>
+                  <a:srgbClr val="000000"/>
+                </a:solidFill>
+                <a:latin typeface="Calibri"/>
+              </a:rPr>
+              <a:t>namen</a:t>
+            </a:r>
+            <a:r>
+              <a:rPr lang="en-US" sz="1600" b="0" strike="noStrike" spc="-1" dirty="0">
+                <a:solidFill>
+                  <a:srgbClr val="000000"/>
+                </a:solidFill>
+                <a:latin typeface="Calibri"/>
+              </a:rPr>
+              <a:t> </a:t>
+            </a:r>
+            <a:r>
+              <a:rPr lang="en-US" sz="1600" b="0" strike="noStrike" spc="-1" dirty="0" err="1">
+                <a:solidFill>
+                  <a:srgbClr val="000000"/>
+                </a:solidFill>
+                <a:latin typeface="Calibri"/>
+              </a:rPr>
+              <a:t>zbiranja</a:t>
+            </a:r>
+            <a:r>
+              <a:rPr lang="en-US" sz="1600" b="0" strike="noStrike" spc="-1" dirty="0">
+                <a:solidFill>
+                  <a:srgbClr val="000000"/>
+                </a:solidFill>
+                <a:latin typeface="Calibri"/>
+              </a:rPr>
+              <a:t> (</a:t>
+            </a:r>
+            <a:r>
+              <a:rPr lang="en-US" sz="1600" b="0" strike="noStrike" spc="-1" dirty="0" err="1">
+                <a:solidFill>
+                  <a:srgbClr val="000000"/>
+                </a:solidFill>
+                <a:latin typeface="Calibri"/>
+              </a:rPr>
+              <a:t>zakaj</a:t>
+            </a:r>
+            <a:r>
+              <a:rPr lang="en-US" sz="1600" b="0" strike="noStrike" spc="-1" dirty="0">
+                <a:solidFill>
+                  <a:srgbClr val="000000"/>
+                </a:solidFill>
+                <a:latin typeface="Calibri"/>
+              </a:rPr>
+              <a:t> so </a:t>
+            </a:r>
+            <a:r>
+              <a:rPr lang="en-US" sz="1600" b="0" strike="noStrike" spc="-1" dirty="0" err="1">
+                <a:solidFill>
+                  <a:srgbClr val="000000"/>
+                </a:solidFill>
+                <a:latin typeface="Calibri"/>
+              </a:rPr>
+              <a:t>jih</a:t>
+            </a:r>
+            <a:r>
+              <a:rPr lang="en-US" sz="1600" b="0" strike="noStrike" spc="-1" dirty="0">
+                <a:solidFill>
+                  <a:srgbClr val="000000"/>
+                </a:solidFill>
+                <a:latin typeface="Calibri"/>
+              </a:rPr>
+              <a:t> </a:t>
+            </a:r>
+            <a:r>
+              <a:rPr lang="en-US" sz="1600" b="0" strike="noStrike" spc="-1" dirty="0" err="1">
+                <a:solidFill>
+                  <a:srgbClr val="000000"/>
+                </a:solidFill>
+                <a:latin typeface="Calibri"/>
+              </a:rPr>
+              <a:t>avtorji</a:t>
+            </a:r>
+            <a:r>
+              <a:rPr lang="en-US" sz="1600" b="0" strike="noStrike" spc="-1" dirty="0">
+                <a:solidFill>
+                  <a:srgbClr val="000000"/>
+                </a:solidFill>
+                <a:latin typeface="Calibri"/>
+              </a:rPr>
+              <a:t> </a:t>
+            </a:r>
+            <a:r>
+              <a:rPr lang="en-US" sz="1600" b="0" strike="noStrike" spc="-1" dirty="0" err="1">
+                <a:solidFill>
+                  <a:srgbClr val="000000"/>
+                </a:solidFill>
+                <a:latin typeface="Calibri"/>
+              </a:rPr>
+              <a:t>zbirali</a:t>
+            </a:r>
+            <a:r>
+              <a:rPr lang="en-US" sz="1600" b="0" strike="noStrike" spc="-1" dirty="0">
+                <a:solidFill>
+                  <a:srgbClr val="000000"/>
+                </a:solidFill>
+                <a:latin typeface="Calibri"/>
+              </a:rPr>
+              <a:t> oz. </a:t>
+            </a:r>
+            <a:r>
+              <a:rPr lang="en-US" sz="1600" b="0" strike="noStrike" spc="-1" dirty="0" err="1">
+                <a:solidFill>
+                  <a:srgbClr val="000000"/>
+                </a:solidFill>
+                <a:latin typeface="Calibri"/>
+              </a:rPr>
+              <a:t>uporabili</a:t>
+            </a:r>
+            <a:r>
+              <a:rPr lang="en-US" sz="1600" b="0" strike="noStrike" spc="-1" dirty="0">
+                <a:solidFill>
+                  <a:srgbClr val="000000"/>
+                </a:solidFill>
+                <a:latin typeface="Calibri"/>
+              </a:rPr>
+              <a:t>)</a:t>
+            </a:r>
           </a:p>
           <a:p>
             <a:pPr marL="171360" indent="-171360">
@@ -9486,24 +11008,270 @@
               <a:buFont typeface="Arial"/>
               <a:buChar char="-"/>
               <a:tabLst>
-                <a:tab algn="l" pos="0"/>
+                <a:tab pos="0" algn="l"/>
               </a:tabLst>
             </a:pPr>
             <a:r>
-              <a:rPr b="0" lang="en-US" sz="1600" spc="-1" strike="noStrike">
-                <a:solidFill>
-                  <a:srgbClr val="000000"/>
-                </a:solidFill>
-                <a:latin typeface="Calibri"/>
-              </a:rPr>
-              <a:t>tip podatkov (besedila, slike, meritve, števci, statistike,…) in obseg podatkov (koliko primerov, koliko atributov, koliko razredov, …)</a:t>
-            </a:r>
-            <a:endParaRPr b="0" lang="en-US" sz="1600" spc="-1" strike="noStrike">
-              <a:solidFill>
-                <a:srgbClr val="000000"/>
-              </a:solidFill>
-              <a:latin typeface="Calibri"/>
-            </a:endParaRPr>
+              <a:rPr lang="en-US" sz="1600" b="0" strike="noStrike" spc="-1" dirty="0">
+                <a:solidFill>
+                  <a:srgbClr val="000000"/>
+                </a:solidFill>
+                <a:latin typeface="Calibri"/>
+              </a:rPr>
+              <a:t>tip </a:t>
+            </a:r>
+            <a:r>
+              <a:rPr lang="en-US" sz="1600" b="0" strike="noStrike" spc="-1" dirty="0" err="1">
+                <a:solidFill>
+                  <a:srgbClr val="000000"/>
+                </a:solidFill>
+                <a:latin typeface="Calibri"/>
+              </a:rPr>
+              <a:t>podatkov</a:t>
+            </a:r>
+            <a:r>
+              <a:rPr lang="en-US" sz="1600" b="0" strike="noStrike" spc="-1" dirty="0">
+                <a:solidFill>
+                  <a:srgbClr val="000000"/>
+                </a:solidFill>
+                <a:latin typeface="Calibri"/>
+              </a:rPr>
+              <a:t> (</a:t>
+            </a:r>
+            <a:r>
+              <a:rPr lang="en-US" sz="1600" b="0" strike="noStrike" spc="-1" dirty="0" err="1">
+                <a:solidFill>
+                  <a:srgbClr val="000000"/>
+                </a:solidFill>
+                <a:latin typeface="Calibri"/>
+              </a:rPr>
+              <a:t>besedila</a:t>
+            </a:r>
+            <a:r>
+              <a:rPr lang="en-US" sz="1600" b="0" strike="noStrike" spc="-1" dirty="0">
+                <a:solidFill>
+                  <a:srgbClr val="000000"/>
+                </a:solidFill>
+                <a:latin typeface="Calibri"/>
+              </a:rPr>
+              <a:t>, </a:t>
+            </a:r>
+            <a:r>
+              <a:rPr lang="en-US" sz="1600" b="0" strike="noStrike" spc="-1" dirty="0" err="1">
+                <a:solidFill>
+                  <a:srgbClr val="000000"/>
+                </a:solidFill>
+                <a:latin typeface="Calibri"/>
+              </a:rPr>
+              <a:t>slike</a:t>
+            </a:r>
+            <a:r>
+              <a:rPr lang="en-US" sz="1600" b="0" strike="noStrike" spc="-1" dirty="0">
+                <a:solidFill>
+                  <a:srgbClr val="000000"/>
+                </a:solidFill>
+                <a:latin typeface="Calibri"/>
+              </a:rPr>
+              <a:t>, </a:t>
+            </a:r>
+            <a:r>
+              <a:rPr lang="en-US" sz="1600" b="0" strike="noStrike" spc="-1" dirty="0" err="1">
+                <a:solidFill>
+                  <a:srgbClr val="000000"/>
+                </a:solidFill>
+                <a:latin typeface="Calibri"/>
+              </a:rPr>
+              <a:t>meritve</a:t>
+            </a:r>
+            <a:r>
+              <a:rPr lang="en-US" sz="1600" b="0" strike="noStrike" spc="-1" dirty="0">
+                <a:solidFill>
+                  <a:srgbClr val="000000"/>
+                </a:solidFill>
+                <a:latin typeface="Calibri"/>
+              </a:rPr>
+              <a:t>, </a:t>
+            </a:r>
+            <a:r>
+              <a:rPr lang="en-US" sz="1600" b="0" strike="noStrike" spc="-1" dirty="0" err="1">
+                <a:solidFill>
+                  <a:srgbClr val="000000"/>
+                </a:solidFill>
+                <a:latin typeface="Calibri"/>
+              </a:rPr>
+              <a:t>števci</a:t>
+            </a:r>
+            <a:r>
+              <a:rPr lang="en-US" sz="1600" b="0" strike="noStrike" spc="-1" dirty="0">
+                <a:solidFill>
+                  <a:srgbClr val="000000"/>
+                </a:solidFill>
+                <a:latin typeface="Calibri"/>
+              </a:rPr>
+              <a:t>, </a:t>
+            </a:r>
+            <a:r>
+              <a:rPr lang="en-US" sz="1600" b="0" strike="noStrike" spc="-1" dirty="0" err="1">
+                <a:solidFill>
+                  <a:srgbClr val="000000"/>
+                </a:solidFill>
+                <a:latin typeface="Calibri"/>
+              </a:rPr>
+              <a:t>statistike</a:t>
+            </a:r>
+            <a:r>
+              <a:rPr lang="en-US" sz="1600" b="0" strike="noStrike" spc="-1" dirty="0">
+                <a:solidFill>
+                  <a:srgbClr val="000000"/>
+                </a:solidFill>
+                <a:latin typeface="Calibri"/>
+              </a:rPr>
+              <a:t>,…) in </a:t>
+            </a:r>
+            <a:r>
+              <a:rPr lang="en-US" sz="1600" b="0" strike="noStrike" spc="-1" dirty="0" err="1">
+                <a:solidFill>
+                  <a:srgbClr val="000000"/>
+                </a:solidFill>
+                <a:latin typeface="Calibri"/>
+              </a:rPr>
+              <a:t>obseg</a:t>
+            </a:r>
+            <a:r>
+              <a:rPr lang="en-US" sz="1600" b="0" strike="noStrike" spc="-1" dirty="0">
+                <a:solidFill>
+                  <a:srgbClr val="000000"/>
+                </a:solidFill>
+                <a:latin typeface="Calibri"/>
+              </a:rPr>
+              <a:t> </a:t>
+            </a:r>
+            <a:r>
+              <a:rPr lang="en-US" sz="1600" b="0" strike="noStrike" spc="-1" dirty="0" err="1">
+                <a:solidFill>
+                  <a:srgbClr val="000000"/>
+                </a:solidFill>
+                <a:latin typeface="Calibri"/>
+              </a:rPr>
+              <a:t>podatkov</a:t>
+            </a:r>
+            <a:r>
+              <a:rPr lang="en-US" sz="1600" b="0" strike="noStrike" spc="-1" dirty="0">
+                <a:solidFill>
+                  <a:srgbClr val="000000"/>
+                </a:solidFill>
+                <a:latin typeface="Calibri"/>
+              </a:rPr>
+              <a:t> (</a:t>
+            </a:r>
+            <a:r>
+              <a:rPr lang="en-US" sz="1600" b="0" strike="noStrike" spc="-1" dirty="0" err="1">
+                <a:solidFill>
+                  <a:srgbClr val="000000"/>
+                </a:solidFill>
+                <a:latin typeface="Calibri"/>
+              </a:rPr>
+              <a:t>koliko</a:t>
+            </a:r>
+            <a:r>
+              <a:rPr lang="en-US" sz="1600" b="0" strike="noStrike" spc="-1" dirty="0">
+                <a:solidFill>
+                  <a:srgbClr val="000000"/>
+                </a:solidFill>
+                <a:latin typeface="Calibri"/>
+              </a:rPr>
+              <a:t> </a:t>
+            </a:r>
+            <a:r>
+              <a:rPr lang="en-US" sz="1600" b="0" strike="noStrike" spc="-1" dirty="0" err="1">
+                <a:solidFill>
+                  <a:srgbClr val="000000"/>
+                </a:solidFill>
+                <a:latin typeface="Calibri"/>
+              </a:rPr>
+              <a:t>primerov</a:t>
+            </a:r>
+            <a:r>
+              <a:rPr lang="en-US" sz="1600" b="0" strike="noStrike" spc="-1" dirty="0">
+                <a:solidFill>
+                  <a:srgbClr val="000000"/>
+                </a:solidFill>
+                <a:latin typeface="Calibri"/>
+              </a:rPr>
+              <a:t>, </a:t>
+            </a:r>
+            <a:r>
+              <a:rPr lang="en-US" sz="1600" b="0" strike="noStrike" spc="-1" dirty="0" err="1">
+                <a:solidFill>
+                  <a:srgbClr val="000000"/>
+                </a:solidFill>
+                <a:latin typeface="Calibri"/>
+              </a:rPr>
+              <a:t>koliko</a:t>
+            </a:r>
+            <a:r>
+              <a:rPr lang="en-US" sz="1600" b="0" strike="noStrike" spc="-1" dirty="0">
+                <a:solidFill>
+                  <a:srgbClr val="000000"/>
+                </a:solidFill>
+                <a:latin typeface="Calibri"/>
+              </a:rPr>
+              <a:t> </a:t>
+            </a:r>
+            <a:r>
+              <a:rPr lang="en-US" sz="1600" b="0" strike="noStrike" spc="-1" dirty="0" err="1">
+                <a:solidFill>
+                  <a:srgbClr val="000000"/>
+                </a:solidFill>
+                <a:latin typeface="Calibri"/>
+              </a:rPr>
+              <a:t>atributov</a:t>
+            </a:r>
+            <a:r>
+              <a:rPr lang="en-US" sz="1600" b="0" strike="noStrike" spc="-1" dirty="0">
+                <a:solidFill>
+                  <a:srgbClr val="000000"/>
+                </a:solidFill>
+                <a:latin typeface="Calibri"/>
+              </a:rPr>
+              <a:t>, </a:t>
+            </a:r>
+            <a:r>
+              <a:rPr lang="en-US" sz="1600" b="0" strike="noStrike" spc="-1" dirty="0" err="1">
+                <a:solidFill>
+                  <a:srgbClr val="000000"/>
+                </a:solidFill>
+                <a:latin typeface="Calibri"/>
+              </a:rPr>
+              <a:t>koliko</a:t>
+            </a:r>
+            <a:r>
+              <a:rPr lang="en-US" sz="1600" b="0" strike="noStrike" spc="-1" dirty="0">
+                <a:solidFill>
+                  <a:srgbClr val="000000"/>
+                </a:solidFill>
+                <a:latin typeface="Calibri"/>
+              </a:rPr>
+              <a:t> </a:t>
+            </a:r>
+            <a:r>
+              <a:rPr lang="en-US" sz="1600" b="0" strike="noStrike" spc="-1" dirty="0" err="1">
+                <a:solidFill>
+                  <a:srgbClr val="000000"/>
+                </a:solidFill>
+                <a:latin typeface="Calibri"/>
+              </a:rPr>
+              <a:t>razredov</a:t>
+            </a:r>
+            <a:r>
+              <a:rPr lang="en-US" sz="1600" b="0" strike="noStrike" spc="-1" dirty="0">
+                <a:solidFill>
+                  <a:srgbClr val="000000"/>
+                </a:solidFill>
+                <a:latin typeface="Calibri"/>
+              </a:rPr>
+              <a:t>, …)</a:t>
+            </a:r>
           </a:p>
           <a:p>
             <a:pPr marL="171360" indent="-171360">
@@ -9519,19 +11287,109 @@
               <a:buFont typeface="Arial"/>
               <a:buChar char="-"/>
               <a:tabLst>
-                <a:tab algn="l" pos="0"/>
+                <a:tab pos="0" algn="l"/>
               </a:tabLst>
             </a:pPr>
             <a:r>
-              <a:rPr b="0" lang="en-US" sz="1600" spc="-1" strike="noStrike">
-                <a:solidFill>
-                  <a:srgbClr val="000000"/>
-                </a:solidFill>
-                <a:latin typeface="Calibri"/>
-              </a:rPr>
-              <a:t>število manjkajočih zapisov, napak, druge težave</a:t>
-            </a:r>
-            <a:endParaRPr b="0" lang="en-US" sz="1600" spc="-1" strike="noStrike">
+              <a:rPr lang="en-US" sz="1600" b="0" strike="noStrike" spc="-1" dirty="0" err="1">
+                <a:solidFill>
+                  <a:srgbClr val="000000"/>
+                </a:solidFill>
+                <a:latin typeface="Calibri"/>
+              </a:rPr>
+              <a:t>število</a:t>
+            </a:r>
+            <a:r>
+              <a:rPr lang="en-US" sz="1600" b="0" strike="noStrike" spc="-1" dirty="0">
+                <a:solidFill>
+                  <a:srgbClr val="000000"/>
+                </a:solidFill>
+                <a:latin typeface="Calibri"/>
+              </a:rPr>
+              <a:t> </a:t>
+            </a:r>
+            <a:r>
+              <a:rPr lang="en-US" sz="1600" b="0" strike="noStrike" spc="-1" dirty="0" err="1">
+                <a:solidFill>
+                  <a:srgbClr val="000000"/>
+                </a:solidFill>
+                <a:latin typeface="Calibri"/>
+              </a:rPr>
+              <a:t>manjkajočih</a:t>
+            </a:r>
+            <a:r>
+              <a:rPr lang="en-US" sz="1600" b="0" strike="noStrike" spc="-1" dirty="0">
+                <a:solidFill>
+                  <a:srgbClr val="000000"/>
+                </a:solidFill>
+                <a:latin typeface="Calibri"/>
+              </a:rPr>
+              <a:t> </a:t>
+            </a:r>
+            <a:r>
+              <a:rPr lang="en-US" sz="1600" b="0" strike="noStrike" spc="-1" dirty="0" err="1">
+                <a:solidFill>
+                  <a:srgbClr val="000000"/>
+                </a:solidFill>
+                <a:latin typeface="Calibri"/>
+              </a:rPr>
+              <a:t>zapisov</a:t>
+            </a:r>
+            <a:r>
+              <a:rPr lang="en-US" sz="1600" b="0" strike="noStrike" spc="-1" dirty="0">
+                <a:solidFill>
+                  <a:srgbClr val="000000"/>
+                </a:solidFill>
+                <a:latin typeface="Calibri"/>
+              </a:rPr>
+              <a:t>, </a:t>
+            </a:r>
+            <a:r>
+              <a:rPr lang="en-US" sz="1600" b="0" strike="noStrike" spc="-1" dirty="0" err="1">
+                <a:solidFill>
+                  <a:srgbClr val="000000"/>
+                </a:solidFill>
+                <a:latin typeface="Calibri"/>
+              </a:rPr>
+              <a:t>napak</a:t>
+            </a:r>
+            <a:r>
+              <a:rPr lang="en-US" sz="1600" b="0" strike="noStrike" spc="-1" dirty="0">
+                <a:solidFill>
+                  <a:srgbClr val="000000"/>
+                </a:solidFill>
+                <a:latin typeface="Calibri"/>
+              </a:rPr>
+              <a:t>, </a:t>
+            </a:r>
+            <a:r>
+              <a:rPr lang="en-US" sz="1600" b="0" strike="noStrike" spc="-1" dirty="0" err="1">
+                <a:solidFill>
+                  <a:srgbClr val="000000"/>
+                </a:solidFill>
+                <a:latin typeface="Calibri"/>
+              </a:rPr>
+              <a:t>druge</a:t>
+            </a:r>
+            <a:r>
+              <a:rPr lang="en-US" sz="1600" b="0" strike="noStrike" spc="-1" dirty="0">
+                <a:solidFill>
+                  <a:srgbClr val="000000"/>
+                </a:solidFill>
+                <a:latin typeface="Calibri"/>
+              </a:rPr>
+              <a:t> </a:t>
+            </a:r>
+            <a:r>
+              <a:rPr lang="en-US" sz="1600" b="0" strike="noStrike" spc="-1" dirty="0" err="1">
+                <a:solidFill>
+                  <a:srgbClr val="000000"/>
+                </a:solidFill>
+                <a:latin typeface="Calibri"/>
+              </a:rPr>
+              <a:t>težave</a:t>
+            </a:r>
+            <a:endParaRPr lang="en-US" sz="1600" b="0" strike="noStrike" spc="-1" dirty="0">
               <a:solidFill>
                 <a:srgbClr val="000000"/>
               </a:solidFill>
@@ -9552,24 +11410,171 @@
               <a:buFont typeface="Arial"/>
               <a:buChar char="-"/>
               <a:tabLst>
-                <a:tab algn="l" pos="0"/>
+                <a:tab pos="0" algn="l"/>
               </a:tabLst>
             </a:pPr>
             <a:r>
-              <a:rPr b="0" lang="en-US" sz="1600" spc="-1" strike="noStrike">
-                <a:solidFill>
-                  <a:srgbClr val="000000"/>
-                </a:solidFill>
-                <a:latin typeface="Calibri"/>
-              </a:rPr>
-              <a:t>opis predprocesiranja, da postanejo podatki “uporabni” (pretvorbe, filtriranje, obravnava napak…)</a:t>
-            </a:r>
-            <a:endParaRPr b="0" lang="en-US" sz="1600" spc="-1" strike="noStrike">
-              <a:solidFill>
-                <a:srgbClr val="000000"/>
-              </a:solidFill>
-              <a:latin typeface="Calibri"/>
-            </a:endParaRPr>
+              <a:rPr lang="en-US" sz="1600" b="0" strike="noStrike" spc="-1" dirty="0" err="1">
+                <a:solidFill>
+                  <a:srgbClr val="000000"/>
+                </a:solidFill>
+                <a:latin typeface="Calibri"/>
+              </a:rPr>
+              <a:t>opis</a:t>
+            </a:r>
+            <a:r>
+              <a:rPr lang="en-US" sz="1600" b="0" strike="noStrike" spc="-1" dirty="0">
+                <a:solidFill>
+                  <a:srgbClr val="000000"/>
+                </a:solidFill>
+                <a:latin typeface="Calibri"/>
+              </a:rPr>
+              <a:t> </a:t>
+            </a:r>
+            <a:r>
+              <a:rPr lang="en-US" sz="1600" b="0" strike="noStrike" spc="-1" dirty="0" err="1">
+                <a:solidFill>
+                  <a:srgbClr val="000000"/>
+                </a:solidFill>
+                <a:latin typeface="Calibri"/>
+              </a:rPr>
+              <a:t>predprocesiranja</a:t>
+            </a:r>
+            <a:r>
+              <a:rPr lang="en-US" sz="1600" b="0" strike="noStrike" spc="-1" dirty="0">
+                <a:solidFill>
+                  <a:srgbClr val="000000"/>
+                </a:solidFill>
+                <a:latin typeface="Calibri"/>
+              </a:rPr>
+              <a:t>, da </a:t>
+            </a:r>
+            <a:r>
+              <a:rPr lang="en-US" sz="1600" b="0" strike="noStrike" spc="-1" dirty="0" err="1">
+                <a:solidFill>
+                  <a:srgbClr val="000000"/>
+                </a:solidFill>
+                <a:latin typeface="Calibri"/>
+              </a:rPr>
+              <a:t>postanejo</a:t>
+            </a:r>
+            <a:r>
+              <a:rPr lang="en-US" sz="1600" b="0" strike="noStrike" spc="-1" dirty="0">
+                <a:solidFill>
+                  <a:srgbClr val="000000"/>
+                </a:solidFill>
+                <a:latin typeface="Calibri"/>
+              </a:rPr>
+              <a:t> </a:t>
+            </a:r>
+            <a:r>
+              <a:rPr lang="en-US" sz="1600" b="0" strike="noStrike" spc="-1" dirty="0" err="1">
+                <a:solidFill>
+                  <a:srgbClr val="000000"/>
+                </a:solidFill>
+                <a:latin typeface="Calibri"/>
+              </a:rPr>
+              <a:t>podatki</a:t>
+            </a:r>
+            <a:r>
+              <a:rPr lang="en-US" sz="1600" b="0" strike="noStrike" spc="-1" dirty="0">
+                <a:solidFill>
+                  <a:srgbClr val="000000"/>
+                </a:solidFill>
+                <a:latin typeface="Calibri"/>
+              </a:rPr>
+              <a:t> “</a:t>
+            </a:r>
+            <a:r>
+              <a:rPr lang="en-US" sz="1600" b="0" strike="noStrike" spc="-1" dirty="0" err="1">
+                <a:solidFill>
+                  <a:srgbClr val="000000"/>
+                </a:solidFill>
+                <a:latin typeface="Calibri"/>
+              </a:rPr>
+              <a:t>uporabni</a:t>
+            </a:r>
+            <a:r>
+              <a:rPr lang="en-US" sz="1600" b="0" strike="noStrike" spc="-1" dirty="0">
+                <a:solidFill>
+                  <a:srgbClr val="000000"/>
+                </a:solidFill>
+                <a:latin typeface="Calibri"/>
+              </a:rPr>
+              <a:t>” (</a:t>
+            </a:r>
+            <a:r>
+              <a:rPr lang="en-US" sz="1600" b="0" strike="noStrike" spc="-1" dirty="0" err="1">
+                <a:solidFill>
+                  <a:srgbClr val="000000"/>
+                </a:solidFill>
+                <a:latin typeface="Calibri"/>
+              </a:rPr>
+              <a:t>pretvorbe</a:t>
+            </a:r>
+            <a:r>
+              <a:rPr lang="en-US" sz="1600" b="0" strike="noStrike" spc="-1" dirty="0">
+                <a:solidFill>
+                  <a:srgbClr val="000000"/>
+                </a:solidFill>
+                <a:latin typeface="Calibri"/>
+              </a:rPr>
+              <a:t>, </a:t>
+            </a:r>
+            <a:r>
+              <a:rPr lang="en-US" sz="1600" b="0" strike="noStrike" spc="-1" dirty="0" err="1">
+                <a:solidFill>
+                  <a:srgbClr val="000000"/>
+                </a:solidFill>
+                <a:latin typeface="Calibri"/>
+              </a:rPr>
+              <a:t>filtriranje</a:t>
+            </a:r>
+            <a:r>
+              <a:rPr lang="en-US" sz="1600" b="0" strike="noStrike" spc="-1" dirty="0">
+                <a:solidFill>
+                  <a:srgbClr val="000000"/>
+                </a:solidFill>
+                <a:latin typeface="Calibri"/>
+              </a:rPr>
+              <a:t>, </a:t>
+            </a:r>
+            <a:r>
+              <a:rPr lang="en-US" sz="1600" b="0" strike="noStrike" spc="-1" dirty="0" err="1">
+                <a:solidFill>
+                  <a:srgbClr val="000000"/>
+                </a:solidFill>
+                <a:latin typeface="Calibri"/>
+              </a:rPr>
+              <a:t>obravnava</a:t>
+            </a:r>
+            <a:r>
+              <a:rPr lang="en-US" sz="1600" b="0" strike="noStrike" spc="-1" dirty="0">
+                <a:solidFill>
+                  <a:srgbClr val="000000"/>
+                </a:solidFill>
+                <a:latin typeface="Calibri"/>
+              </a:rPr>
+              <a:t> </a:t>
+            </a:r>
+            <a:r>
+              <a:rPr lang="en-US" sz="1600" b="0" strike="noStrike" spc="-1" dirty="0" err="1">
+                <a:solidFill>
+                  <a:srgbClr val="000000"/>
+                </a:solidFill>
+                <a:latin typeface="Calibri"/>
+              </a:rPr>
+              <a:t>napak</a:t>
+            </a:r>
+            <a:r>
+              <a:rPr lang="en-US" sz="1600" b="0" strike="noStrike" spc="-1" dirty="0">
+                <a:solidFill>
+                  <a:srgbClr val="000000"/>
+                </a:solidFill>
+                <a:latin typeface="Calibri"/>
+              </a:rPr>
+              <a:t>…)</a:t>
+            </a:r>
           </a:p>
           <a:p>
             <a:pPr marL="171360" indent="-171360">
@@ -9585,19 +11590,37 @@
               <a:buFont typeface="Arial"/>
               <a:buChar char="-"/>
               <a:tabLst>
-                <a:tab algn="l" pos="0"/>
+                <a:tab pos="0" algn="l"/>
               </a:tabLst>
             </a:pPr>
             <a:r>
-              <a:rPr b="0" lang="en-US" sz="1600" spc="-1" strike="noStrike">
-                <a:solidFill>
-                  <a:srgbClr val="000000"/>
-                </a:solidFill>
-                <a:latin typeface="Calibri"/>
-              </a:rPr>
-              <a:t>združevanje virov</a:t>
-            </a:r>
-            <a:endParaRPr b="0" lang="en-US" sz="1600" spc="-1" strike="noStrike">
+              <a:rPr lang="en-US" sz="1600" b="0" strike="noStrike" spc="-1" dirty="0" err="1">
+                <a:solidFill>
+                  <a:srgbClr val="000000"/>
+                </a:solidFill>
+                <a:latin typeface="Calibri"/>
+              </a:rPr>
+              <a:t>združevanje</a:t>
+            </a:r>
+            <a:r>
+              <a:rPr lang="en-US" sz="1600" b="0" strike="noStrike" spc="-1" dirty="0">
+                <a:solidFill>
+                  <a:srgbClr val="000000"/>
+                </a:solidFill>
+                <a:latin typeface="Calibri"/>
+              </a:rPr>
+              <a:t> </a:t>
+            </a:r>
+            <a:r>
+              <a:rPr lang="en-US" sz="1600" b="0" strike="noStrike" spc="-1" dirty="0" err="1">
+                <a:solidFill>
+                  <a:srgbClr val="000000"/>
+                </a:solidFill>
+                <a:latin typeface="Calibri"/>
+              </a:rPr>
+              <a:t>virov</a:t>
+            </a:r>
+            <a:endParaRPr lang="en-US" sz="1600" b="0" strike="noStrike" spc="-1" dirty="0">
               <a:solidFill>
                 <a:srgbClr val="000000"/>
               </a:solidFill>
@@ -9614,10 +11637,10 @@
               </a:spcBef>
               <a:buNone/>
               <a:tabLst>
-                <a:tab algn="l" pos="0"/>
+                <a:tab pos="0" algn="l"/>
               </a:tabLst>
             </a:pPr>
-            <a:endParaRPr b="0" lang="en-US" sz="1600" spc="-1" strike="noStrike">
+            <a:endParaRPr lang="en-US" sz="1600" b="0" strike="noStrike" spc="-1" dirty="0">
               <a:solidFill>
                 <a:srgbClr val="000000"/>
               </a:solidFill>
@@ -9634,19 +11657,91 @@
               </a:spcBef>
               <a:buNone/>
               <a:tabLst>
-                <a:tab algn="l" pos="0"/>
+                <a:tab pos="0" algn="l"/>
               </a:tabLst>
             </a:pPr>
             <a:r>
-              <a:rPr b="1" lang="en-US" sz="1600" spc="-1" strike="noStrike">
-                <a:solidFill>
-                  <a:srgbClr val="000000"/>
-                </a:solidFill>
-                <a:latin typeface="Calibri"/>
-              </a:rPr>
-              <a:t>Glavna vprašanja/cilji podatkovnega rudarjenja</a:t>
-            </a:r>
-            <a:endParaRPr b="0" lang="en-US" sz="1600" spc="-1" strike="noStrike">
+              <a:rPr lang="en-US" sz="1600" b="1" strike="noStrike" spc="-1" dirty="0" err="1">
+                <a:solidFill>
+                  <a:srgbClr val="000000"/>
+                </a:solidFill>
+                <a:latin typeface="Calibri"/>
+              </a:rPr>
+              <a:t>Glavna</a:t>
+            </a:r>
+            <a:r>
+              <a:rPr lang="en-US" sz="1600" b="1" strike="noStrike" spc="-1" dirty="0">
+                <a:solidFill>
+                  <a:srgbClr val="000000"/>
+                </a:solidFill>
+                <a:latin typeface="Calibri"/>
+              </a:rPr>
+              <a:t> </a:t>
+            </a:r>
+            <a:r>
+              <a:rPr lang="en-US" sz="1600" b="1" strike="noStrike" spc="-1" dirty="0" err="1">
+                <a:solidFill>
+                  <a:srgbClr val="000000"/>
+                </a:solidFill>
+                <a:latin typeface="Calibri"/>
+              </a:rPr>
+              <a:t>vprašanja</a:t>
+            </a:r>
+            <a:r>
+              <a:rPr lang="en-US" sz="1600" b="1" strike="noStrike" spc="-1" dirty="0">
+                <a:solidFill>
+                  <a:srgbClr val="000000"/>
+                </a:solidFill>
+                <a:latin typeface="Calibri"/>
+              </a:rPr>
+              <a:t>/</a:t>
+            </a:r>
+            <a:r>
+              <a:rPr lang="en-US" sz="1600" b="1" strike="noStrike" spc="-1" dirty="0" err="1">
+                <a:solidFill>
+                  <a:srgbClr val="000000"/>
+                </a:solidFill>
+                <a:latin typeface="Calibri"/>
+              </a:rPr>
+              <a:t>cilji</a:t>
+            </a:r>
+            <a:r>
+              <a:rPr lang="en-US" sz="1600" b="1" strike="noStrike" spc="-1" dirty="0">
+                <a:solidFill>
+                  <a:srgbClr val="000000"/>
+                </a:solidFill>
+                <a:latin typeface="Calibri"/>
+              </a:rPr>
+              <a:t> </a:t>
+            </a:r>
+            <a:r>
+              <a:rPr lang="en-US" sz="1600" b="1" strike="noStrike" spc="-1" dirty="0" err="1">
+                <a:solidFill>
+                  <a:srgbClr val="000000"/>
+                </a:solidFill>
+                <a:latin typeface="Calibri"/>
+              </a:rPr>
+              <a:t>podatkovnega</a:t>
+            </a:r>
+            <a:r>
+              <a:rPr lang="en-US" sz="1600" b="1" strike="noStrike" spc="-1" dirty="0">
+                <a:solidFill>
+                  <a:srgbClr val="000000"/>
+                </a:solidFill>
+                <a:latin typeface="Calibri"/>
+              </a:rPr>
+              <a:t> </a:t>
+            </a:r>
+            <a:r>
+              <a:rPr lang="en-US" sz="1600" b="1" strike="noStrike" spc="-1" dirty="0" err="1">
+                <a:solidFill>
+                  <a:srgbClr val="000000"/>
+                </a:solidFill>
+                <a:latin typeface="Calibri"/>
+              </a:rPr>
+              <a:t>rudarjenja</a:t>
+            </a:r>
+            <a:endParaRPr lang="en-US" sz="1600" b="0" strike="noStrike" spc="-1" dirty="0">
               <a:solidFill>
                 <a:srgbClr val="000000"/>
               </a:solidFill>
@@ -9667,24 +11762,45 @@
               <a:buFont typeface="Arial"/>
               <a:buChar char="-"/>
               <a:tabLst>
-                <a:tab algn="l" pos="0"/>
+                <a:tab pos="0" algn="l"/>
               </a:tabLst>
             </a:pPr>
             <a:r>
-              <a:rPr b="0" lang="en-US" sz="1600" spc="-1" strike="noStrike">
-                <a:solidFill>
-                  <a:srgbClr val="000000"/>
-                </a:solidFill>
-                <a:latin typeface="Calibri"/>
-              </a:rPr>
-              <a:t>Vprašanje/Cilj 1</a:t>
-            </a:r>
-            <a:endParaRPr b="0" lang="en-US" sz="1600" spc="-1" strike="noStrike">
-              <a:solidFill>
-                <a:srgbClr val="000000"/>
-              </a:solidFill>
-              <a:latin typeface="Calibri"/>
-            </a:endParaRPr>
+              <a:rPr lang="en-US" sz="1600" b="0" strike="noStrike" spc="-1" dirty="0" err="1">
+                <a:solidFill>
+                  <a:srgbClr val="000000"/>
+                </a:solidFill>
+                <a:latin typeface="Calibri"/>
+              </a:rPr>
+              <a:t>Vprašanje</a:t>
+            </a:r>
+            <a:r>
+              <a:rPr lang="en-US" sz="1600" b="0" strike="noStrike" spc="-1" dirty="0">
+                <a:solidFill>
+                  <a:srgbClr val="000000"/>
+                </a:solidFill>
+                <a:latin typeface="Calibri"/>
+              </a:rPr>
+              <a:t>/</a:t>
+            </a:r>
+            <a:r>
+              <a:rPr lang="en-US" sz="1600" b="0" strike="noStrike" spc="-1" dirty="0" err="1">
+                <a:solidFill>
+                  <a:srgbClr val="000000"/>
+                </a:solidFill>
+                <a:latin typeface="Calibri"/>
+              </a:rPr>
+              <a:t>Cilj</a:t>
+            </a:r>
+            <a:r>
+              <a:rPr lang="en-US" sz="1600" b="0" strike="noStrike" spc="-1" dirty="0">
+                <a:solidFill>
+                  <a:srgbClr val="000000"/>
+                </a:solidFill>
+                <a:latin typeface="Calibri"/>
+              </a:rPr>
+              <a:t> 1</a:t>
+            </a:r>
           </a:p>
           <a:p>
             <a:pPr marL="171360" indent="-171360">
@@ -9700,24 +11816,45 @@
               <a:buFont typeface="Arial"/>
               <a:buChar char="-"/>
               <a:tabLst>
-                <a:tab algn="l" pos="0"/>
+                <a:tab pos="0" algn="l"/>
               </a:tabLst>
             </a:pPr>
             <a:r>
-              <a:rPr b="0" lang="en-US" sz="1600" spc="-1" strike="noStrike">
-                <a:solidFill>
-                  <a:srgbClr val="000000"/>
-                </a:solidFill>
-                <a:latin typeface="Calibri"/>
-              </a:rPr>
-              <a:t>Vprašanje/Cilj 2</a:t>
-            </a:r>
-            <a:endParaRPr b="0" lang="en-US" sz="1600" spc="-1" strike="noStrike">
-              <a:solidFill>
-                <a:srgbClr val="000000"/>
-              </a:solidFill>
-              <a:latin typeface="Calibri"/>
-            </a:endParaRPr>
+              <a:rPr lang="en-US" sz="1600" b="0" strike="noStrike" spc="-1" dirty="0" err="1">
+                <a:solidFill>
+                  <a:srgbClr val="000000"/>
+                </a:solidFill>
+                <a:latin typeface="Calibri"/>
+              </a:rPr>
+              <a:t>Vprašanje</a:t>
+            </a:r>
+            <a:r>
+              <a:rPr lang="en-US" sz="1600" b="0" strike="noStrike" spc="-1" dirty="0">
+                <a:solidFill>
+                  <a:srgbClr val="000000"/>
+                </a:solidFill>
+                <a:latin typeface="Calibri"/>
+              </a:rPr>
+              <a:t>/</a:t>
+            </a:r>
+            <a:r>
+              <a:rPr lang="en-US" sz="1600" b="0" strike="noStrike" spc="-1" dirty="0" err="1">
+                <a:solidFill>
+                  <a:srgbClr val="000000"/>
+                </a:solidFill>
+                <a:latin typeface="Calibri"/>
+              </a:rPr>
+              <a:t>Cilj</a:t>
+            </a:r>
+            <a:r>
+              <a:rPr lang="en-US" sz="1600" b="0" strike="noStrike" spc="-1" dirty="0">
+                <a:solidFill>
+                  <a:srgbClr val="000000"/>
+                </a:solidFill>
+                <a:latin typeface="Calibri"/>
+              </a:rPr>
+              <a:t> 2</a:t>
+            </a:r>
           </a:p>
           <a:p>
             <a:pPr marL="171360" indent="-171360">
@@ -9733,24 +11870,45 @@
               <a:buFont typeface="Arial"/>
               <a:buChar char="-"/>
               <a:tabLst>
-                <a:tab algn="l" pos="0"/>
+                <a:tab pos="0" algn="l"/>
               </a:tabLst>
             </a:pPr>
             <a:r>
-              <a:rPr b="0" lang="en-US" sz="1600" spc="-1" strike="noStrike">
-                <a:solidFill>
-                  <a:srgbClr val="000000"/>
-                </a:solidFill>
-                <a:latin typeface="Calibri"/>
-              </a:rPr>
-              <a:t>Vprašanje/Cilj 3</a:t>
-            </a:r>
-            <a:endParaRPr b="0" lang="en-US" sz="1600" spc="-1" strike="noStrike">
-              <a:solidFill>
-                <a:srgbClr val="000000"/>
-              </a:solidFill>
-              <a:latin typeface="Calibri"/>
-            </a:endParaRPr>
+              <a:rPr lang="en-US" sz="1600" b="0" strike="noStrike" spc="-1" dirty="0" err="1">
+                <a:solidFill>
+                  <a:srgbClr val="000000"/>
+                </a:solidFill>
+                <a:latin typeface="Calibri"/>
+              </a:rPr>
+              <a:t>Vprašanje</a:t>
+            </a:r>
+            <a:r>
+              <a:rPr lang="en-US" sz="1600" b="0" strike="noStrike" spc="-1" dirty="0">
+                <a:solidFill>
+                  <a:srgbClr val="000000"/>
+                </a:solidFill>
+                <a:latin typeface="Calibri"/>
+              </a:rPr>
+              <a:t>/</a:t>
+            </a:r>
+            <a:r>
+              <a:rPr lang="en-US" sz="1600" b="0" strike="noStrike" spc="-1" dirty="0" err="1">
+                <a:solidFill>
+                  <a:srgbClr val="000000"/>
+                </a:solidFill>
+                <a:latin typeface="Calibri"/>
+              </a:rPr>
+              <a:t>Cilj</a:t>
+            </a:r>
+            <a:r>
+              <a:rPr lang="en-US" sz="1600" b="0" strike="noStrike" spc="-1" dirty="0">
+                <a:solidFill>
+                  <a:srgbClr val="000000"/>
+                </a:solidFill>
+                <a:latin typeface="Calibri"/>
+              </a:rPr>
+              <a:t> 3</a:t>
+            </a:r>
           </a:p>
         </p:txBody>
       </p:sp>
@@ -9783,6 +11941,7 @@
           <a:bodyPr anchor="t">
             <a:noAutofit/>
           </a:bodyPr>
+          <a:lstStyle/>
           <a:p>
             <a:pPr>
               <a:lnSpc>
@@ -9793,33 +11952,18 @@
               </a:spcBef>
               <a:buNone/>
               <a:tabLst>
-                <a:tab algn="l" pos="0"/>
+                <a:tab pos="0" algn="l"/>
               </a:tabLst>
             </a:pPr>
             <a:r>
-              <a:rPr b="0" lang="en-US" sz="1200" spc="-1" strike="noStrike">
-                <a:solidFill>
-                  <a:srgbClr val="000000"/>
-                </a:solidFill>
-                <a:latin typeface="Calibri"/>
-              </a:rPr>
-              <a:t> </a:t>
-            </a:r>
-            <a:r>
-              <a:rPr b="0" lang="en-US" sz="1200" spc="-1" strike="noStrike">
-                <a:solidFill>
-                  <a:srgbClr val="000000"/>
-                </a:solidFill>
-                <a:latin typeface="Calibri"/>
-              </a:rPr>
-              <a:t>Jerneja Krajcar </a:t>
-            </a:r>
-            <a:endParaRPr b="0" lang="en-US" sz="1200" spc="-1" strike="noStrike">
-              <a:solidFill>
-                <a:srgbClr val="000000"/>
-              </a:solidFill>
-              <a:latin typeface="Calibri"/>
-            </a:endParaRPr>
+              <a:rPr lang="en-US" sz="1200" b="0" strike="noStrike" spc="-1">
+                <a:solidFill>
+                  <a:srgbClr val="000000"/>
+                </a:solidFill>
+                <a:latin typeface="Calibri"/>
+              </a:rPr>
+              <a:t> Jerneja Krajcar </a:t>
+            </a:r>
           </a:p>
           <a:p>
             <a:pPr>
@@ -9831,33 +11975,18 @@
               </a:spcBef>
               <a:buNone/>
               <a:tabLst>
-                <a:tab algn="l" pos="0"/>
+                <a:tab pos="0" algn="l"/>
               </a:tabLst>
             </a:pPr>
             <a:r>
-              <a:rPr b="0" lang="en-US" sz="1200" spc="-1" strike="noStrike">
-                <a:solidFill>
-                  <a:srgbClr val="000000"/>
-                </a:solidFill>
-                <a:latin typeface="Calibri"/>
-              </a:rPr>
-              <a:t> </a:t>
-            </a:r>
-            <a:r>
-              <a:rPr b="0" lang="en-US" sz="1200" spc="-1" strike="noStrike">
-                <a:solidFill>
-                  <a:srgbClr val="000000"/>
-                </a:solidFill>
-                <a:latin typeface="Calibri"/>
-              </a:rPr>
-              <a:t>Blaž Mikec </a:t>
-            </a:r>
-            <a:endParaRPr b="0" lang="en-US" sz="1200" spc="-1" strike="noStrike">
-              <a:solidFill>
-                <a:srgbClr val="000000"/>
-              </a:solidFill>
-              <a:latin typeface="Calibri"/>
-            </a:endParaRPr>
+              <a:rPr lang="en-US" sz="1200" b="0" strike="noStrike" spc="-1">
+                <a:solidFill>
+                  <a:srgbClr val="000000"/>
+                </a:solidFill>
+                <a:latin typeface="Calibri"/>
+              </a:rPr>
+              <a:t> Blaž Mikec </a:t>
+            </a:r>
           </a:p>
           <a:p>
             <a:pPr>
@@ -9869,33 +11998,18 @@
               </a:spcBef>
               <a:buNone/>
               <a:tabLst>
-                <a:tab algn="l" pos="0"/>
+                <a:tab pos="0" algn="l"/>
               </a:tabLst>
             </a:pPr>
             <a:r>
-              <a:rPr b="0" lang="en-US" sz="1200" spc="-1" strike="noStrike">
-                <a:solidFill>
-                  <a:srgbClr val="000000"/>
-                </a:solidFill>
-                <a:latin typeface="Calibri"/>
-              </a:rPr>
-              <a:t> </a:t>
-            </a:r>
-            <a:r>
-              <a:rPr b="0" lang="en-US" sz="1200" spc="-1" strike="noStrike">
-                <a:solidFill>
-                  <a:srgbClr val="000000"/>
-                </a:solidFill>
-                <a:latin typeface="Calibri"/>
-              </a:rPr>
-              <a:t>Katarina Levec Grajfoner</a:t>
-            </a:r>
-            <a:endParaRPr b="0" lang="en-US" sz="1200" spc="-1" strike="noStrike">
-              <a:solidFill>
-                <a:srgbClr val="000000"/>
-              </a:solidFill>
-              <a:latin typeface="Calibri"/>
-            </a:endParaRPr>
+              <a:rPr lang="en-US" sz="1200" b="0" strike="noStrike" spc="-1">
+                <a:solidFill>
+                  <a:srgbClr val="000000"/>
+                </a:solidFill>
+                <a:latin typeface="Calibri"/>
+              </a:rPr>
+              <a:t> Katarina Levec Grajfoner</a:t>
+            </a:r>
           </a:p>
           <a:p>
             <a:pPr>
@@ -9907,33 +12021,18 @@
               </a:spcBef>
               <a:buNone/>
               <a:tabLst>
-                <a:tab algn="l" pos="0"/>
+                <a:tab pos="0" algn="l"/>
               </a:tabLst>
             </a:pPr>
             <a:r>
-              <a:rPr b="0" lang="en-US" sz="1200" spc="-1" strike="noStrike">
-                <a:solidFill>
-                  <a:srgbClr val="000000"/>
-                </a:solidFill>
-                <a:latin typeface="Calibri"/>
-              </a:rPr>
-              <a:t> </a:t>
-            </a:r>
-            <a:r>
-              <a:rPr b="0" lang="en-US" sz="1200" spc="-1" strike="noStrike">
-                <a:solidFill>
-                  <a:srgbClr val="000000"/>
-                </a:solidFill>
-                <a:latin typeface="Calibri"/>
-              </a:rPr>
-              <a:t>Eva Vidic </a:t>
-            </a:r>
-            <a:endParaRPr b="0" lang="en-US" sz="1200" spc="-1" strike="noStrike">
-              <a:solidFill>
-                <a:srgbClr val="000000"/>
-              </a:solidFill>
-              <a:latin typeface="Calibri"/>
-            </a:endParaRPr>
+              <a:rPr lang="en-US" sz="1200" b="0" strike="noStrike" spc="-1">
+                <a:solidFill>
+                  <a:srgbClr val="000000"/>
+                </a:solidFill>
+                <a:latin typeface="Calibri"/>
+              </a:rPr>
+              <a:t> Eva Vidic </a:t>
+            </a:r>
           </a:p>
           <a:p>
             <a:pPr>
@@ -9945,33 +12044,18 @@
               </a:spcBef>
               <a:buNone/>
               <a:tabLst>
-                <a:tab algn="l" pos="0"/>
+                <a:tab pos="0" algn="l"/>
               </a:tabLst>
             </a:pPr>
             <a:r>
-              <a:rPr b="0" lang="en-US" sz="1200" spc="-1" strike="noStrike">
-                <a:solidFill>
-                  <a:srgbClr val="000000"/>
-                </a:solidFill>
-                <a:latin typeface="Calibri"/>
-              </a:rPr>
-              <a:t> </a:t>
-            </a:r>
-            <a:r>
-              <a:rPr b="0" lang="en-US" sz="1200" spc="-1" strike="noStrike">
-                <a:solidFill>
-                  <a:srgbClr val="000000"/>
-                </a:solidFill>
-                <a:latin typeface="Calibri"/>
-              </a:rPr>
-              <a:t>Samo Herksel Japelj</a:t>
-            </a:r>
-            <a:endParaRPr b="0" lang="en-US" sz="1200" spc="-1" strike="noStrike">
-              <a:solidFill>
-                <a:srgbClr val="000000"/>
-              </a:solidFill>
-              <a:latin typeface="Calibri"/>
-            </a:endParaRPr>
+              <a:rPr lang="en-US" sz="1200" b="0" strike="noStrike" spc="-1">
+                <a:solidFill>
+                  <a:srgbClr val="000000"/>
+                </a:solidFill>
+                <a:latin typeface="Calibri"/>
+              </a:rPr>
+              <a:t> Samo Herksel Japelj</a:t>
+            </a:r>
           </a:p>
         </p:txBody>
       </p:sp>
@@ -10008,9 +12092,9 @@
                 <a:spcPct val="100000"/>
               </a:lnSpc>
               <a:buNone/>
-              <a:defRPr b="0" lang="en-US" sz="900" spc="-1" strike="noStrike">
-                <a:solidFill>
-                  <a:srgbClr val="8b8b8b"/>
+              <a:defRPr lang="en-US" sz="900" b="0" strike="noStrike" spc="-1">
+                <a:solidFill>
+                  <a:srgbClr val="8B8B8B"/>
                 </a:solidFill>
                 <a:latin typeface="Calibri"/>
               </a:defRPr>
@@ -10024,15 +12108,15 @@
               <a:buNone/>
             </a:pPr>
             <a:r>
-              <a:rPr b="0" lang="en-US" sz="900" spc="-1" strike="noStrike">
-                <a:solidFill>
-                  <a:srgbClr val="8b8b8b"/>
+              <a:rPr lang="en-US" sz="900" b="0" strike="noStrike" spc="-1">
+                <a:solidFill>
+                  <a:srgbClr val="8B8B8B"/>
                 </a:solidFill>
                 <a:latin typeface="Calibri"/>
               </a:rPr>
               <a:t>12. 4. 2023</a:t>
             </a:r>
-            <a:endParaRPr b="0" lang="en-US" sz="900" spc="-1" strike="noStrike">
+            <a:endParaRPr lang="en-US" sz="900" b="0" strike="noStrike" spc="-1">
               <a:latin typeface="Times New Roman"/>
             </a:endParaRPr>
           </a:p>
@@ -10071,9 +12155,9 @@
                 <a:spcPct val="100000"/>
               </a:lnSpc>
               <a:buNone/>
-              <a:defRPr b="0" lang="en-US" sz="900" spc="-1" strike="noStrike">
-                <a:solidFill>
-                  <a:srgbClr val="8b8b8b"/>
+              <a:defRPr lang="en-US" sz="900" b="0" strike="noStrike" spc="-1">
+                <a:solidFill>
+                  <a:srgbClr val="8B8B8B"/>
                 </a:solidFill>
                 <a:latin typeface="Calibri"/>
               </a:defRPr>
@@ -10087,15 +12171,15 @@
               <a:buNone/>
             </a:pPr>
             <a:r>
-              <a:rPr b="0" lang="en-US" sz="900" spc="-1" strike="noStrike">
-                <a:solidFill>
-                  <a:srgbClr val="8b8b8b"/>
+              <a:rPr lang="en-US" sz="900" b="0" strike="noStrike" spc="-1">
+                <a:solidFill>
+                  <a:srgbClr val="8B8B8B"/>
                 </a:solidFill>
                 <a:latin typeface="Calibri"/>
               </a:rPr>
               <a:t>PR22-23, Vmesna predstavitev</a:t>
             </a:r>
-            <a:endParaRPr b="0" lang="en-US" sz="900" spc="-1" strike="noStrike">
+            <a:endParaRPr lang="en-US" sz="900" b="0" strike="noStrike" spc="-1">
               <a:latin typeface="Times New Roman"/>
             </a:endParaRPr>
           </a:p>
@@ -10114,28 +12198,26 @@
         <p:spPr/>
         <p:txBody>
           <a:bodyPr/>
+          <a:lstStyle/>
           <a:p>
             <a:fld id="{C87EC587-1E8B-41B7-9A79-6ACBD565AE99}" type="slidenum">
+              <a:rPr/>
               <a:t>1</a:t>
             </a:fld>
+            <a:endParaRPr/>
           </a:p>
         </p:txBody>
       </p:sp>
     </p:spTree>
   </p:cSld>
-  <mc:AlternateContent>
-    <mc:Choice Requires="p14">
-      <p:transition spd="slow" p14:dur="2000"/>
-    </mc:Choice>
-    <mc:Fallback>
-      <p:transition spd="slow"/>
-    </mc:Fallback>
-  </mc:AlternateContent>
+  <p:clrMapOvr>
+    <a:masterClrMapping/>
+  </p:clrMapOvr>
 </p:sld>
 </file>
 
 <file path=ppt/slides/slide2.xml><?xml version="1.0" encoding="utf-8"?>
-<p:sld xmlns:a="http://schemas.openxmlformats.org/drawingml/2006/main" xmlns:p="http://schemas.openxmlformats.org/presentationml/2006/main" xmlns:r="http://schemas.openxmlformats.org/officeDocument/2006/relationships" xmlns:p14="http://schemas.microsoft.com/office/powerpoint/2010/main" xmlns:p15="http://schemas.microsoft.com/office/powerpoint/2012/main" xmlns:mc="http://schemas.openxmlformats.org/markup-compatibility/2006">
+<p:sld xmlns:a="http://schemas.openxmlformats.org/drawingml/2006/main" xmlns:r="http://schemas.openxmlformats.org/officeDocument/2006/relationships" xmlns:p="http://schemas.openxmlformats.org/presentationml/2006/main">
   <p:cSld>
     <p:spTree>
       <p:nvGrpSpPr>
@@ -10180,6 +12262,7 @@
           <a:bodyPr anchor="t">
             <a:normAutofit/>
           </a:bodyPr>
+          <a:lstStyle/>
           <a:p>
             <a:pPr>
               <a:lnSpc>
@@ -10190,11 +12273,11 @@
               </a:spcBef>
               <a:buNone/>
               <a:tabLst>
-                <a:tab algn="l" pos="0"/>
+                <a:tab pos="0" algn="l"/>
               </a:tabLst>
             </a:pPr>
             <a:r>
-              <a:rPr b="0" lang="en-US" sz="1600" spc="-1" strike="noStrike">
+              <a:rPr lang="en-US" sz="1600" b="0" strike="noStrike" spc="-1">
                 <a:solidFill>
                   <a:srgbClr val="000000"/>
                 </a:solidFill>
@@ -10202,12 +12285,6 @@
               </a:rPr>
               <a:t>Kako boste dosegli cilj 1 oziroma odgovorili na vprašanje 1…</a:t>
             </a:r>
-            <a:endParaRPr b="0" lang="en-US" sz="1600" spc="-1" strike="noStrike">
-              <a:solidFill>
-                <a:srgbClr val="000000"/>
-              </a:solidFill>
-              <a:latin typeface="Calibri"/>
-            </a:endParaRPr>
           </a:p>
         </p:txBody>
       </p:sp>
@@ -10240,6 +12317,7 @@
           <a:bodyPr anchor="t">
             <a:normAutofit/>
           </a:bodyPr>
+          <a:lstStyle/>
           <a:p>
             <a:pPr>
               <a:lnSpc>
@@ -10250,7 +12328,7 @@
               </a:spcBef>
               <a:buNone/>
             </a:pPr>
-            <a:endParaRPr b="0" lang="en-US" sz="2100" spc="-1" strike="noStrike">
+            <a:endParaRPr lang="en-US" sz="2100" b="0" strike="noStrike" spc="-1">
               <a:solidFill>
                 <a:srgbClr val="000000"/>
               </a:solidFill>
@@ -10279,15 +12357,22 @@
           </a:ln>
         </p:spPr>
         <p:style>
-          <a:lnRef idx="0"/>
-          <a:fillRef idx="0"/>
-          <a:effectRef idx="0"/>
+          <a:lnRef idx="0">
+            <a:scrgbClr r="0" g="0" b="0"/>
+          </a:lnRef>
+          <a:fillRef idx="0">
+            <a:scrgbClr r="0" g="0" b="0"/>
+          </a:fillRef>
+          <a:effectRef idx="0">
+            <a:scrgbClr r="0" g="0" b="0"/>
+          </a:effectRef>
           <a:fontRef idx="minor"/>
         </p:style>
         <p:txBody>
           <a:bodyPr anchor="t">
             <a:normAutofit/>
           </a:bodyPr>
+          <a:lstStyle/>
           <a:p>
             <a:pPr>
               <a:lnSpc>
@@ -10298,11 +12383,11 @@
               </a:spcBef>
               <a:buNone/>
               <a:tabLst>
-                <a:tab algn="l" pos="0"/>
+                <a:tab pos="0" algn="l"/>
               </a:tabLst>
             </a:pPr>
             <a:r>
-              <a:rPr b="1" lang="en-US" sz="1600" spc="-1" strike="noStrike">
+              <a:rPr lang="en-US" sz="1600" b="1" strike="noStrike" spc="-1">
                 <a:solidFill>
                   <a:srgbClr val="000000"/>
                 </a:solidFill>
@@ -10310,7 +12395,7 @@
               </a:rPr>
               <a:t>Podroben opis ciljev in metod</a:t>
             </a:r>
-            <a:endParaRPr b="0" lang="en-US" sz="1600" spc="-1" strike="noStrike">
+            <a:endParaRPr lang="en-US" sz="1600" b="0" strike="noStrike" spc="-1">
               <a:latin typeface="Arial"/>
             </a:endParaRPr>
           </a:p>
@@ -10336,9 +12421,15 @@
           </a:ln>
         </p:spPr>
         <p:style>
-          <a:lnRef idx="0"/>
-          <a:fillRef idx="0"/>
-          <a:effectRef idx="0"/>
+          <a:lnRef idx="0">
+            <a:scrgbClr r="0" g="0" b="0"/>
+          </a:lnRef>
+          <a:fillRef idx="0">
+            <a:scrgbClr r="0" g="0" b="0"/>
+          </a:fillRef>
+          <a:effectRef idx="0">
+            <a:scrgbClr r="0" g="0" b="0"/>
+          </a:effectRef>
           <a:fontRef idx="minor"/>
         </p:style>
       </p:sp>
@@ -10362,15 +12453,22 @@
           </a:ln>
         </p:spPr>
         <p:style>
-          <a:lnRef idx="0"/>
-          <a:fillRef idx="0"/>
-          <a:effectRef idx="0"/>
+          <a:lnRef idx="0">
+            <a:scrgbClr r="0" g="0" b="0"/>
+          </a:lnRef>
+          <a:fillRef idx="0">
+            <a:scrgbClr r="0" g="0" b="0"/>
+          </a:fillRef>
+          <a:effectRef idx="0">
+            <a:scrgbClr r="0" g="0" b="0"/>
+          </a:effectRef>
           <a:fontRef idx="minor"/>
         </p:style>
         <p:txBody>
           <a:bodyPr anchor="t">
-            <a:normAutofit fontScale="71000"/>
-          </a:bodyPr>
+            <a:normAutofit fontScale="93500"/>
+          </a:bodyPr>
+          <a:lstStyle/>
           <a:p>
             <a:pPr>
               <a:lnSpc>
@@ -10381,11 +12479,11 @@
               </a:spcBef>
               <a:buNone/>
               <a:tabLst>
-                <a:tab algn="l" pos="0"/>
+                <a:tab pos="0" algn="l"/>
               </a:tabLst>
             </a:pPr>
             <a:r>
-              <a:rPr b="1" lang="en-US" sz="1600" spc="-1" strike="noStrike">
+              <a:rPr lang="en-US" sz="1600" b="1" strike="noStrike" spc="-1">
                 <a:solidFill>
                   <a:srgbClr val="000000"/>
                 </a:solidFill>
@@ -10393,7 +12491,7 @@
               </a:rPr>
               <a:t>Rezultati/dosedanje ugotovitve/odprta vprašanja</a:t>
             </a:r>
-            <a:endParaRPr b="0" lang="en-US" sz="1600" spc="-1" strike="noStrike">
+            <a:endParaRPr lang="en-US" sz="1600" b="0" strike="noStrike" spc="-1">
               <a:latin typeface="Arial"/>
             </a:endParaRPr>
           </a:p>
@@ -10432,9 +12530,9 @@
                 <a:spcPct val="100000"/>
               </a:lnSpc>
               <a:buNone/>
-              <a:defRPr b="0" lang="en-US" sz="900" spc="-1" strike="noStrike">
-                <a:solidFill>
-                  <a:srgbClr val="8b8b8b"/>
+              <a:defRPr lang="en-US" sz="900" b="0" strike="noStrike" spc="-1">
+                <a:solidFill>
+                  <a:srgbClr val="8B8B8B"/>
                 </a:solidFill>
                 <a:latin typeface="Calibri"/>
               </a:defRPr>
@@ -10448,15 +12546,15 @@
               <a:buNone/>
             </a:pPr>
             <a:r>
-              <a:rPr b="0" lang="en-US" sz="900" spc="-1" strike="noStrike">
-                <a:solidFill>
-                  <a:srgbClr val="8b8b8b"/>
+              <a:rPr lang="en-US" sz="900" b="0" strike="noStrike" spc="-1">
+                <a:solidFill>
+                  <a:srgbClr val="8B8B8B"/>
                 </a:solidFill>
                 <a:latin typeface="Calibri"/>
               </a:rPr>
               <a:t>12. 4. 2023</a:t>
             </a:r>
-            <a:endParaRPr b="0" lang="en-US" sz="900" spc="-1" strike="noStrike">
+            <a:endParaRPr lang="en-US" sz="900" b="0" strike="noStrike" spc="-1">
               <a:latin typeface="Times New Roman"/>
             </a:endParaRPr>
           </a:p>
@@ -10495,9 +12593,9 @@
                 <a:spcPct val="100000"/>
               </a:lnSpc>
               <a:buNone/>
-              <a:defRPr b="0" lang="en-US" sz="900" spc="-1" strike="noStrike">
-                <a:solidFill>
-                  <a:srgbClr val="8b8b8b"/>
+              <a:defRPr lang="en-US" sz="900" b="0" strike="noStrike" spc="-1">
+                <a:solidFill>
+                  <a:srgbClr val="8B8B8B"/>
                 </a:solidFill>
                 <a:latin typeface="Calibri"/>
               </a:defRPr>
@@ -10511,15 +12609,15 @@
               <a:buNone/>
             </a:pPr>
             <a:r>
-              <a:rPr b="0" lang="en-US" sz="900" spc="-1" strike="noStrike">
-                <a:solidFill>
-                  <a:srgbClr val="8b8b8b"/>
+              <a:rPr lang="en-US" sz="900" b="0" strike="noStrike" spc="-1">
+                <a:solidFill>
+                  <a:srgbClr val="8B8B8B"/>
                 </a:solidFill>
                 <a:latin typeface="Calibri"/>
               </a:rPr>
               <a:t>PR22-23, Vmesna predstavitev</a:t>
             </a:r>
-            <a:endParaRPr b="0" lang="en-US" sz="900" spc="-1" strike="noStrike">
+            <a:endParaRPr lang="en-US" sz="900" b="0" strike="noStrike" spc="-1">
               <a:latin typeface="Times New Roman"/>
             </a:endParaRPr>
           </a:p>
@@ -10538,28 +12636,25 @@
         <p:spPr/>
         <p:txBody>
           <a:bodyPr/>
+          <a:lstStyle/>
           <a:p>
             <a:fld id="{BCB4E988-DEA4-4DCB-842B-16FD0B24F3D4}" type="slidenum">
               <a:t>2</a:t>
             </a:fld>
+            <a:endParaRPr/>
           </a:p>
         </p:txBody>
       </p:sp>
     </p:spTree>
   </p:cSld>
-  <mc:AlternateContent>
-    <mc:Choice Requires="p14">
-      <p:transition spd="slow" p14:dur="2000"/>
-    </mc:Choice>
-    <mc:Fallback>
-      <p:transition spd="slow"/>
-    </mc:Fallback>
-  </mc:AlternateContent>
+  <p:clrMapOvr>
+    <a:masterClrMapping/>
+  </p:clrMapOvr>
 </p:sld>
 </file>
 
 <file path=ppt/slides/slide3.xml><?xml version="1.0" encoding="utf-8"?>
-<p:sld xmlns:a="http://schemas.openxmlformats.org/drawingml/2006/main" xmlns:p="http://schemas.openxmlformats.org/presentationml/2006/main" xmlns:r="http://schemas.openxmlformats.org/officeDocument/2006/relationships" xmlns:p14="http://schemas.microsoft.com/office/powerpoint/2010/main" xmlns:p15="http://schemas.microsoft.com/office/powerpoint/2012/main" xmlns:mc="http://schemas.openxmlformats.org/markup-compatibility/2006">
+<p:sld xmlns:a="http://schemas.openxmlformats.org/drawingml/2006/main" xmlns:r="http://schemas.openxmlformats.org/officeDocument/2006/relationships" xmlns:p="http://schemas.openxmlformats.org/presentationml/2006/main">
   <p:cSld>
     <p:spTree>
       <p:nvGrpSpPr>
@@ -10602,6 +12697,7 @@
           <a:bodyPr anchor="ctr">
             <a:normAutofit/>
           </a:bodyPr>
+          <a:lstStyle/>
           <a:p>
             <a:pPr>
               <a:lnSpc>
@@ -10610,7 +12706,7 @@
               <a:buNone/>
             </a:pPr>
             <a:r>
-              <a:rPr b="1" lang="en-US" sz="1600" spc="-1" strike="noStrike">
+              <a:rPr lang="en-US" sz="1600" b="1" strike="noStrike" spc="-1">
                 <a:solidFill>
                   <a:srgbClr val="000000"/>
                 </a:solidFill>
@@ -10618,7 +12714,7 @@
               </a:rPr>
               <a:t>Dodatna prosojnica za rezultate oz. odprta vprašanja (če potrebno)</a:t>
             </a:r>
-            <a:endParaRPr b="0" lang="en-US" sz="1600" spc="-1" strike="noStrike">
+            <a:endParaRPr lang="en-US" sz="1600" b="0" strike="noStrike" spc="-1">
               <a:solidFill>
                 <a:srgbClr val="000000"/>
               </a:solidFill>
@@ -10656,6 +12752,7 @@
           <a:bodyPr anchor="t">
             <a:normAutofit/>
           </a:bodyPr>
+          <a:lstStyle/>
           <a:p>
             <a:pPr>
               <a:lnSpc>
@@ -10666,7 +12763,7 @@
               </a:spcBef>
               <a:buNone/>
             </a:pPr>
-            <a:endParaRPr b="0" lang="en-US" sz="2100" spc="-1" strike="noStrike">
+            <a:endParaRPr lang="en-US" sz="2100" b="0" strike="noStrike" spc="-1">
               <a:solidFill>
                 <a:srgbClr val="000000"/>
               </a:solidFill>
@@ -10708,9 +12805,9 @@
                 <a:spcPct val="100000"/>
               </a:lnSpc>
               <a:buNone/>
-              <a:defRPr b="0" lang="en-US" sz="900" spc="-1" strike="noStrike">
-                <a:solidFill>
-                  <a:srgbClr val="8b8b8b"/>
+              <a:defRPr lang="en-US" sz="900" b="0" strike="noStrike" spc="-1">
+                <a:solidFill>
+                  <a:srgbClr val="8B8B8B"/>
                 </a:solidFill>
                 <a:latin typeface="Calibri"/>
               </a:defRPr>
@@ -10724,15 +12821,15 @@
               <a:buNone/>
             </a:pPr>
             <a:r>
-              <a:rPr b="0" lang="en-US" sz="900" spc="-1" strike="noStrike">
-                <a:solidFill>
-                  <a:srgbClr val="8b8b8b"/>
+              <a:rPr lang="en-US" sz="900" b="0" strike="noStrike" spc="-1">
+                <a:solidFill>
+                  <a:srgbClr val="8B8B8B"/>
                 </a:solidFill>
                 <a:latin typeface="Calibri"/>
               </a:rPr>
               <a:t>12. 4. 2023</a:t>
             </a:r>
-            <a:endParaRPr b="0" lang="en-US" sz="900" spc="-1" strike="noStrike">
+            <a:endParaRPr lang="en-US" sz="900" b="0" strike="noStrike" spc="-1">
               <a:latin typeface="Times New Roman"/>
             </a:endParaRPr>
           </a:p>
@@ -10771,9 +12868,9 @@
                 <a:spcPct val="100000"/>
               </a:lnSpc>
               <a:buNone/>
-              <a:defRPr b="0" lang="en-US" sz="900" spc="-1" strike="noStrike">
-                <a:solidFill>
-                  <a:srgbClr val="8b8b8b"/>
+              <a:defRPr lang="en-US" sz="900" b="0" strike="noStrike" spc="-1">
+                <a:solidFill>
+                  <a:srgbClr val="8B8B8B"/>
                 </a:solidFill>
                 <a:latin typeface="Calibri"/>
               </a:defRPr>
@@ -10787,15 +12884,15 @@
               <a:buNone/>
             </a:pPr>
             <a:r>
-              <a:rPr b="0" lang="en-US" sz="900" spc="-1" strike="noStrike">
-                <a:solidFill>
-                  <a:srgbClr val="8b8b8b"/>
+              <a:rPr lang="en-US" sz="900" b="0" strike="noStrike" spc="-1">
+                <a:solidFill>
+                  <a:srgbClr val="8B8B8B"/>
                 </a:solidFill>
                 <a:latin typeface="Calibri"/>
               </a:rPr>
               <a:t>PR22-23, Vmesna predstavitev</a:t>
             </a:r>
-            <a:endParaRPr b="0" lang="en-US" sz="900" spc="-1" strike="noStrike">
+            <a:endParaRPr lang="en-US" sz="900" b="0" strike="noStrike" spc="-1">
               <a:latin typeface="Times New Roman"/>
             </a:endParaRPr>
           </a:p>
@@ -10814,23 +12911,20 @@
         <p:spPr/>
         <p:txBody>
           <a:bodyPr/>
+          <a:lstStyle/>
           <a:p>
             <a:fld id="{3D905BC9-DAA3-4B3A-A5F0-C9613D64D3F3}" type="slidenum">
               <a:t>3</a:t>
             </a:fld>
+            <a:endParaRPr/>
           </a:p>
         </p:txBody>
       </p:sp>
     </p:spTree>
   </p:cSld>
-  <mc:AlternateContent>
-    <mc:Choice Requires="p14">
-      <p:transition spd="slow" p14:dur="2000"/>
-    </mc:Choice>
-    <mc:Fallback>
-      <p:transition spd="slow"/>
-    </mc:Fallback>
-  </mc:AlternateContent>
+  <p:clrMapOvr>
+    <a:masterClrMapping/>
+  </p:clrMapOvr>
 </p:sld>
 </file>
 
@@ -10845,34 +12939,34 @@
         <a:sysClr val="window" lastClr="FFFFFF"/>
       </a:lt1>
       <a:dk2>
-        <a:srgbClr val="44546a"/>
+        <a:srgbClr val="44546A"/>
       </a:dk2>
       <a:lt2>
-        <a:srgbClr val="e7e6e6"/>
+        <a:srgbClr val="E7E6E6"/>
       </a:lt2>
       <a:accent1>
-        <a:srgbClr val="4472c4"/>
+        <a:srgbClr val="4472C4"/>
       </a:accent1>
       <a:accent2>
-        <a:srgbClr val="ed7d31"/>
+        <a:srgbClr val="ED7D31"/>
       </a:accent2>
       <a:accent3>
-        <a:srgbClr val="a5a5a5"/>
+        <a:srgbClr val="A5A5A5"/>
       </a:accent3>
       <a:accent4>
-        <a:srgbClr val="ffc000"/>
+        <a:srgbClr val="FFC000"/>
       </a:accent4>
       <a:accent5>
-        <a:srgbClr val="5b9bd5"/>
+        <a:srgbClr val="5B9BD5"/>
       </a:accent5>
       <a:accent6>
-        <a:srgbClr val="70ad47"/>
+        <a:srgbClr val="70AD47"/>
       </a:accent6>
       <a:hlink>
-        <a:srgbClr val="0563c1"/>
+        <a:srgbClr val="0563C1"/>
       </a:hlink>
       <a:folHlink>
-        <a:srgbClr val="954f72"/>
+        <a:srgbClr val="954F72"/>
       </a:folHlink>
     </a:clrScheme>
     <a:fontScheme name="Office">
@@ -11057,6 +13151,8 @@
       </a:bgFillStyleLst>
     </a:fmtScheme>
   </a:themeElements>
+  <a:objectDefaults/>
+  <a:extraClrSchemeLst/>
 </a:theme>
 </file>
 
@@ -11071,34 +13167,34 @@
         <a:sysClr val="window" lastClr="FFFFFF"/>
       </a:lt1>
       <a:dk2>
-        <a:srgbClr val="44546a"/>
+        <a:srgbClr val="44546A"/>
       </a:dk2>
       <a:lt2>
-        <a:srgbClr val="e7e6e6"/>
+        <a:srgbClr val="E7E6E6"/>
       </a:lt2>
       <a:accent1>
-        <a:srgbClr val="4472c4"/>
+        <a:srgbClr val="4472C4"/>
       </a:accent1>
       <a:accent2>
-        <a:srgbClr val="ed7d31"/>
+        <a:srgbClr val="ED7D31"/>
       </a:accent2>
       <a:accent3>
-        <a:srgbClr val="a5a5a5"/>
+        <a:srgbClr val="A5A5A5"/>
       </a:accent3>
       <a:accent4>
-        <a:srgbClr val="ffc000"/>
+        <a:srgbClr val="FFC000"/>
       </a:accent4>
       <a:accent5>
-        <a:srgbClr val="5b9bd5"/>
+        <a:srgbClr val="5B9BD5"/>
       </a:accent5>
       <a:accent6>
-        <a:srgbClr val="70ad47"/>
+        <a:srgbClr val="70AD47"/>
       </a:accent6>
       <a:hlink>
-        <a:srgbClr val="0563c1"/>
+        <a:srgbClr val="0563C1"/>
       </a:hlink>
       <a:folHlink>
-        <a:srgbClr val="954f72"/>
+        <a:srgbClr val="954F72"/>
       </a:folHlink>
     </a:clrScheme>
     <a:fontScheme name="Office">
@@ -11283,6 +13379,8 @@
       </a:bgFillStyleLst>
     </a:fmtScheme>
   </a:themeElements>
+  <a:objectDefaults/>
+  <a:extraClrSchemeLst/>
 </a:theme>
 </file>
 
@@ -11297,34 +13395,34 @@
         <a:sysClr val="window" lastClr="FFFFFF"/>
       </a:lt1>
       <a:dk2>
-        <a:srgbClr val="44546a"/>
+        <a:srgbClr val="44546A"/>
       </a:dk2>
       <a:lt2>
-        <a:srgbClr val="e7e6e6"/>
+        <a:srgbClr val="E7E6E6"/>
       </a:lt2>
       <a:accent1>
-        <a:srgbClr val="4472c4"/>
+        <a:srgbClr val="4472C4"/>
       </a:accent1>
       <a:accent2>
-        <a:srgbClr val="ed7d31"/>
+        <a:srgbClr val="ED7D31"/>
       </a:accent2>
       <a:accent3>
-        <a:srgbClr val="a5a5a5"/>
+        <a:srgbClr val="A5A5A5"/>
       </a:accent3>
       <a:accent4>
-        <a:srgbClr val="ffc000"/>
+        <a:srgbClr val="FFC000"/>
       </a:accent4>
       <a:accent5>
-        <a:srgbClr val="5b9bd5"/>
+        <a:srgbClr val="5B9BD5"/>
       </a:accent5>
       <a:accent6>
-        <a:srgbClr val="70ad47"/>
+        <a:srgbClr val="70AD47"/>
       </a:accent6>
       <a:hlink>
-        <a:srgbClr val="0563c1"/>
+        <a:srgbClr val="0563C1"/>
       </a:hlink>
       <a:folHlink>
-        <a:srgbClr val="954f72"/>
+        <a:srgbClr val="954F72"/>
       </a:folHlink>
     </a:clrScheme>
     <a:fontScheme name="Office">
@@ -11509,5 +13607,7 @@
       </a:bgFillStyleLst>
     </a:fmtScheme>
   </a:themeElements>
+  <a:objectDefaults/>
+  <a:extraClrSchemeLst/>
 </a:theme>
 </file>